--- a/일정 및 비용.pptx
+++ b/일정 및 비용.pptx
@@ -5,11 +5,12 @@
     <p:sldMasterId id="2147483648" r:id="rId1"/>
   </p:sldMasterIdLst>
   <p:notesMasterIdLst>
-    <p:notesMasterId r:id="rId4"/>
+    <p:notesMasterId r:id="rId5"/>
   </p:notesMasterIdLst>
   <p:sldIdLst>
     <p:sldId id="313" r:id="rId2"/>
     <p:sldId id="314" r:id="rId3"/>
+    <p:sldId id="315" r:id="rId4"/>
   </p:sldIdLst>
   <p:sldSz cx="12192000" cy="6858000"/>
   <p:notesSz cx="6858000" cy="9144000"/>
@@ -624,6 +625,90 @@
     <p:extLst>
       <p:ext uri="{BB962C8B-B14F-4D97-AF65-F5344CB8AC3E}">
         <p14:creationId xmlns:p14="http://schemas.microsoft.com/office/powerpoint/2010/main" val="33601942"/>
+      </p:ext>
+    </p:extLst>
+  </p:cSld>
+  <p:clrMapOvr>
+    <a:masterClrMapping/>
+  </p:clrMapOvr>
+</p:notes>
+</file>
+
+<file path=ppt/notesSlides/notesSlide3.xml><?xml version="1.0" encoding="utf-8"?>
+<p:notes xmlns:a="http://schemas.openxmlformats.org/drawingml/2006/main" xmlns:r="http://schemas.openxmlformats.org/officeDocument/2006/relationships" xmlns:p="http://schemas.openxmlformats.org/presentationml/2006/main">
+  <p:cSld>
+    <p:spTree>
+      <p:nvGrpSpPr>
+        <p:cNvPr id="1" name=""/>
+        <p:cNvGrpSpPr/>
+        <p:nvPr/>
+      </p:nvGrpSpPr>
+      <p:grpSpPr>
+        <a:xfrm>
+          <a:off x="0" y="0"/>
+          <a:ext cx="0" cy="0"/>
+          <a:chOff x="0" y="0"/>
+          <a:chExt cx="0" cy="0"/>
+        </a:xfrm>
+      </p:grpSpPr>
+      <p:sp>
+        <p:nvSpPr>
+          <p:cNvPr id="2" name="슬라이드 이미지 개체 틀 1"/>
+          <p:cNvSpPr>
+            <a:spLocks noGrp="1" noRot="1" noChangeAspect="1"/>
+          </p:cNvSpPr>
+          <p:nvPr>
+            <p:ph type="sldImg"/>
+          </p:nvPr>
+        </p:nvSpPr>
+        <p:spPr/>
+      </p:sp>
+      <p:sp>
+        <p:nvSpPr>
+          <p:cNvPr id="3" name="슬라이드 노트 개체 틀 2"/>
+          <p:cNvSpPr>
+            <a:spLocks noGrp="1"/>
+          </p:cNvSpPr>
+          <p:nvPr>
+            <p:ph type="body" idx="1"/>
+          </p:nvPr>
+        </p:nvSpPr>
+        <p:spPr/>
+        <p:txBody>
+          <a:bodyPr/>
+          <a:lstStyle/>
+          <a:p>
+            <a:endParaRPr lang="ko-KR" altLang="en-US"/>
+          </a:p>
+        </p:txBody>
+      </p:sp>
+      <p:sp>
+        <p:nvSpPr>
+          <p:cNvPr id="4" name="슬라이드 번호 개체 틀 3"/>
+          <p:cNvSpPr>
+            <a:spLocks noGrp="1"/>
+          </p:cNvSpPr>
+          <p:nvPr>
+            <p:ph type="sldNum" sz="quarter" idx="5"/>
+          </p:nvPr>
+        </p:nvSpPr>
+        <p:spPr/>
+        <p:txBody>
+          <a:bodyPr/>
+          <a:lstStyle/>
+          <a:p>
+            <a:fld id="{330DAC1C-4267-46E2-9188-086170C4F265}" type="slidenum">
+              <a:rPr lang="ko-KR" altLang="en-US" smtClean="0"/>
+              <a:t>3</a:t>
+            </a:fld>
+            <a:endParaRPr lang="ko-KR" altLang="en-US"/>
+          </a:p>
+        </p:txBody>
+      </p:sp>
+    </p:spTree>
+    <p:extLst>
+      <p:ext uri="{BB962C8B-B14F-4D97-AF65-F5344CB8AC3E}">
+        <p14:creationId xmlns:p14="http://schemas.microsoft.com/office/powerpoint/2010/main" val="1546454981"/>
       </p:ext>
     </p:extLst>
   </p:cSld>
@@ -28836,6 +28921,58 @@
       </p:grpSpPr>
       <p:sp>
         <p:nvSpPr>
+          <p:cNvPr id="4" name="직사각형 3">
+            <a:extLst>
+              <a:ext uri="{FF2B5EF4-FFF2-40B4-BE49-F238E27FC236}">
+                <a16:creationId xmlns:a16="http://schemas.microsoft.com/office/drawing/2014/main" id="{DB804B15-B8CA-D579-B2B2-58C5074A5CF5}"/>
+              </a:ext>
+            </a:extLst>
+          </p:cNvPr>
+          <p:cNvSpPr/>
+          <p:nvPr/>
+        </p:nvSpPr>
+        <p:spPr>
+          <a:xfrm>
+            <a:off x="-4406900" y="-165100"/>
+            <a:ext cx="6653855" cy="7823200"/>
+          </a:xfrm>
+          <a:prstGeom prst="rect">
+            <a:avLst/>
+          </a:prstGeom>
+          <a:solidFill>
+            <a:schemeClr val="bg1"/>
+          </a:solidFill>
+          <a:ln>
+            <a:noFill/>
+          </a:ln>
+        </p:spPr>
+        <p:style>
+          <a:lnRef idx="2">
+            <a:schemeClr val="accent1">
+              <a:shade val="15000"/>
+            </a:schemeClr>
+          </a:lnRef>
+          <a:fillRef idx="1">
+            <a:schemeClr val="accent1"/>
+          </a:fillRef>
+          <a:effectRef idx="0">
+            <a:schemeClr val="accent1"/>
+          </a:effectRef>
+          <a:fontRef idx="minor">
+            <a:schemeClr val="lt1"/>
+          </a:fontRef>
+        </p:style>
+        <p:txBody>
+          <a:bodyPr rtlCol="0" anchor="ctr"/>
+          <a:lstStyle/>
+          <a:p>
+            <a:pPr algn="ctr"/>
+            <a:endParaRPr lang="ko-KR" altLang="en-US"/>
+          </a:p>
+        </p:txBody>
+      </p:sp>
+      <p:sp>
+        <p:nvSpPr>
           <p:cNvPr id="20" name="TextBox 19">
             <a:extLst>
               <a:ext uri="{FF2B5EF4-FFF2-40B4-BE49-F238E27FC236}">
@@ -28848,7 +28985,7 @@
         </p:nvSpPr>
         <p:spPr>
           <a:xfrm>
-            <a:off x="3800877" y="3064328"/>
+            <a:off x="3441282" y="3043780"/>
             <a:ext cx="875071" cy="707886"/>
           </a:xfrm>
           <a:prstGeom prst="rect">
@@ -28888,7 +29025,7 @@
         </p:nvSpPr>
         <p:spPr>
           <a:xfrm>
-            <a:off x="7511530" y="3064328"/>
+            <a:off x="7151935" y="3043780"/>
             <a:ext cx="875071" cy="707886"/>
           </a:xfrm>
           <a:prstGeom prst="rect">
@@ -28928,7 +29065,7 @@
         </p:nvSpPr>
         <p:spPr>
           <a:xfrm>
-            <a:off x="9382498" y="3228945"/>
+            <a:off x="9022903" y="3208397"/>
             <a:ext cx="848310" cy="400110"/>
           </a:xfrm>
           <a:prstGeom prst="rect">
@@ -28969,14 +29106,14 @@
           <p:nvPr>
             <p:extLst>
               <p:ext uri="{D42A27DB-BD31-4B8C-83A1-F6EECF244321}">
-                <p14:modId xmlns:p14="http://schemas.microsoft.com/office/powerpoint/2010/main" val="1864251004"/>
+                <p14:modId xmlns:p14="http://schemas.microsoft.com/office/powerpoint/2010/main" val="3909095233"/>
               </p:ext>
             </p:extLst>
           </p:nvPr>
         </p:nvGraphicFramePr>
         <p:xfrm>
-          <a:off x="1420279" y="633065"/>
-          <a:ext cx="10439494" cy="6091238"/>
+          <a:off x="-678094" y="612517"/>
+          <a:ext cx="12178272" cy="6471993"/>
         </p:xfrm>
         <a:graphic>
           <a:graphicData uri="http://schemas.openxmlformats.org/drawingml/2006/table">
@@ -28985,31 +29122,38 @@
                 <a:tableStyleId>{5C22544A-7EE6-4342-B048-85BDC9FD1C3A}</a:tableStyleId>
               </a:tblPr>
               <a:tblGrid>
-                <a:gridCol w="4962418">
+                <a:gridCol w="2989779">
                   <a:extLst>
                     <a:ext uri="{9D8B030D-6E8A-4147-A177-3AD203B41FA5}">
                       <a16:colId xmlns:a16="http://schemas.microsoft.com/office/drawing/2014/main" val="3695081796"/>
                     </a:ext>
                   </a:extLst>
                 </a:gridCol>
-                <a:gridCol w="1337475">
+                <a:gridCol w="1294544">
                   <a:extLst>
                     <a:ext uri="{9D8B030D-6E8A-4147-A177-3AD203B41FA5}">
                       <a16:colId xmlns:a16="http://schemas.microsoft.com/office/drawing/2014/main" val="4283573044"/>
                     </a:ext>
                   </a:extLst>
                 </a:gridCol>
-                <a:gridCol w="1458901">
+                <a:gridCol w="801384">
                   <a:extLst>
                     <a:ext uri="{9D8B030D-6E8A-4147-A177-3AD203B41FA5}">
                       <a16:colId xmlns:a16="http://schemas.microsoft.com/office/drawing/2014/main" val="167325562"/>
                     </a:ext>
                   </a:extLst>
                 </a:gridCol>
-                <a:gridCol w="2680700">
+                <a:gridCol w="1962365">
                   <a:extLst>
                     <a:ext uri="{9D8B030D-6E8A-4147-A177-3AD203B41FA5}">
                       <a16:colId xmlns:a16="http://schemas.microsoft.com/office/drawing/2014/main" val="1057601127"/>
+                    </a:ext>
+                  </a:extLst>
+                </a:gridCol>
+                <a:gridCol w="5130200">
+                  <a:extLst>
+                    <a:ext uri="{9D8B030D-6E8A-4147-A177-3AD203B41FA5}">
+                      <a16:colId xmlns:a16="http://schemas.microsoft.com/office/drawing/2014/main" val="2521208935"/>
                     </a:ext>
                   </a:extLst>
                 </a:gridCol>
@@ -29201,37 +29345,423 @@
                             <a:schemeClr val="tx1"/>
                           </a:solidFill>
                         </a:rPr>
-                        <a:t>최종 가격 </a:t>
+                        <a:t>최종 가격</a:t>
                       </a:r>
+                    </a:p>
+                  </a:txBody>
+                  <a:tcPr anchor="ctr">
+                    <a:lnL w="12700" cap="flat" cmpd="sng" algn="ctr">
+                      <a:solidFill>
+                        <a:schemeClr val="tx1"/>
+                      </a:solidFill>
+                      <a:prstDash val="solid"/>
+                      <a:round/>
+                      <a:headEnd type="none" w="med" len="med"/>
+                      <a:tailEnd type="none" w="med" len="med"/>
+                    </a:lnL>
+                    <a:lnR w="12700" cap="flat" cmpd="sng" algn="ctr">
+                      <a:solidFill>
+                        <a:schemeClr val="tx1"/>
+                      </a:solidFill>
+                      <a:prstDash val="solid"/>
+                      <a:round/>
+                      <a:headEnd type="none" w="med" len="med"/>
+                      <a:tailEnd type="none" w="med" len="med"/>
+                    </a:lnR>
+                    <a:lnT w="12700" cap="flat" cmpd="sng" algn="ctr">
+                      <a:solidFill>
+                        <a:schemeClr val="tx1"/>
+                      </a:solidFill>
+                      <a:prstDash val="solid"/>
+                      <a:round/>
+                      <a:headEnd type="none" w="med" len="med"/>
+                      <a:tailEnd type="none" w="med" len="med"/>
+                    </a:lnT>
+                    <a:lnB w="12700" cap="flat" cmpd="sng" algn="ctr">
+                      <a:solidFill>
+                        <a:schemeClr val="tx1"/>
+                      </a:solidFill>
+                      <a:prstDash val="solid"/>
+                      <a:round/>
+                      <a:headEnd type="none" w="med" len="med"/>
+                      <a:tailEnd type="none" w="med" len="med"/>
+                    </a:lnB>
+                    <a:solidFill>
+                      <a:schemeClr val="bg1"/>
+                    </a:solidFill>
+                  </a:tcPr>
+                </a:tc>
+                <a:tc>
+                  <a:txBody>
+                    <a:bodyPr/>
+                    <a:lstStyle/>
+                    <a:p>
+                      <a:pPr algn="ctr" latinLnBrk="1"/>
+                      <a:r>
+                        <a:rPr lang="ko-KR" altLang="en-US" dirty="0">
+                          <a:solidFill>
+                            <a:schemeClr val="tx1"/>
+                          </a:solidFill>
+                        </a:rPr>
+                        <a:t>비고</a:t>
+                      </a:r>
+                    </a:p>
+                  </a:txBody>
+                  <a:tcPr anchor="ctr">
+                    <a:lnL w="12700" cap="flat" cmpd="sng" algn="ctr">
+                      <a:solidFill>
+                        <a:schemeClr val="tx1"/>
+                      </a:solidFill>
+                      <a:prstDash val="solid"/>
+                      <a:round/>
+                      <a:headEnd type="none" w="med" len="med"/>
+                      <a:tailEnd type="none" w="med" len="med"/>
+                    </a:lnL>
+                    <a:lnR w="12700" cap="flat" cmpd="sng" algn="ctr">
+                      <a:solidFill>
+                        <a:schemeClr val="tx1"/>
+                      </a:solidFill>
+                      <a:prstDash val="solid"/>
+                      <a:round/>
+                      <a:headEnd type="none" w="med" len="med"/>
+                      <a:tailEnd type="none" w="med" len="med"/>
+                    </a:lnR>
+                    <a:lnT w="12700" cap="flat" cmpd="sng" algn="ctr">
+                      <a:solidFill>
+                        <a:schemeClr val="tx1"/>
+                      </a:solidFill>
+                      <a:prstDash val="solid"/>
+                      <a:round/>
+                      <a:headEnd type="none" w="med" len="med"/>
+                      <a:tailEnd type="none" w="med" len="med"/>
+                    </a:lnT>
+                    <a:lnB w="12700" cap="flat" cmpd="sng" algn="ctr">
+                      <a:solidFill>
+                        <a:schemeClr val="tx1"/>
+                      </a:solidFill>
+                      <a:prstDash val="solid"/>
+                      <a:round/>
+                      <a:headEnd type="none" w="med" len="med"/>
+                      <a:tailEnd type="none" w="med" len="med"/>
+                    </a:lnB>
+                    <a:solidFill>
+                      <a:schemeClr val="bg1"/>
+                    </a:solidFill>
+                  </a:tcPr>
+                </a:tc>
+                <a:extLst>
+                  <a:ext uri="{0D108BD9-81ED-4DB2-BD59-A6C34878D82A}">
+                    <a16:rowId xmlns:a16="http://schemas.microsoft.com/office/drawing/2014/main" val="4196032134"/>
+                  </a:ext>
+                </a:extLst>
+              </a:tr>
+              <a:tr h="380755">
+                <a:tc>
+                  <a:txBody>
+                    <a:bodyPr/>
+                    <a:lstStyle/>
+                    <a:p>
+                      <a:pPr marL="0" marR="0" lvl="0" indent="0" algn="ctr" defTabSz="914400" rtl="0" eaLnBrk="1" fontAlgn="auto" latinLnBrk="1" hangingPunct="1">
+                        <a:lnSpc>
+                          <a:spcPct val="100000"/>
+                        </a:lnSpc>
+                        <a:spcBef>
+                          <a:spcPts val="0"/>
+                        </a:spcBef>
+                        <a:spcAft>
+                          <a:spcPts val="0"/>
+                        </a:spcAft>
+                        <a:buClrTx/>
+                        <a:buSzTx/>
+                        <a:buFontTx/>
+                        <a:buNone/>
+                        <a:tabLst/>
+                        <a:defRPr/>
+                      </a:pPr>
+                      <a:r>
+                        <a:rPr lang="en-US" altLang="ko-KR" sz="1800" b="0" i="0" u="none" strike="noStrike" kern="1200" dirty="0">
+                          <a:solidFill>
+                            <a:schemeClr val="dk1"/>
+                          </a:solidFill>
+                          <a:effectLst/>
+                          <a:latin typeface="+mn-lt"/>
+                          <a:ea typeface="+mn-ea"/>
+                          <a:cs typeface="+mn-cs"/>
+                        </a:rPr>
+                        <a:t>Raspberry Pi</a:t>
+                      </a:r>
+                      <a:endParaRPr lang="ko-KR" altLang="en-US" dirty="0">
+                        <a:solidFill>
+                          <a:schemeClr val="tx1"/>
+                        </a:solidFill>
+                      </a:endParaRPr>
+                    </a:p>
+                  </a:txBody>
+                  <a:tcPr anchor="ctr">
+                    <a:lnL w="12700" cap="flat" cmpd="sng" algn="ctr">
+                      <a:solidFill>
+                        <a:schemeClr val="tx1"/>
+                      </a:solidFill>
+                      <a:prstDash val="solid"/>
+                      <a:round/>
+                      <a:headEnd type="none" w="med" len="med"/>
+                      <a:tailEnd type="none" w="med" len="med"/>
+                    </a:lnL>
+                    <a:lnR w="12700" cap="flat" cmpd="sng" algn="ctr">
+                      <a:solidFill>
+                        <a:schemeClr val="tx1"/>
+                      </a:solidFill>
+                      <a:prstDash val="solid"/>
+                      <a:round/>
+                      <a:headEnd type="none" w="med" len="med"/>
+                      <a:tailEnd type="none" w="med" len="med"/>
+                    </a:lnR>
+                    <a:lnT w="12700" cap="flat" cmpd="sng" algn="ctr">
+                      <a:solidFill>
+                        <a:schemeClr val="tx1"/>
+                      </a:solidFill>
+                      <a:prstDash val="solid"/>
+                      <a:round/>
+                      <a:headEnd type="none" w="med" len="med"/>
+                      <a:tailEnd type="none" w="med" len="med"/>
+                    </a:lnT>
+                    <a:lnB w="12700" cap="flat" cmpd="sng" algn="ctr">
+                      <a:solidFill>
+                        <a:schemeClr val="tx1"/>
+                      </a:solidFill>
+                      <a:prstDash val="solid"/>
+                      <a:round/>
+                      <a:headEnd type="none" w="med" len="med"/>
+                      <a:tailEnd type="none" w="med" len="med"/>
+                    </a:lnB>
+                    <a:solidFill>
+                      <a:schemeClr val="bg1"/>
+                    </a:solidFill>
+                  </a:tcPr>
+                </a:tc>
+                <a:tc>
+                  <a:txBody>
+                    <a:bodyPr/>
+                    <a:lstStyle/>
+                    <a:p>
+                      <a:pPr algn="ctr" latinLnBrk="1"/>
                       <a:r>
                         <a:rPr lang="en-US" altLang="ko-KR" dirty="0">
                           <a:solidFill>
                             <a:schemeClr val="tx1"/>
                           </a:solidFill>
                         </a:rPr>
-                        <a:t>(</a:t>
+                        <a:t>23,500</a:t>
                       </a:r>
-                      <a:r>
-                        <a:rPr lang="ko-KR" altLang="en-US" dirty="0">
-                          <a:solidFill>
-                            <a:schemeClr val="tx1"/>
-                          </a:solidFill>
-                        </a:rPr>
-                        <a:t>예상</a:t>
-                      </a:r>
+                      <a:endParaRPr lang="ko-KR" altLang="en-US" dirty="0">
+                        <a:solidFill>
+                          <a:schemeClr val="tx1"/>
+                        </a:solidFill>
+                      </a:endParaRPr>
+                    </a:p>
+                  </a:txBody>
+                  <a:tcPr anchor="ctr">
+                    <a:lnL w="12700" cap="flat" cmpd="sng" algn="ctr">
+                      <a:solidFill>
+                        <a:schemeClr val="tx1"/>
+                      </a:solidFill>
+                      <a:prstDash val="solid"/>
+                      <a:round/>
+                      <a:headEnd type="none" w="med" len="med"/>
+                      <a:tailEnd type="none" w="med" len="med"/>
+                    </a:lnL>
+                    <a:lnR w="12700" cap="flat" cmpd="sng" algn="ctr">
+                      <a:solidFill>
+                        <a:schemeClr val="tx1"/>
+                      </a:solidFill>
+                      <a:prstDash val="solid"/>
+                      <a:round/>
+                      <a:headEnd type="none" w="med" len="med"/>
+                      <a:tailEnd type="none" w="med" len="med"/>
+                    </a:lnR>
+                    <a:lnT w="12700" cap="flat" cmpd="sng" algn="ctr">
+                      <a:solidFill>
+                        <a:schemeClr val="tx1"/>
+                      </a:solidFill>
+                      <a:prstDash val="solid"/>
+                      <a:round/>
+                      <a:headEnd type="none" w="med" len="med"/>
+                      <a:tailEnd type="none" w="med" len="med"/>
+                    </a:lnT>
+                    <a:lnB w="12700" cap="flat" cmpd="sng" algn="ctr">
+                      <a:solidFill>
+                        <a:schemeClr val="tx1"/>
+                      </a:solidFill>
+                      <a:prstDash val="solid"/>
+                      <a:round/>
+                      <a:headEnd type="none" w="med" len="med"/>
+                      <a:tailEnd type="none" w="med" len="med"/>
+                    </a:lnB>
+                    <a:solidFill>
+                      <a:schemeClr val="bg1"/>
+                    </a:solidFill>
+                  </a:tcPr>
+                </a:tc>
+                <a:tc>
+                  <a:txBody>
+                    <a:bodyPr/>
+                    <a:lstStyle/>
+                    <a:p>
+                      <a:pPr algn="ctr" latinLnBrk="1"/>
                       <a:r>
                         <a:rPr lang="en-US" altLang="ko-KR" dirty="0">
                           <a:solidFill>
                             <a:schemeClr val="tx1"/>
                           </a:solidFill>
                         </a:rPr>
-                        <a:t>)</a:t>
+                        <a:t>1</a:t>
                       </a:r>
                       <a:endParaRPr lang="ko-KR" altLang="en-US" dirty="0">
                         <a:solidFill>
                           <a:schemeClr val="tx1"/>
                         </a:solidFill>
                       </a:endParaRPr>
+                    </a:p>
+                  </a:txBody>
+                  <a:tcPr anchor="ctr">
+                    <a:lnL w="12700" cap="flat" cmpd="sng" algn="ctr">
+                      <a:solidFill>
+                        <a:schemeClr val="tx1"/>
+                      </a:solidFill>
+                      <a:prstDash val="solid"/>
+                      <a:round/>
+                      <a:headEnd type="none" w="med" len="med"/>
+                      <a:tailEnd type="none" w="med" len="med"/>
+                    </a:lnL>
+                    <a:lnR w="12700" cap="flat" cmpd="sng" algn="ctr">
+                      <a:solidFill>
+                        <a:schemeClr val="tx1"/>
+                      </a:solidFill>
+                      <a:prstDash val="solid"/>
+                      <a:round/>
+                      <a:headEnd type="none" w="med" len="med"/>
+                      <a:tailEnd type="none" w="med" len="med"/>
+                    </a:lnR>
+                    <a:lnT w="12700" cap="flat" cmpd="sng" algn="ctr">
+                      <a:solidFill>
+                        <a:schemeClr val="tx1"/>
+                      </a:solidFill>
+                      <a:prstDash val="solid"/>
+                      <a:round/>
+                      <a:headEnd type="none" w="med" len="med"/>
+                      <a:tailEnd type="none" w="med" len="med"/>
+                    </a:lnT>
+                    <a:lnB w="12700" cap="flat" cmpd="sng" algn="ctr">
+                      <a:solidFill>
+                        <a:schemeClr val="tx1"/>
+                      </a:solidFill>
+                      <a:prstDash val="solid"/>
+                      <a:round/>
+                      <a:headEnd type="none" w="med" len="med"/>
+                      <a:tailEnd type="none" w="med" len="med"/>
+                    </a:lnB>
+                    <a:solidFill>
+                      <a:schemeClr val="bg1"/>
+                    </a:solidFill>
+                  </a:tcPr>
+                </a:tc>
+                <a:tc>
+                  <a:txBody>
+                    <a:bodyPr/>
+                    <a:lstStyle/>
+                    <a:p>
+                      <a:pPr algn="ctr" latinLnBrk="1"/>
+                      <a:r>
+                        <a:rPr lang="en-US" altLang="ko-KR" dirty="0">
+                          <a:solidFill>
+                            <a:schemeClr val="tx1"/>
+                          </a:solidFill>
+                        </a:rPr>
+                        <a:t>23,500</a:t>
+                      </a:r>
+                      <a:endParaRPr lang="ko-KR" altLang="en-US" dirty="0">
+                        <a:solidFill>
+                          <a:schemeClr val="tx1"/>
+                        </a:solidFill>
+                      </a:endParaRPr>
+                    </a:p>
+                  </a:txBody>
+                  <a:tcPr anchor="ctr">
+                    <a:lnL w="12700" cap="flat" cmpd="sng" algn="ctr">
+                      <a:solidFill>
+                        <a:schemeClr val="tx1"/>
+                      </a:solidFill>
+                      <a:prstDash val="solid"/>
+                      <a:round/>
+                      <a:headEnd type="none" w="med" len="med"/>
+                      <a:tailEnd type="none" w="med" len="med"/>
+                    </a:lnL>
+                    <a:lnR w="12700" cap="flat" cmpd="sng" algn="ctr">
+                      <a:solidFill>
+                        <a:schemeClr val="tx1"/>
+                      </a:solidFill>
+                      <a:prstDash val="solid"/>
+                      <a:round/>
+                      <a:headEnd type="none" w="med" len="med"/>
+                      <a:tailEnd type="none" w="med" len="med"/>
+                    </a:lnR>
+                    <a:lnT w="12700" cap="flat" cmpd="sng" algn="ctr">
+                      <a:solidFill>
+                        <a:schemeClr val="tx1"/>
+                      </a:solidFill>
+                      <a:prstDash val="solid"/>
+                      <a:round/>
+                      <a:headEnd type="none" w="med" len="med"/>
+                      <a:tailEnd type="none" w="med" len="med"/>
+                    </a:lnT>
+                    <a:lnB w="12700" cap="flat" cmpd="sng" algn="ctr">
+                      <a:solidFill>
+                        <a:schemeClr val="tx1"/>
+                      </a:solidFill>
+                      <a:prstDash val="solid"/>
+                      <a:round/>
+                      <a:headEnd type="none" w="med" len="med"/>
+                      <a:tailEnd type="none" w="med" len="med"/>
+                    </a:lnB>
+                    <a:solidFill>
+                      <a:schemeClr val="bg1"/>
+                    </a:solidFill>
+                  </a:tcPr>
+                </a:tc>
+                <a:tc>
+                  <a:txBody>
+                    <a:bodyPr/>
+                    <a:lstStyle/>
+                    <a:p>
+                      <a:pPr marL="0" marR="0" lvl="0" indent="0" algn="ctr" defTabSz="914400" rtl="0" eaLnBrk="1" fontAlgn="auto" latinLnBrk="1" hangingPunct="1">
+                        <a:lnSpc>
+                          <a:spcPct val="100000"/>
+                        </a:lnSpc>
+                        <a:spcBef>
+                          <a:spcPts val="0"/>
+                        </a:spcBef>
+                        <a:spcAft>
+                          <a:spcPts val="0"/>
+                        </a:spcAft>
+                        <a:buClrTx/>
+                        <a:buSzTx/>
+                        <a:buFontTx/>
+                        <a:buNone/>
+                        <a:tabLst/>
+                        <a:defRPr/>
+                      </a:pPr>
+                      <a:r>
+                        <a:rPr lang="pl-PL" altLang="ko-KR" sz="1800" b="0" i="0" kern="1200" dirty="0">
+                          <a:solidFill>
+                            <a:schemeClr val="dk1"/>
+                          </a:solidFill>
+                          <a:effectLst/>
+                          <a:latin typeface="+mn-lt"/>
+                          <a:ea typeface="+mn-ea"/>
+                          <a:cs typeface="+mn-cs"/>
+                        </a:rPr>
+                        <a:t>Raspberry Pi Zero 2 W</a:t>
+                      </a:r>
                     </a:p>
                   </a:txBody>
                   <a:tcPr anchor="ctr">
@@ -29278,7 +29808,7 @@
                 </a:tc>
                 <a:extLst>
                   <a:ext uri="{0D108BD9-81ED-4DB2-BD59-A6C34878D82A}">
-                    <a16:rowId xmlns:a16="http://schemas.microsoft.com/office/drawing/2014/main" val="4196032134"/>
+                    <a16:rowId xmlns:a16="http://schemas.microsoft.com/office/drawing/2014/main" val="4031950433"/>
                   </a:ext>
                 </a:extLst>
               </a:tr>
@@ -29530,6 +30060,61 @@
                     </a:solidFill>
                   </a:tcPr>
                 </a:tc>
+                <a:tc>
+                  <a:txBody>
+                    <a:bodyPr/>
+                    <a:lstStyle/>
+                    <a:p>
+                      <a:pPr algn="ctr" latinLnBrk="1"/>
+                      <a:endParaRPr lang="ko-KR" altLang="en-US" dirty="0">
+                        <a:solidFill>
+                          <a:schemeClr val="tx1"/>
+                        </a:solidFill>
+                      </a:endParaRPr>
+                    </a:p>
+                  </a:txBody>
+                  <a:tcPr>
+                    <a:lnL w="12700" cap="flat" cmpd="sng" algn="ctr">
+                      <a:solidFill>
+                        <a:schemeClr val="tx1"/>
+                      </a:solidFill>
+                      <a:prstDash val="solid"/>
+                      <a:round/>
+                      <a:headEnd type="none" w="med" len="med"/>
+                      <a:tailEnd type="none" w="med" len="med"/>
+                    </a:lnL>
+                    <a:lnR w="12700" cap="flat" cmpd="sng" algn="ctr">
+                      <a:solidFill>
+                        <a:schemeClr val="tx1"/>
+                      </a:solidFill>
+                      <a:prstDash val="solid"/>
+                      <a:round/>
+                      <a:headEnd type="none" w="med" len="med"/>
+                      <a:tailEnd type="none" w="med" len="med"/>
+                    </a:lnR>
+                    <a:lnT w="12700" cap="flat" cmpd="sng" algn="ctr">
+                      <a:solidFill>
+                        <a:schemeClr val="tx1"/>
+                      </a:solidFill>
+                      <a:prstDash val="solid"/>
+                      <a:round/>
+                      <a:headEnd type="none" w="med" len="med"/>
+                      <a:tailEnd type="none" w="med" len="med"/>
+                    </a:lnT>
+                    <a:lnB w="12700" cap="flat" cmpd="sng" algn="ctr">
+                      <a:solidFill>
+                        <a:schemeClr val="tx1"/>
+                      </a:solidFill>
+                      <a:prstDash val="solid"/>
+                      <a:round/>
+                      <a:headEnd type="none" w="med" len="med"/>
+                      <a:tailEnd type="none" w="med" len="med"/>
+                    </a:lnB>
+                    <a:solidFill>
+                      <a:schemeClr val="bg1"/>
+                    </a:solidFill>
+                  </a:tcPr>
+                </a:tc>
                 <a:extLst>
                   <a:ext uri="{0D108BD9-81ED-4DB2-BD59-A6C34878D82A}">
                     <a16:rowId xmlns:a16="http://schemas.microsoft.com/office/drawing/2014/main" val="1878439317"/>
@@ -29789,6 +30374,61 @@
                     </a:solidFill>
                   </a:tcPr>
                 </a:tc>
+                <a:tc>
+                  <a:txBody>
+                    <a:bodyPr/>
+                    <a:lstStyle/>
+                    <a:p>
+                      <a:pPr algn="ctr" latinLnBrk="1"/>
+                      <a:endParaRPr lang="ko-KR" altLang="en-US" dirty="0">
+                        <a:solidFill>
+                          <a:schemeClr val="tx1"/>
+                        </a:solidFill>
+                      </a:endParaRPr>
+                    </a:p>
+                  </a:txBody>
+                  <a:tcPr>
+                    <a:lnL w="12700" cap="flat" cmpd="sng" algn="ctr">
+                      <a:solidFill>
+                        <a:schemeClr val="tx1"/>
+                      </a:solidFill>
+                      <a:prstDash val="solid"/>
+                      <a:round/>
+                      <a:headEnd type="none" w="med" len="med"/>
+                      <a:tailEnd type="none" w="med" len="med"/>
+                    </a:lnL>
+                    <a:lnR w="12700" cap="flat" cmpd="sng" algn="ctr">
+                      <a:solidFill>
+                        <a:schemeClr val="tx1"/>
+                      </a:solidFill>
+                      <a:prstDash val="solid"/>
+                      <a:round/>
+                      <a:headEnd type="none" w="med" len="med"/>
+                      <a:tailEnd type="none" w="med" len="med"/>
+                    </a:lnR>
+                    <a:lnT w="12700" cap="flat" cmpd="sng" algn="ctr">
+                      <a:solidFill>
+                        <a:schemeClr val="tx1"/>
+                      </a:solidFill>
+                      <a:prstDash val="solid"/>
+                      <a:round/>
+                      <a:headEnd type="none" w="med" len="med"/>
+                      <a:tailEnd type="none" w="med" len="med"/>
+                    </a:lnT>
+                    <a:lnB w="12700" cap="flat" cmpd="sng" algn="ctr">
+                      <a:solidFill>
+                        <a:schemeClr val="tx1"/>
+                      </a:solidFill>
+                      <a:prstDash val="solid"/>
+                      <a:round/>
+                      <a:headEnd type="none" w="med" len="med"/>
+                      <a:tailEnd type="none" w="med" len="med"/>
+                    </a:lnB>
+                    <a:solidFill>
+                      <a:schemeClr val="bg1"/>
+                    </a:solidFill>
+                  </a:tcPr>
+                </a:tc>
                 <a:extLst>
                   <a:ext uri="{0D108BD9-81ED-4DB2-BD59-A6C34878D82A}">
                     <a16:rowId xmlns:a16="http://schemas.microsoft.com/office/drawing/2014/main" val="3565154030"/>
@@ -29803,13 +30443,18 @@
                     <a:p>
                       <a:pPr algn="ctr" latinLnBrk="1"/>
                       <a:r>
-                        <a:rPr lang="ko-KR" altLang="en-US" dirty="0">
+                        <a:rPr lang="ko-KR" altLang="en-US" dirty="0" err="1">
                           <a:solidFill>
                             <a:schemeClr val="tx1"/>
                           </a:solidFill>
                         </a:rPr>
-                        <a:t>모터</a:t>
+                        <a:t>서보모터</a:t>
                       </a:r>
+                      <a:endParaRPr lang="ko-KR" altLang="en-US" dirty="0">
+                        <a:solidFill>
+                          <a:schemeClr val="tx1"/>
+                        </a:solidFill>
+                      </a:endParaRPr>
                     </a:p>
                   </a:txBody>
                   <a:tcPr>
@@ -29866,7 +30511,7 @@
                             <a:schemeClr val="tx1"/>
                           </a:solidFill>
                         </a:rPr>
-                        <a:t>0.5</a:t>
+                        <a:t>6,500</a:t>
                       </a:r>
                       <a:endParaRPr lang="ko-KR" altLang="en-US" dirty="0">
                         <a:solidFill>
@@ -29929,7 +30574,261 @@
                             <a:schemeClr val="tx1"/>
                           </a:solidFill>
                         </a:rPr>
-                        <a:t>4</a:t>
+                        <a:t>1</a:t>
+                      </a:r>
+                      <a:endParaRPr lang="ko-KR" altLang="en-US" dirty="0">
+                        <a:solidFill>
+                          <a:schemeClr val="tx1"/>
+                        </a:solidFill>
+                      </a:endParaRPr>
+                    </a:p>
+                  </a:txBody>
+                  <a:tcPr>
+                    <a:lnL w="12700" cap="flat" cmpd="sng" algn="ctr">
+                      <a:solidFill>
+                        <a:schemeClr val="tx1"/>
+                      </a:solidFill>
+                      <a:prstDash val="solid"/>
+                      <a:round/>
+                      <a:headEnd type="none" w="med" len="med"/>
+                      <a:tailEnd type="none" w="med" len="med"/>
+                    </a:lnL>
+                    <a:lnR w="12700" cap="flat" cmpd="sng" algn="ctr">
+                      <a:solidFill>
+                        <a:schemeClr val="tx1"/>
+                      </a:solidFill>
+                      <a:prstDash val="solid"/>
+                      <a:round/>
+                      <a:headEnd type="none" w="med" len="med"/>
+                      <a:tailEnd type="none" w="med" len="med"/>
+                    </a:lnR>
+                    <a:lnT w="12700" cap="flat" cmpd="sng" algn="ctr">
+                      <a:solidFill>
+                        <a:schemeClr val="tx1"/>
+                      </a:solidFill>
+                      <a:prstDash val="solid"/>
+                      <a:round/>
+                      <a:headEnd type="none" w="med" len="med"/>
+                      <a:tailEnd type="none" w="med" len="med"/>
+                    </a:lnT>
+                    <a:lnB w="12700" cap="flat" cmpd="sng" algn="ctr">
+                      <a:solidFill>
+                        <a:schemeClr val="tx1"/>
+                      </a:solidFill>
+                      <a:prstDash val="solid"/>
+                      <a:round/>
+                      <a:headEnd type="none" w="med" len="med"/>
+                      <a:tailEnd type="none" w="med" len="med"/>
+                    </a:lnB>
+                    <a:solidFill>
+                      <a:schemeClr val="bg1"/>
+                    </a:solidFill>
+                  </a:tcPr>
+                </a:tc>
+                <a:tc>
+                  <a:txBody>
+                    <a:bodyPr/>
+                    <a:lstStyle/>
+                    <a:p>
+                      <a:pPr algn="ctr" latinLnBrk="1"/>
+                      <a:r>
+                        <a:rPr lang="en-US" altLang="ko-KR" dirty="0">
+                          <a:solidFill>
+                            <a:schemeClr val="tx1"/>
+                          </a:solidFill>
+                        </a:rPr>
+                        <a:t>6500</a:t>
+                      </a:r>
+                      <a:endParaRPr lang="ko-KR" altLang="en-US" dirty="0">
+                        <a:solidFill>
+                          <a:schemeClr val="tx1"/>
+                        </a:solidFill>
+                      </a:endParaRPr>
+                    </a:p>
+                  </a:txBody>
+                  <a:tcPr>
+                    <a:lnL w="12700" cap="flat" cmpd="sng" algn="ctr">
+                      <a:solidFill>
+                        <a:schemeClr val="tx1"/>
+                      </a:solidFill>
+                      <a:prstDash val="solid"/>
+                      <a:round/>
+                      <a:headEnd type="none" w="med" len="med"/>
+                      <a:tailEnd type="none" w="med" len="med"/>
+                    </a:lnL>
+                    <a:lnR w="12700" cap="flat" cmpd="sng" algn="ctr">
+                      <a:solidFill>
+                        <a:schemeClr val="tx1"/>
+                      </a:solidFill>
+                      <a:prstDash val="solid"/>
+                      <a:round/>
+                      <a:headEnd type="none" w="med" len="med"/>
+                      <a:tailEnd type="none" w="med" len="med"/>
+                    </a:lnR>
+                    <a:lnT w="12700" cap="flat" cmpd="sng" algn="ctr">
+                      <a:solidFill>
+                        <a:schemeClr val="tx1"/>
+                      </a:solidFill>
+                      <a:prstDash val="solid"/>
+                      <a:round/>
+                      <a:headEnd type="none" w="med" len="med"/>
+                      <a:tailEnd type="none" w="med" len="med"/>
+                    </a:lnT>
+                    <a:lnB w="12700" cap="flat" cmpd="sng" algn="ctr">
+                      <a:solidFill>
+                        <a:schemeClr val="tx1"/>
+                      </a:solidFill>
+                      <a:prstDash val="solid"/>
+                      <a:round/>
+                      <a:headEnd type="none" w="med" len="med"/>
+                      <a:tailEnd type="none" w="med" len="med"/>
+                    </a:lnB>
+                    <a:solidFill>
+                      <a:schemeClr val="bg1"/>
+                    </a:solidFill>
+                  </a:tcPr>
+                </a:tc>
+                <a:tc>
+                  <a:txBody>
+                    <a:bodyPr/>
+                    <a:lstStyle/>
+                    <a:p>
+                      <a:pPr algn="ctr" latinLnBrk="1"/>
+                      <a:r>
+                        <a:rPr lang="en-US" altLang="ko-KR" dirty="0">
+                          <a:solidFill>
+                            <a:schemeClr val="tx1"/>
+                          </a:solidFill>
+                        </a:rPr>
+                        <a:t>MG996R</a:t>
+                      </a:r>
+                      <a:endParaRPr lang="ko-KR" altLang="en-US" dirty="0">
+                        <a:solidFill>
+                          <a:schemeClr val="tx1"/>
+                        </a:solidFill>
+                      </a:endParaRPr>
+                    </a:p>
+                  </a:txBody>
+                  <a:tcPr>
+                    <a:lnL w="12700" cap="flat" cmpd="sng" algn="ctr">
+                      <a:solidFill>
+                        <a:schemeClr val="tx1"/>
+                      </a:solidFill>
+                      <a:prstDash val="solid"/>
+                      <a:round/>
+                      <a:headEnd type="none" w="med" len="med"/>
+                      <a:tailEnd type="none" w="med" len="med"/>
+                    </a:lnL>
+                    <a:lnR w="12700" cap="flat" cmpd="sng" algn="ctr">
+                      <a:solidFill>
+                        <a:schemeClr val="tx1"/>
+                      </a:solidFill>
+                      <a:prstDash val="solid"/>
+                      <a:round/>
+                      <a:headEnd type="none" w="med" len="med"/>
+                      <a:tailEnd type="none" w="med" len="med"/>
+                    </a:lnR>
+                    <a:lnT w="12700" cap="flat" cmpd="sng" algn="ctr">
+                      <a:solidFill>
+                        <a:schemeClr val="tx1"/>
+                      </a:solidFill>
+                      <a:prstDash val="solid"/>
+                      <a:round/>
+                      <a:headEnd type="none" w="med" len="med"/>
+                      <a:tailEnd type="none" w="med" len="med"/>
+                    </a:lnT>
+                    <a:lnB w="12700" cap="flat" cmpd="sng" algn="ctr">
+                      <a:solidFill>
+                        <a:schemeClr val="tx1"/>
+                      </a:solidFill>
+                      <a:prstDash val="solid"/>
+                      <a:round/>
+                      <a:headEnd type="none" w="med" len="med"/>
+                      <a:tailEnd type="none" w="med" len="med"/>
+                    </a:lnB>
+                    <a:solidFill>
+                      <a:schemeClr val="bg1"/>
+                    </a:solidFill>
+                  </a:tcPr>
+                </a:tc>
+                <a:extLst>
+                  <a:ext uri="{0D108BD9-81ED-4DB2-BD59-A6C34878D82A}">
+                    <a16:rowId xmlns:a16="http://schemas.microsoft.com/office/drawing/2014/main" val="1209575700"/>
+                  </a:ext>
+                </a:extLst>
+              </a:tr>
+              <a:tr h="403448">
+                <a:tc>
+                  <a:txBody>
+                    <a:bodyPr/>
+                    <a:lstStyle/>
+                    <a:p>
+                      <a:pPr algn="ctr" latinLnBrk="1"/>
+                      <a:r>
+                        <a:rPr lang="ko-KR" altLang="en-US" dirty="0">
+                          <a:solidFill>
+                            <a:schemeClr val="tx1"/>
+                          </a:solidFill>
+                        </a:rPr>
+                        <a:t>배터리</a:t>
+                      </a:r>
+                    </a:p>
+                  </a:txBody>
+                  <a:tcPr>
+                    <a:lnL w="12700" cap="flat" cmpd="sng" algn="ctr">
+                      <a:solidFill>
+                        <a:schemeClr val="tx1"/>
+                      </a:solidFill>
+                      <a:prstDash val="solid"/>
+                      <a:round/>
+                      <a:headEnd type="none" w="med" len="med"/>
+                      <a:tailEnd type="none" w="med" len="med"/>
+                    </a:lnL>
+                    <a:lnR w="12700" cap="flat" cmpd="sng" algn="ctr">
+                      <a:solidFill>
+                        <a:schemeClr val="tx1"/>
+                      </a:solidFill>
+                      <a:prstDash val="solid"/>
+                      <a:round/>
+                      <a:headEnd type="none" w="med" len="med"/>
+                      <a:tailEnd type="none" w="med" len="med"/>
+                    </a:lnR>
+                    <a:lnT w="12700" cap="flat" cmpd="sng" algn="ctr">
+                      <a:solidFill>
+                        <a:schemeClr val="tx1"/>
+                      </a:solidFill>
+                      <a:prstDash val="solid"/>
+                      <a:round/>
+                      <a:headEnd type="none" w="med" len="med"/>
+                      <a:tailEnd type="none" w="med" len="med"/>
+                    </a:lnT>
+                    <a:lnB w="12700" cap="flat" cmpd="sng" algn="ctr">
+                      <a:solidFill>
+                        <a:schemeClr val="tx1"/>
+                      </a:solidFill>
+                      <a:prstDash val="solid"/>
+                      <a:round/>
+                      <a:headEnd type="none" w="med" len="med"/>
+                      <a:tailEnd type="none" w="med" len="med"/>
+                    </a:lnB>
+                    <a:solidFill>
+                      <a:schemeClr val="bg1"/>
+                    </a:solidFill>
+                  </a:tcPr>
+                </a:tc>
+                <a:tc>
+                  <a:txBody>
+                    <a:bodyPr/>
+                    <a:lstStyle/>
+                    <a:p>
+                      <a:pPr algn="ctr" latinLnBrk="1"/>
+                      <a:r>
+                        <a:rPr lang="en-US" altLang="ko-KR" dirty="0">
+                          <a:solidFill>
+                            <a:schemeClr val="tx1"/>
+                          </a:solidFill>
+                        </a:rPr>
+                        <a:t>9,500</a:t>
                       </a:r>
                       <a:endParaRPr lang="ko-KR" altLang="en-US" dirty="0">
                         <a:solidFill>
@@ -30043,19 +30942,75 @@
                     </a:solidFill>
                   </a:tcPr>
                 </a:tc>
-                <a:extLst>
-                  <a:ext uri="{0D108BD9-81ED-4DB2-BD59-A6C34878D82A}">
-                    <a16:rowId xmlns:a16="http://schemas.microsoft.com/office/drawing/2014/main" val="1209575700"/>
-                  </a:ext>
-                </a:extLst>
-              </a:tr>
-              <a:tr h="403448">
                 <a:tc>
                   <a:txBody>
                     <a:bodyPr/>
                     <a:lstStyle/>
                     <a:p>
                       <a:pPr algn="ctr" latinLnBrk="1"/>
+                      <a:endParaRPr lang="ko-KR" altLang="en-US" dirty="0">
+                        <a:solidFill>
+                          <a:schemeClr val="tx1"/>
+                        </a:solidFill>
+                      </a:endParaRPr>
+                    </a:p>
+                  </a:txBody>
+                  <a:tcPr>
+                    <a:lnL w="12700" cap="flat" cmpd="sng" algn="ctr">
+                      <a:solidFill>
+                        <a:schemeClr val="tx1"/>
+                      </a:solidFill>
+                      <a:prstDash val="solid"/>
+                      <a:round/>
+                      <a:headEnd type="none" w="med" len="med"/>
+                      <a:tailEnd type="none" w="med" len="med"/>
+                    </a:lnL>
+                    <a:lnR w="12700" cap="flat" cmpd="sng" algn="ctr">
+                      <a:solidFill>
+                        <a:schemeClr val="tx1"/>
+                      </a:solidFill>
+                      <a:prstDash val="solid"/>
+                      <a:round/>
+                      <a:headEnd type="none" w="med" len="med"/>
+                      <a:tailEnd type="none" w="med" len="med"/>
+                    </a:lnR>
+                    <a:lnT w="12700" cap="flat" cmpd="sng" algn="ctr">
+                      <a:solidFill>
+                        <a:schemeClr val="tx1"/>
+                      </a:solidFill>
+                      <a:prstDash val="solid"/>
+                      <a:round/>
+                      <a:headEnd type="none" w="med" len="med"/>
+                      <a:tailEnd type="none" w="med" len="med"/>
+                    </a:lnT>
+                    <a:lnB w="12700" cap="flat" cmpd="sng" algn="ctr">
+                      <a:solidFill>
+                        <a:schemeClr val="tx1"/>
+                      </a:solidFill>
+                      <a:prstDash val="solid"/>
+                      <a:round/>
+                      <a:headEnd type="none" w="med" len="med"/>
+                      <a:tailEnd type="none" w="med" len="med"/>
+                    </a:lnB>
+                    <a:solidFill>
+                      <a:schemeClr val="bg1"/>
+                    </a:solidFill>
+                  </a:tcPr>
+                </a:tc>
+                <a:tc>
+                  <a:txBody>
+                    <a:bodyPr/>
+                    <a:lstStyle/>
+                    <a:p>
+                      <a:pPr algn="ctr" latinLnBrk="1"/>
+                      <a:r>
+                        <a:rPr lang="en-US" altLang="ko-KR" dirty="0">
+                          <a:solidFill>
+                            <a:schemeClr val="tx1"/>
+                          </a:solidFill>
+                        </a:rPr>
+                        <a:t>18650 </a:t>
+                      </a:r>
                       <a:r>
                         <a:rPr lang="ko-KR" altLang="en-US" dirty="0">
                           <a:solidFill>
@@ -30064,195 +31019,6 @@
                         </a:rPr>
                         <a:t>배터리</a:t>
                       </a:r>
-                    </a:p>
-                  </a:txBody>
-                  <a:tcPr>
-                    <a:lnL w="12700" cap="flat" cmpd="sng" algn="ctr">
-                      <a:solidFill>
-                        <a:schemeClr val="tx1"/>
-                      </a:solidFill>
-                      <a:prstDash val="solid"/>
-                      <a:round/>
-                      <a:headEnd type="none" w="med" len="med"/>
-                      <a:tailEnd type="none" w="med" len="med"/>
-                    </a:lnL>
-                    <a:lnR w="12700" cap="flat" cmpd="sng" algn="ctr">
-                      <a:solidFill>
-                        <a:schemeClr val="tx1"/>
-                      </a:solidFill>
-                      <a:prstDash val="solid"/>
-                      <a:round/>
-                      <a:headEnd type="none" w="med" len="med"/>
-                      <a:tailEnd type="none" w="med" len="med"/>
-                    </a:lnR>
-                    <a:lnT w="12700" cap="flat" cmpd="sng" algn="ctr">
-                      <a:solidFill>
-                        <a:schemeClr val="tx1"/>
-                      </a:solidFill>
-                      <a:prstDash val="solid"/>
-                      <a:round/>
-                      <a:headEnd type="none" w="med" len="med"/>
-                      <a:tailEnd type="none" w="med" len="med"/>
-                    </a:lnT>
-                    <a:lnB w="12700" cap="flat" cmpd="sng" algn="ctr">
-                      <a:solidFill>
-                        <a:schemeClr val="tx1"/>
-                      </a:solidFill>
-                      <a:prstDash val="solid"/>
-                      <a:round/>
-                      <a:headEnd type="none" w="med" len="med"/>
-                      <a:tailEnd type="none" w="med" len="med"/>
-                    </a:lnB>
-                    <a:solidFill>
-                      <a:schemeClr val="bg1"/>
-                    </a:solidFill>
-                  </a:tcPr>
-                </a:tc>
-                <a:tc>
-                  <a:txBody>
-                    <a:bodyPr/>
-                    <a:lstStyle/>
-                    <a:p>
-                      <a:pPr algn="ctr" latinLnBrk="1"/>
-                      <a:r>
-                        <a:rPr lang="en-US" altLang="ko-KR" dirty="0">
-                          <a:solidFill>
-                            <a:schemeClr val="tx1"/>
-                          </a:solidFill>
-                        </a:rPr>
-                        <a:t>3</a:t>
-                      </a:r>
-                      <a:endParaRPr lang="ko-KR" altLang="en-US" dirty="0">
-                        <a:solidFill>
-                          <a:schemeClr val="tx1"/>
-                        </a:solidFill>
-                      </a:endParaRPr>
-                    </a:p>
-                  </a:txBody>
-                  <a:tcPr>
-                    <a:lnL w="12700" cap="flat" cmpd="sng" algn="ctr">
-                      <a:solidFill>
-                        <a:schemeClr val="tx1"/>
-                      </a:solidFill>
-                      <a:prstDash val="solid"/>
-                      <a:round/>
-                      <a:headEnd type="none" w="med" len="med"/>
-                      <a:tailEnd type="none" w="med" len="med"/>
-                    </a:lnL>
-                    <a:lnR w="12700" cap="flat" cmpd="sng" algn="ctr">
-                      <a:solidFill>
-                        <a:schemeClr val="tx1"/>
-                      </a:solidFill>
-                      <a:prstDash val="solid"/>
-                      <a:round/>
-                      <a:headEnd type="none" w="med" len="med"/>
-                      <a:tailEnd type="none" w="med" len="med"/>
-                    </a:lnR>
-                    <a:lnT w="12700" cap="flat" cmpd="sng" algn="ctr">
-                      <a:solidFill>
-                        <a:schemeClr val="tx1"/>
-                      </a:solidFill>
-                      <a:prstDash val="solid"/>
-                      <a:round/>
-                      <a:headEnd type="none" w="med" len="med"/>
-                      <a:tailEnd type="none" w="med" len="med"/>
-                    </a:lnT>
-                    <a:lnB w="12700" cap="flat" cmpd="sng" algn="ctr">
-                      <a:solidFill>
-                        <a:schemeClr val="tx1"/>
-                      </a:solidFill>
-                      <a:prstDash val="solid"/>
-                      <a:round/>
-                      <a:headEnd type="none" w="med" len="med"/>
-                      <a:tailEnd type="none" w="med" len="med"/>
-                    </a:lnB>
-                    <a:solidFill>
-                      <a:schemeClr val="bg1"/>
-                    </a:solidFill>
-                  </a:tcPr>
-                </a:tc>
-                <a:tc>
-                  <a:txBody>
-                    <a:bodyPr/>
-                    <a:lstStyle/>
-                    <a:p>
-                      <a:pPr algn="ctr" latinLnBrk="1"/>
-                      <a:r>
-                        <a:rPr lang="en-US" altLang="ko-KR" dirty="0">
-                          <a:solidFill>
-                            <a:schemeClr val="tx1"/>
-                          </a:solidFill>
-                        </a:rPr>
-                        <a:t>1</a:t>
-                      </a:r>
-                      <a:endParaRPr lang="ko-KR" altLang="en-US" dirty="0">
-                        <a:solidFill>
-                          <a:schemeClr val="tx1"/>
-                        </a:solidFill>
-                      </a:endParaRPr>
-                    </a:p>
-                  </a:txBody>
-                  <a:tcPr>
-                    <a:lnL w="12700" cap="flat" cmpd="sng" algn="ctr">
-                      <a:solidFill>
-                        <a:schemeClr val="tx1"/>
-                      </a:solidFill>
-                      <a:prstDash val="solid"/>
-                      <a:round/>
-                      <a:headEnd type="none" w="med" len="med"/>
-                      <a:tailEnd type="none" w="med" len="med"/>
-                    </a:lnL>
-                    <a:lnR w="12700" cap="flat" cmpd="sng" algn="ctr">
-                      <a:solidFill>
-                        <a:schemeClr val="tx1"/>
-                      </a:solidFill>
-                      <a:prstDash val="solid"/>
-                      <a:round/>
-                      <a:headEnd type="none" w="med" len="med"/>
-                      <a:tailEnd type="none" w="med" len="med"/>
-                    </a:lnR>
-                    <a:lnT w="12700" cap="flat" cmpd="sng" algn="ctr">
-                      <a:solidFill>
-                        <a:schemeClr val="tx1"/>
-                      </a:solidFill>
-                      <a:prstDash val="solid"/>
-                      <a:round/>
-                      <a:headEnd type="none" w="med" len="med"/>
-                      <a:tailEnd type="none" w="med" len="med"/>
-                    </a:lnT>
-                    <a:lnB w="12700" cap="flat" cmpd="sng" algn="ctr">
-                      <a:solidFill>
-                        <a:schemeClr val="tx1"/>
-                      </a:solidFill>
-                      <a:prstDash val="solid"/>
-                      <a:round/>
-                      <a:headEnd type="none" w="med" len="med"/>
-                      <a:tailEnd type="none" w="med" len="med"/>
-                    </a:lnB>
-                    <a:solidFill>
-                      <a:schemeClr val="bg1"/>
-                    </a:solidFill>
-                  </a:tcPr>
-                </a:tc>
-                <a:tc>
-                  <a:txBody>
-                    <a:bodyPr/>
-                    <a:lstStyle/>
-                    <a:p>
-                      <a:pPr algn="ctr" latinLnBrk="1"/>
-                      <a:r>
-                        <a:rPr lang="en-US" altLang="ko-KR" dirty="0">
-                          <a:solidFill>
-                            <a:schemeClr val="tx1"/>
-                          </a:solidFill>
-                        </a:rPr>
-                        <a:t>3</a:t>
-                      </a:r>
-                      <a:endParaRPr lang="ko-KR" altLang="en-US" dirty="0">
-                        <a:solidFill>
-                          <a:schemeClr val="tx1"/>
-                        </a:solidFill>
-                      </a:endParaRPr>
                     </a:p>
                   </a:txBody>
                   <a:tcPr>
@@ -30596,6 +31362,61 @@
                     </a:solidFill>
                   </a:tcPr>
                 </a:tc>
+                <a:tc>
+                  <a:txBody>
+                    <a:bodyPr/>
+                    <a:lstStyle/>
+                    <a:p>
+                      <a:pPr algn="ctr" latinLnBrk="1"/>
+                      <a:endParaRPr lang="ko-KR" altLang="en-US" dirty="0">
+                        <a:solidFill>
+                          <a:schemeClr val="tx1"/>
+                        </a:solidFill>
+                      </a:endParaRPr>
+                    </a:p>
+                  </a:txBody>
+                  <a:tcPr>
+                    <a:lnL w="12700" cap="flat" cmpd="sng" algn="ctr">
+                      <a:solidFill>
+                        <a:schemeClr val="tx1"/>
+                      </a:solidFill>
+                      <a:prstDash val="solid"/>
+                      <a:round/>
+                      <a:headEnd type="none" w="med" len="med"/>
+                      <a:tailEnd type="none" w="med" len="med"/>
+                    </a:lnL>
+                    <a:lnR w="12700" cap="flat" cmpd="sng" algn="ctr">
+                      <a:solidFill>
+                        <a:schemeClr val="tx1"/>
+                      </a:solidFill>
+                      <a:prstDash val="solid"/>
+                      <a:round/>
+                      <a:headEnd type="none" w="med" len="med"/>
+                      <a:tailEnd type="none" w="med" len="med"/>
+                    </a:lnR>
+                    <a:lnT w="12700" cap="flat" cmpd="sng" algn="ctr">
+                      <a:solidFill>
+                        <a:schemeClr val="tx1"/>
+                      </a:solidFill>
+                      <a:prstDash val="solid"/>
+                      <a:round/>
+                      <a:headEnd type="none" w="med" len="med"/>
+                      <a:tailEnd type="none" w="med" len="med"/>
+                    </a:lnT>
+                    <a:lnB w="12700" cap="flat" cmpd="sng" algn="ctr">
+                      <a:solidFill>
+                        <a:schemeClr val="tx1"/>
+                      </a:solidFill>
+                      <a:prstDash val="solid"/>
+                      <a:round/>
+                      <a:headEnd type="none" w="med" len="med"/>
+                      <a:tailEnd type="none" w="med" len="med"/>
+                    </a:lnB>
+                    <a:solidFill>
+                      <a:schemeClr val="bg1"/>
+                    </a:solidFill>
+                  </a:tcPr>
+                </a:tc>
                 <a:extLst>
                   <a:ext uri="{0D108BD9-81ED-4DB2-BD59-A6C34878D82A}">
                     <a16:rowId xmlns:a16="http://schemas.microsoft.com/office/drawing/2014/main" val="1155777943"/>
@@ -30850,6 +31671,61 @@
                     </a:solidFill>
                   </a:tcPr>
                 </a:tc>
+                <a:tc>
+                  <a:txBody>
+                    <a:bodyPr/>
+                    <a:lstStyle/>
+                    <a:p>
+                      <a:pPr algn="ctr" latinLnBrk="1"/>
+                      <a:endParaRPr lang="ko-KR" altLang="en-US" dirty="0">
+                        <a:solidFill>
+                          <a:schemeClr val="tx1"/>
+                        </a:solidFill>
+                      </a:endParaRPr>
+                    </a:p>
+                  </a:txBody>
+                  <a:tcPr>
+                    <a:lnL w="12700" cap="flat" cmpd="sng" algn="ctr">
+                      <a:solidFill>
+                        <a:schemeClr val="tx1"/>
+                      </a:solidFill>
+                      <a:prstDash val="solid"/>
+                      <a:round/>
+                      <a:headEnd type="none" w="med" len="med"/>
+                      <a:tailEnd type="none" w="med" len="med"/>
+                    </a:lnL>
+                    <a:lnR w="12700" cap="flat" cmpd="sng" algn="ctr">
+                      <a:solidFill>
+                        <a:schemeClr val="tx1"/>
+                      </a:solidFill>
+                      <a:prstDash val="solid"/>
+                      <a:round/>
+                      <a:headEnd type="none" w="med" len="med"/>
+                      <a:tailEnd type="none" w="med" len="med"/>
+                    </a:lnR>
+                    <a:lnT w="12700" cap="flat" cmpd="sng" algn="ctr">
+                      <a:solidFill>
+                        <a:schemeClr val="tx1"/>
+                      </a:solidFill>
+                      <a:prstDash val="solid"/>
+                      <a:round/>
+                      <a:headEnd type="none" w="med" len="med"/>
+                      <a:tailEnd type="none" w="med" len="med"/>
+                    </a:lnT>
+                    <a:lnB w="12700" cap="flat" cmpd="sng" algn="ctr">
+                      <a:solidFill>
+                        <a:schemeClr val="tx1"/>
+                      </a:solidFill>
+                      <a:prstDash val="solid"/>
+                      <a:round/>
+                      <a:headEnd type="none" w="med" len="med"/>
+                      <a:tailEnd type="none" w="med" len="med"/>
+                    </a:lnB>
+                    <a:solidFill>
+                      <a:schemeClr val="bg1"/>
+                    </a:solidFill>
+                  </a:tcPr>
+                </a:tc>
                 <a:extLst>
                   <a:ext uri="{0D108BD9-81ED-4DB2-BD59-A6C34878D82A}">
                     <a16:rowId xmlns:a16="http://schemas.microsoft.com/office/drawing/2014/main" val="3850569115"/>
@@ -31104,6 +31980,61 @@
                     </a:solidFill>
                   </a:tcPr>
                 </a:tc>
+                <a:tc>
+                  <a:txBody>
+                    <a:bodyPr/>
+                    <a:lstStyle/>
+                    <a:p>
+                      <a:pPr algn="ctr" latinLnBrk="1"/>
+                      <a:endParaRPr lang="ko-KR" altLang="en-US" dirty="0">
+                        <a:solidFill>
+                          <a:schemeClr val="tx1"/>
+                        </a:solidFill>
+                      </a:endParaRPr>
+                    </a:p>
+                  </a:txBody>
+                  <a:tcPr>
+                    <a:lnL w="12700" cap="flat" cmpd="sng" algn="ctr">
+                      <a:solidFill>
+                        <a:schemeClr val="tx1"/>
+                      </a:solidFill>
+                      <a:prstDash val="solid"/>
+                      <a:round/>
+                      <a:headEnd type="none" w="med" len="med"/>
+                      <a:tailEnd type="none" w="med" len="med"/>
+                    </a:lnL>
+                    <a:lnR w="12700" cap="flat" cmpd="sng" algn="ctr">
+                      <a:solidFill>
+                        <a:schemeClr val="tx1"/>
+                      </a:solidFill>
+                      <a:prstDash val="solid"/>
+                      <a:round/>
+                      <a:headEnd type="none" w="med" len="med"/>
+                      <a:tailEnd type="none" w="med" len="med"/>
+                    </a:lnR>
+                    <a:lnT w="12700" cap="flat" cmpd="sng" algn="ctr">
+                      <a:solidFill>
+                        <a:schemeClr val="tx1"/>
+                      </a:solidFill>
+                      <a:prstDash val="solid"/>
+                      <a:round/>
+                      <a:headEnd type="none" w="med" len="med"/>
+                      <a:tailEnd type="none" w="med" len="med"/>
+                    </a:lnT>
+                    <a:lnB w="12700" cap="flat" cmpd="sng" algn="ctr">
+                      <a:solidFill>
+                        <a:schemeClr val="tx1"/>
+                      </a:solidFill>
+                      <a:prstDash val="solid"/>
+                      <a:round/>
+                      <a:headEnd type="none" w="med" len="med"/>
+                      <a:tailEnd type="none" w="med" len="med"/>
+                    </a:lnB>
+                    <a:solidFill>
+                      <a:schemeClr val="bg1"/>
+                    </a:solidFill>
+                  </a:tcPr>
+                </a:tc>
                 <a:extLst>
                   <a:ext uri="{0D108BD9-81ED-4DB2-BD59-A6C34878D82A}">
                     <a16:rowId xmlns:a16="http://schemas.microsoft.com/office/drawing/2014/main" val="1775180543"/>
@@ -31309,6 +32240,61 @@
                         </a:rPr>
                         <a:t>5</a:t>
                       </a:r>
+                      <a:endParaRPr lang="ko-KR" altLang="en-US" dirty="0">
+                        <a:solidFill>
+                          <a:schemeClr val="tx1"/>
+                        </a:solidFill>
+                      </a:endParaRPr>
+                    </a:p>
+                  </a:txBody>
+                  <a:tcPr>
+                    <a:lnL w="12700" cap="flat" cmpd="sng" algn="ctr">
+                      <a:solidFill>
+                        <a:schemeClr val="tx1"/>
+                      </a:solidFill>
+                      <a:prstDash val="solid"/>
+                      <a:round/>
+                      <a:headEnd type="none" w="med" len="med"/>
+                      <a:tailEnd type="none" w="med" len="med"/>
+                    </a:lnL>
+                    <a:lnR w="12700" cap="flat" cmpd="sng" algn="ctr">
+                      <a:solidFill>
+                        <a:schemeClr val="tx1"/>
+                      </a:solidFill>
+                      <a:prstDash val="solid"/>
+                      <a:round/>
+                      <a:headEnd type="none" w="med" len="med"/>
+                      <a:tailEnd type="none" w="med" len="med"/>
+                    </a:lnR>
+                    <a:lnT w="12700" cap="flat" cmpd="sng" algn="ctr">
+                      <a:solidFill>
+                        <a:schemeClr val="tx1"/>
+                      </a:solidFill>
+                      <a:prstDash val="solid"/>
+                      <a:round/>
+                      <a:headEnd type="none" w="med" len="med"/>
+                      <a:tailEnd type="none" w="med" len="med"/>
+                    </a:lnT>
+                    <a:lnB w="12700" cap="flat" cmpd="sng" algn="ctr">
+                      <a:solidFill>
+                        <a:schemeClr val="tx1"/>
+                      </a:solidFill>
+                      <a:prstDash val="solid"/>
+                      <a:round/>
+                      <a:headEnd type="none" w="med" len="med"/>
+                      <a:tailEnd type="none" w="med" len="med"/>
+                    </a:lnB>
+                    <a:solidFill>
+                      <a:schemeClr val="bg1"/>
+                    </a:solidFill>
+                  </a:tcPr>
+                </a:tc>
+                <a:tc>
+                  <a:txBody>
+                    <a:bodyPr/>
+                    <a:lstStyle/>
+                    <a:p>
+                      <a:pPr algn="ctr" latinLnBrk="1"/>
                       <a:endParaRPr lang="ko-KR" altLang="en-US" dirty="0">
                         <a:solidFill>
                           <a:schemeClr val="tx1"/>
@@ -31507,13 +32493,196 @@
                             <a:schemeClr val="tx1"/>
                           </a:solidFill>
                         </a:rPr>
-                        <a:t>2</a:t>
+                        <a:t>1</a:t>
                       </a:r>
                       <a:endParaRPr lang="ko-KR" altLang="en-US" dirty="0">
                         <a:solidFill>
                           <a:schemeClr val="tx1"/>
                         </a:solidFill>
                       </a:endParaRPr>
+                    </a:p>
+                  </a:txBody>
+                  <a:tcPr>
+                    <a:lnL w="12700" cap="flat" cmpd="sng" algn="ctr">
+                      <a:solidFill>
+                        <a:schemeClr val="tx1"/>
+                      </a:solidFill>
+                      <a:prstDash val="solid"/>
+                      <a:round/>
+                      <a:headEnd type="none" w="med" len="med"/>
+                      <a:tailEnd type="none" w="med" len="med"/>
+                    </a:lnL>
+                    <a:lnR w="12700" cap="flat" cmpd="sng" algn="ctr">
+                      <a:solidFill>
+                        <a:schemeClr val="tx1"/>
+                      </a:solidFill>
+                      <a:prstDash val="solid"/>
+                      <a:round/>
+                      <a:headEnd type="none" w="med" len="med"/>
+                      <a:tailEnd type="none" w="med" len="med"/>
+                    </a:lnR>
+                    <a:lnT w="12700" cap="flat" cmpd="sng" algn="ctr">
+                      <a:solidFill>
+                        <a:schemeClr val="tx1"/>
+                      </a:solidFill>
+                      <a:prstDash val="solid"/>
+                      <a:round/>
+                      <a:headEnd type="none" w="med" len="med"/>
+                      <a:tailEnd type="none" w="med" len="med"/>
+                    </a:lnT>
+                    <a:lnB w="12700" cap="flat" cmpd="sng" algn="ctr">
+                      <a:solidFill>
+                        <a:schemeClr val="tx1"/>
+                      </a:solidFill>
+                      <a:prstDash val="solid"/>
+                      <a:round/>
+                      <a:headEnd type="none" w="med" len="med"/>
+                      <a:tailEnd type="none" w="med" len="med"/>
+                    </a:lnB>
+                    <a:solidFill>
+                      <a:schemeClr val="bg1"/>
+                    </a:solidFill>
+                  </a:tcPr>
+                </a:tc>
+                <a:tc>
+                  <a:txBody>
+                    <a:bodyPr/>
+                    <a:lstStyle/>
+                    <a:p>
+                      <a:pPr algn="ctr" latinLnBrk="1"/>
+                      <a:r>
+                        <a:rPr lang="en-US" altLang="ko-KR" dirty="0">
+                          <a:solidFill>
+                            <a:schemeClr val="tx1"/>
+                          </a:solidFill>
+                        </a:rPr>
+                        <a:t>5</a:t>
+                      </a:r>
+                      <a:endParaRPr lang="ko-KR" altLang="en-US" dirty="0">
+                        <a:solidFill>
+                          <a:schemeClr val="tx1"/>
+                        </a:solidFill>
+                      </a:endParaRPr>
+                    </a:p>
+                  </a:txBody>
+                  <a:tcPr>
+                    <a:lnL w="12700" cap="flat" cmpd="sng" algn="ctr">
+                      <a:solidFill>
+                        <a:schemeClr val="tx1"/>
+                      </a:solidFill>
+                      <a:prstDash val="solid"/>
+                      <a:round/>
+                      <a:headEnd type="none" w="med" len="med"/>
+                      <a:tailEnd type="none" w="med" len="med"/>
+                    </a:lnL>
+                    <a:lnR w="12700" cap="flat" cmpd="sng" algn="ctr">
+                      <a:solidFill>
+                        <a:schemeClr val="tx1"/>
+                      </a:solidFill>
+                      <a:prstDash val="solid"/>
+                      <a:round/>
+                      <a:headEnd type="none" w="med" len="med"/>
+                      <a:tailEnd type="none" w="med" len="med"/>
+                    </a:lnR>
+                    <a:lnT w="12700" cap="flat" cmpd="sng" algn="ctr">
+                      <a:solidFill>
+                        <a:schemeClr val="tx1"/>
+                      </a:solidFill>
+                      <a:prstDash val="solid"/>
+                      <a:round/>
+                      <a:headEnd type="none" w="med" len="med"/>
+                      <a:tailEnd type="none" w="med" len="med"/>
+                    </a:lnT>
+                    <a:lnB w="12700" cap="flat" cmpd="sng" algn="ctr">
+                      <a:solidFill>
+                        <a:schemeClr val="tx1"/>
+                      </a:solidFill>
+                      <a:prstDash val="solid"/>
+                      <a:round/>
+                      <a:headEnd type="none" w="med" len="med"/>
+                      <a:tailEnd type="none" w="med" len="med"/>
+                    </a:lnB>
+                    <a:solidFill>
+                      <a:schemeClr val="bg1"/>
+                    </a:solidFill>
+                  </a:tcPr>
+                </a:tc>
+                <a:tc>
+                  <a:txBody>
+                    <a:bodyPr/>
+                    <a:lstStyle/>
+                    <a:p>
+                      <a:pPr algn="ctr" latinLnBrk="1"/>
+                      <a:endParaRPr lang="ko-KR" altLang="en-US" dirty="0">
+                        <a:solidFill>
+                          <a:schemeClr val="tx1"/>
+                        </a:solidFill>
+                      </a:endParaRPr>
+                    </a:p>
+                  </a:txBody>
+                  <a:tcPr>
+                    <a:lnL w="12700" cap="flat" cmpd="sng" algn="ctr">
+                      <a:solidFill>
+                        <a:schemeClr val="tx1"/>
+                      </a:solidFill>
+                      <a:prstDash val="solid"/>
+                      <a:round/>
+                      <a:headEnd type="none" w="med" len="med"/>
+                      <a:tailEnd type="none" w="med" len="med"/>
+                    </a:lnL>
+                    <a:lnR w="12700" cap="flat" cmpd="sng" algn="ctr">
+                      <a:solidFill>
+                        <a:schemeClr val="tx1"/>
+                      </a:solidFill>
+                      <a:prstDash val="solid"/>
+                      <a:round/>
+                      <a:headEnd type="none" w="med" len="med"/>
+                      <a:tailEnd type="none" w="med" len="med"/>
+                    </a:lnR>
+                    <a:lnT w="12700" cap="flat" cmpd="sng" algn="ctr">
+                      <a:solidFill>
+                        <a:schemeClr val="tx1"/>
+                      </a:solidFill>
+                      <a:prstDash val="solid"/>
+                      <a:round/>
+                      <a:headEnd type="none" w="med" len="med"/>
+                      <a:tailEnd type="none" w="med" len="med"/>
+                    </a:lnT>
+                    <a:lnB w="12700" cap="flat" cmpd="sng" algn="ctr">
+                      <a:solidFill>
+                        <a:schemeClr val="tx1"/>
+                      </a:solidFill>
+                      <a:prstDash val="solid"/>
+                      <a:round/>
+                      <a:headEnd type="none" w="med" len="med"/>
+                      <a:tailEnd type="none" w="med" len="med"/>
+                    </a:lnB>
+                    <a:solidFill>
+                      <a:schemeClr val="bg1"/>
+                    </a:solidFill>
+                  </a:tcPr>
+                </a:tc>
+                <a:extLst>
+                  <a:ext uri="{0D108BD9-81ED-4DB2-BD59-A6C34878D82A}">
+                    <a16:rowId xmlns:a16="http://schemas.microsoft.com/office/drawing/2014/main" val="3145901660"/>
+                  </a:ext>
+                </a:extLst>
+              </a:tr>
+              <a:tr h="403448">
+                <a:tc>
+                  <a:txBody>
+                    <a:bodyPr/>
+                    <a:lstStyle/>
+                    <a:p>
+                      <a:pPr algn="ctr" latinLnBrk="1"/>
+                      <a:r>
+                        <a:rPr lang="ko-KR" altLang="en-US" dirty="0">
+                          <a:solidFill>
+                            <a:schemeClr val="tx1"/>
+                          </a:solidFill>
+                        </a:rPr>
+                        <a:t>낙하산</a:t>
+                      </a:r>
                     </a:p>
                   </a:txBody>
                   <a:tcPr>
@@ -31621,13 +32790,6 @@
                     </a:solidFill>
                   </a:tcPr>
                 </a:tc>
-                <a:extLst>
-                  <a:ext uri="{0D108BD9-81ED-4DB2-BD59-A6C34878D82A}">
-                    <a16:rowId xmlns:a16="http://schemas.microsoft.com/office/drawing/2014/main" val="3145901660"/>
-                  </a:ext>
-                </a:extLst>
-              </a:tr>
-              <a:tr h="403448">
                 <a:tc>
                   <a:txBody>
                     <a:bodyPr/>
@@ -31635,13 +32797,18 @@
                     <a:p>
                       <a:pPr algn="ctr" latinLnBrk="1"/>
                       <a:r>
-                        <a:rPr lang="ko-KR" altLang="en-US" dirty="0">
+                        <a:rPr lang="en-US" altLang="ko-KR" dirty="0">
                           <a:solidFill>
                             <a:schemeClr val="tx1"/>
                           </a:solidFill>
                         </a:rPr>
-                        <a:t>낙하산</a:t>
+                        <a:t>1</a:t>
                       </a:r>
+                      <a:endParaRPr lang="ko-KR" altLang="en-US" dirty="0">
+                        <a:solidFill>
+                          <a:schemeClr val="tx1"/>
+                        </a:solidFill>
+                      </a:endParaRPr>
                     </a:p>
                   </a:txBody>
                   <a:tcPr>
@@ -31755,77 +32922,6 @@
                     <a:lstStyle/>
                     <a:p>
                       <a:pPr algn="ctr" latinLnBrk="1"/>
-                      <a:r>
-                        <a:rPr lang="en-US" altLang="ko-KR" dirty="0">
-                          <a:solidFill>
-                            <a:schemeClr val="tx1"/>
-                          </a:solidFill>
-                        </a:rPr>
-                        <a:t>1</a:t>
-                      </a:r>
-                      <a:endParaRPr lang="ko-KR" altLang="en-US" dirty="0">
-                        <a:solidFill>
-                          <a:schemeClr val="tx1"/>
-                        </a:solidFill>
-                      </a:endParaRPr>
-                    </a:p>
-                  </a:txBody>
-                  <a:tcPr>
-                    <a:lnL w="12700" cap="flat" cmpd="sng" algn="ctr">
-                      <a:solidFill>
-                        <a:schemeClr val="tx1"/>
-                      </a:solidFill>
-                      <a:prstDash val="solid"/>
-                      <a:round/>
-                      <a:headEnd type="none" w="med" len="med"/>
-                      <a:tailEnd type="none" w="med" len="med"/>
-                    </a:lnL>
-                    <a:lnR w="12700" cap="flat" cmpd="sng" algn="ctr">
-                      <a:solidFill>
-                        <a:schemeClr val="tx1"/>
-                      </a:solidFill>
-                      <a:prstDash val="solid"/>
-                      <a:round/>
-                      <a:headEnd type="none" w="med" len="med"/>
-                      <a:tailEnd type="none" w="med" len="med"/>
-                    </a:lnR>
-                    <a:lnT w="12700" cap="flat" cmpd="sng" algn="ctr">
-                      <a:solidFill>
-                        <a:schemeClr val="tx1"/>
-                      </a:solidFill>
-                      <a:prstDash val="solid"/>
-                      <a:round/>
-                      <a:headEnd type="none" w="med" len="med"/>
-                      <a:tailEnd type="none" w="med" len="med"/>
-                    </a:lnT>
-                    <a:lnB w="12700" cap="flat" cmpd="sng" algn="ctr">
-                      <a:solidFill>
-                        <a:schemeClr val="tx1"/>
-                      </a:solidFill>
-                      <a:prstDash val="solid"/>
-                      <a:round/>
-                      <a:headEnd type="none" w="med" len="med"/>
-                      <a:tailEnd type="none" w="med" len="med"/>
-                    </a:lnB>
-                    <a:solidFill>
-                      <a:schemeClr val="bg1"/>
-                    </a:solidFill>
-                  </a:tcPr>
-                </a:tc>
-                <a:tc>
-                  <a:txBody>
-                    <a:bodyPr/>
-                    <a:lstStyle/>
-                    <a:p>
-                      <a:pPr algn="ctr" latinLnBrk="1"/>
-                      <a:r>
-                        <a:rPr lang="en-US" altLang="ko-KR" dirty="0">
-                          <a:solidFill>
-                            <a:schemeClr val="tx1"/>
-                          </a:solidFill>
-                        </a:rPr>
-                        <a:t>10</a:t>
-                      </a:r>
                       <a:endParaRPr lang="ko-KR" altLang="en-US" dirty="0">
                         <a:solidFill>
                           <a:schemeClr val="tx1"/>
@@ -32072,6 +33168,61 @@
                         </a:rPr>
                         <a:t>5</a:t>
                       </a:r>
+                      <a:endParaRPr lang="ko-KR" altLang="en-US" dirty="0">
+                        <a:solidFill>
+                          <a:schemeClr val="tx1"/>
+                        </a:solidFill>
+                      </a:endParaRPr>
+                    </a:p>
+                  </a:txBody>
+                  <a:tcPr>
+                    <a:lnL w="12700" cap="flat" cmpd="sng" algn="ctr">
+                      <a:solidFill>
+                        <a:schemeClr val="tx1"/>
+                      </a:solidFill>
+                      <a:prstDash val="solid"/>
+                      <a:round/>
+                      <a:headEnd type="none" w="med" len="med"/>
+                      <a:tailEnd type="none" w="med" len="med"/>
+                    </a:lnL>
+                    <a:lnR w="12700" cap="flat" cmpd="sng" algn="ctr">
+                      <a:solidFill>
+                        <a:schemeClr val="tx1"/>
+                      </a:solidFill>
+                      <a:prstDash val="solid"/>
+                      <a:round/>
+                      <a:headEnd type="none" w="med" len="med"/>
+                      <a:tailEnd type="none" w="med" len="med"/>
+                    </a:lnR>
+                    <a:lnT w="12700" cap="flat" cmpd="sng" algn="ctr">
+                      <a:solidFill>
+                        <a:schemeClr val="tx1"/>
+                      </a:solidFill>
+                      <a:prstDash val="solid"/>
+                      <a:round/>
+                      <a:headEnd type="none" w="med" len="med"/>
+                      <a:tailEnd type="none" w="med" len="med"/>
+                    </a:lnT>
+                    <a:lnB w="12700" cap="flat" cmpd="sng" algn="ctr">
+                      <a:solidFill>
+                        <a:schemeClr val="tx1"/>
+                      </a:solidFill>
+                      <a:prstDash val="solid"/>
+                      <a:round/>
+                      <a:headEnd type="none" w="med" len="med"/>
+                      <a:tailEnd type="none" w="med" len="med"/>
+                    </a:lnB>
+                    <a:solidFill>
+                      <a:schemeClr val="bg1"/>
+                    </a:solidFill>
+                  </a:tcPr>
+                </a:tc>
+                <a:tc>
+                  <a:txBody>
+                    <a:bodyPr/>
+                    <a:lstStyle/>
+                    <a:p>
+                      <a:pPr algn="ctr" latinLnBrk="1"/>
                       <a:endParaRPr lang="ko-KR" altLang="en-US" dirty="0">
                         <a:solidFill>
                           <a:schemeClr val="tx1"/>
@@ -32388,6 +33539,61 @@
                     </a:solidFill>
                   </a:tcPr>
                 </a:tc>
+                <a:tc>
+                  <a:txBody>
+                    <a:bodyPr/>
+                    <a:lstStyle/>
+                    <a:p>
+                      <a:pPr algn="ctr" latinLnBrk="1"/>
+                      <a:endParaRPr lang="ko-KR" altLang="en-US" dirty="0">
+                        <a:solidFill>
+                          <a:schemeClr val="tx1"/>
+                        </a:solidFill>
+                      </a:endParaRPr>
+                    </a:p>
+                  </a:txBody>
+                  <a:tcPr>
+                    <a:lnL w="12700" cap="flat" cmpd="sng" algn="ctr">
+                      <a:solidFill>
+                        <a:schemeClr val="tx1"/>
+                      </a:solidFill>
+                      <a:prstDash val="solid"/>
+                      <a:round/>
+                      <a:headEnd type="none" w="med" len="med"/>
+                      <a:tailEnd type="none" w="med" len="med"/>
+                    </a:lnL>
+                    <a:lnR w="12700" cap="flat" cmpd="sng" algn="ctr">
+                      <a:solidFill>
+                        <a:schemeClr val="tx1"/>
+                      </a:solidFill>
+                      <a:prstDash val="solid"/>
+                      <a:round/>
+                      <a:headEnd type="none" w="med" len="med"/>
+                      <a:tailEnd type="none" w="med" len="med"/>
+                    </a:lnR>
+                    <a:lnT w="12700" cap="flat" cmpd="sng" algn="ctr">
+                      <a:solidFill>
+                        <a:schemeClr val="tx1"/>
+                      </a:solidFill>
+                      <a:prstDash val="solid"/>
+                      <a:round/>
+                      <a:headEnd type="none" w="med" len="med"/>
+                      <a:tailEnd type="none" w="med" len="med"/>
+                    </a:lnT>
+                    <a:lnB w="12700" cap="flat" cmpd="sng" algn="ctr">
+                      <a:solidFill>
+                        <a:schemeClr val="tx1"/>
+                      </a:solidFill>
+                      <a:prstDash val="solid"/>
+                      <a:round/>
+                      <a:headEnd type="none" w="med" len="med"/>
+                      <a:tailEnd type="none" w="med" len="med"/>
+                    </a:lnB>
+                    <a:solidFill>
+                      <a:schemeClr val="bg1"/>
+                    </a:solidFill>
+                  </a:tcPr>
+                </a:tc>
                 <a:extLst>
                   <a:ext uri="{0D108BD9-81ED-4DB2-BD59-A6C34878D82A}">
                     <a16:rowId xmlns:a16="http://schemas.microsoft.com/office/drawing/2014/main" val="3362274081"/>
@@ -32577,6 +33783,61 @@
                         </a:rPr>
                         <a:t>77</a:t>
                       </a:r>
+                      <a:endParaRPr lang="ko-KR" altLang="en-US" dirty="0">
+                        <a:solidFill>
+                          <a:schemeClr val="tx1"/>
+                        </a:solidFill>
+                      </a:endParaRPr>
+                    </a:p>
+                  </a:txBody>
+                  <a:tcPr>
+                    <a:lnL w="12700" cap="flat" cmpd="sng" algn="ctr">
+                      <a:solidFill>
+                        <a:schemeClr val="tx1"/>
+                      </a:solidFill>
+                      <a:prstDash val="solid"/>
+                      <a:round/>
+                      <a:headEnd type="none" w="med" len="med"/>
+                      <a:tailEnd type="none" w="med" len="med"/>
+                    </a:lnL>
+                    <a:lnR w="12700" cap="flat" cmpd="sng" algn="ctr">
+                      <a:solidFill>
+                        <a:schemeClr val="tx1"/>
+                      </a:solidFill>
+                      <a:prstDash val="solid"/>
+                      <a:round/>
+                      <a:headEnd type="none" w="med" len="med"/>
+                      <a:tailEnd type="none" w="med" len="med"/>
+                    </a:lnR>
+                    <a:lnT w="12700" cap="flat" cmpd="sng" algn="ctr">
+                      <a:solidFill>
+                        <a:schemeClr val="tx1"/>
+                      </a:solidFill>
+                      <a:prstDash val="solid"/>
+                      <a:round/>
+                      <a:headEnd type="none" w="med" len="med"/>
+                      <a:tailEnd type="none" w="med" len="med"/>
+                    </a:lnT>
+                    <a:lnB w="12700" cap="flat" cmpd="sng" algn="ctr">
+                      <a:solidFill>
+                        <a:schemeClr val="tx1"/>
+                      </a:solidFill>
+                      <a:prstDash val="solid"/>
+                      <a:round/>
+                      <a:headEnd type="none" w="med" len="med"/>
+                      <a:tailEnd type="none" w="med" len="med"/>
+                    </a:lnB>
+                    <a:solidFill>
+                      <a:schemeClr val="bg1"/>
+                    </a:solidFill>
+                  </a:tcPr>
+                </a:tc>
+                <a:tc>
+                  <a:txBody>
+                    <a:bodyPr/>
+                    <a:lstStyle/>
+                    <a:p>
+                      <a:pPr algn="ctr" latinLnBrk="1"/>
                       <a:endParaRPr lang="ko-KR" altLang="en-US" dirty="0">
                         <a:solidFill>
                           <a:schemeClr val="tx1"/>
@@ -32638,10 +33899,10 @@
       </p:graphicFrame>
       <p:sp>
         <p:nvSpPr>
-          <p:cNvPr id="2" name="TextBox 1">
+          <p:cNvPr id="5" name="TextBox 4">
             <a:extLst>
               <a:ext uri="{FF2B5EF4-FFF2-40B4-BE49-F238E27FC236}">
-                <a16:creationId xmlns:a16="http://schemas.microsoft.com/office/drawing/2014/main" id="{599A2B5C-E7B3-27F2-B03C-024B09F91159}"/>
+                <a16:creationId xmlns:a16="http://schemas.microsoft.com/office/drawing/2014/main" id="{44F84B2A-CD55-50C6-1F13-39F336453558}"/>
               </a:ext>
             </a:extLst>
           </p:cNvPr>
@@ -32650,8 +33911,8 @@
         </p:nvSpPr>
         <p:spPr>
           <a:xfrm>
-            <a:off x="10448818" y="215757"/>
-            <a:ext cx="1366463" cy="369332"/>
+            <a:off x="10294706" y="243185"/>
+            <a:ext cx="1510301" cy="369332"/>
           </a:xfrm>
           <a:prstGeom prst="rect">
             <a:avLst/>
@@ -32678,7 +33939,7 @@
             </a:r>
             <a:r>
               <a:rPr lang="ko-KR" altLang="en-US" dirty="0"/>
-              <a:t>만 </a:t>
+              <a:t>원</a:t>
             </a:r>
             <a:r>
               <a:rPr lang="en-US" altLang="ko-KR" dirty="0"/>
@@ -32692,6 +33953,5174 @@
     <p:extLst>
       <p:ext uri="{BB962C8B-B14F-4D97-AF65-F5344CB8AC3E}">
         <p14:creationId xmlns:p14="http://schemas.microsoft.com/office/powerpoint/2010/main" val="4161988785"/>
+      </p:ext>
+    </p:extLst>
+  </p:cSld>
+  <p:clrMapOvr>
+    <a:masterClrMapping/>
+  </p:clrMapOvr>
+</p:sld>
+</file>
+
+<file path=ppt/slides/slide3.xml><?xml version="1.0" encoding="utf-8"?>
+<p:sld xmlns:a="http://schemas.openxmlformats.org/drawingml/2006/main" xmlns:r="http://schemas.openxmlformats.org/officeDocument/2006/relationships" xmlns:p="http://schemas.openxmlformats.org/presentationml/2006/main">
+  <p:cSld>
+    <p:spTree>
+      <p:nvGrpSpPr>
+        <p:cNvPr id="1" name=""/>
+        <p:cNvGrpSpPr/>
+        <p:nvPr/>
+      </p:nvGrpSpPr>
+      <p:grpSpPr>
+        <a:xfrm>
+          <a:off x="0" y="0"/>
+          <a:ext cx="0" cy="0"/>
+          <a:chOff x="0" y="0"/>
+          <a:chExt cx="0" cy="0"/>
+        </a:xfrm>
+      </p:grpSpPr>
+      <p:sp>
+        <p:nvSpPr>
+          <p:cNvPr id="4" name="직사각형 3">
+            <a:extLst>
+              <a:ext uri="{FF2B5EF4-FFF2-40B4-BE49-F238E27FC236}">
+                <a16:creationId xmlns:a16="http://schemas.microsoft.com/office/drawing/2014/main" id="{DB804B15-B8CA-D579-B2B2-58C5074A5CF5}"/>
+              </a:ext>
+            </a:extLst>
+          </p:cNvPr>
+          <p:cNvSpPr/>
+          <p:nvPr/>
+        </p:nvSpPr>
+        <p:spPr>
+          <a:xfrm>
+            <a:off x="-4406900" y="-165100"/>
+            <a:ext cx="6653855" cy="7823200"/>
+          </a:xfrm>
+          <a:prstGeom prst="rect">
+            <a:avLst/>
+          </a:prstGeom>
+          <a:solidFill>
+            <a:schemeClr val="bg1"/>
+          </a:solidFill>
+          <a:ln>
+            <a:noFill/>
+          </a:ln>
+        </p:spPr>
+        <p:style>
+          <a:lnRef idx="2">
+            <a:schemeClr val="accent1">
+              <a:shade val="15000"/>
+            </a:schemeClr>
+          </a:lnRef>
+          <a:fillRef idx="1">
+            <a:schemeClr val="accent1"/>
+          </a:fillRef>
+          <a:effectRef idx="0">
+            <a:schemeClr val="accent1"/>
+          </a:effectRef>
+          <a:fontRef idx="minor">
+            <a:schemeClr val="lt1"/>
+          </a:fontRef>
+        </p:style>
+        <p:txBody>
+          <a:bodyPr rtlCol="0" anchor="ctr"/>
+          <a:lstStyle/>
+          <a:p>
+            <a:pPr algn="ctr"/>
+            <a:endParaRPr lang="ko-KR" altLang="en-US"/>
+          </a:p>
+        </p:txBody>
+      </p:sp>
+      <p:sp>
+        <p:nvSpPr>
+          <p:cNvPr id="20" name="TextBox 19">
+            <a:extLst>
+              <a:ext uri="{FF2B5EF4-FFF2-40B4-BE49-F238E27FC236}">
+                <a16:creationId xmlns:a16="http://schemas.microsoft.com/office/drawing/2014/main" id="{5E5CC070-9703-5CF7-1FFE-227328EAF96E}"/>
+              </a:ext>
+            </a:extLst>
+          </p:cNvPr>
+          <p:cNvSpPr txBox="1"/>
+          <p:nvPr/>
+        </p:nvSpPr>
+        <p:spPr>
+          <a:xfrm>
+            <a:off x="3441282" y="3043780"/>
+            <a:ext cx="875071" cy="707886"/>
+          </a:xfrm>
+          <a:prstGeom prst="rect">
+            <a:avLst/>
+          </a:prstGeom>
+          <a:noFill/>
+        </p:spPr>
+        <p:txBody>
+          <a:bodyPr wrap="square" rtlCol="0">
+            <a:spAutoFit/>
+          </a:bodyPr>
+          <a:lstStyle/>
+          <a:p>
+            <a:pPr algn="ctr"/>
+            <a:r>
+              <a:rPr lang="ko-KR" altLang="en-US" sz="2000" b="1">
+                <a:solidFill>
+                  <a:schemeClr val="bg1"/>
+                </a:solidFill>
+              </a:rPr>
+              <a:t>이미지</a:t>
+            </a:r>
+          </a:p>
+        </p:txBody>
+      </p:sp>
+      <p:sp>
+        <p:nvSpPr>
+          <p:cNvPr id="21" name="TextBox 20">
+            <a:extLst>
+              <a:ext uri="{FF2B5EF4-FFF2-40B4-BE49-F238E27FC236}">
+                <a16:creationId xmlns:a16="http://schemas.microsoft.com/office/drawing/2014/main" id="{E464E2C9-EA24-A556-1DB4-0375D958ED1E}"/>
+              </a:ext>
+            </a:extLst>
+          </p:cNvPr>
+          <p:cNvSpPr txBox="1"/>
+          <p:nvPr/>
+        </p:nvSpPr>
+        <p:spPr>
+          <a:xfrm>
+            <a:off x="7151935" y="3043780"/>
+            <a:ext cx="875071" cy="707886"/>
+          </a:xfrm>
+          <a:prstGeom prst="rect">
+            <a:avLst/>
+          </a:prstGeom>
+          <a:noFill/>
+        </p:spPr>
+        <p:txBody>
+          <a:bodyPr wrap="square" rtlCol="0">
+            <a:spAutoFit/>
+          </a:bodyPr>
+          <a:lstStyle/>
+          <a:p>
+            <a:pPr algn="ctr"/>
+            <a:r>
+              <a:rPr lang="ko-KR" altLang="en-US" sz="2000" b="1">
+                <a:solidFill>
+                  <a:schemeClr val="bg1"/>
+                </a:solidFill>
+              </a:rPr>
+              <a:t>이미지</a:t>
+            </a:r>
+          </a:p>
+        </p:txBody>
+      </p:sp>
+      <p:sp>
+        <p:nvSpPr>
+          <p:cNvPr id="22" name="TextBox 21">
+            <a:extLst>
+              <a:ext uri="{FF2B5EF4-FFF2-40B4-BE49-F238E27FC236}">
+                <a16:creationId xmlns:a16="http://schemas.microsoft.com/office/drawing/2014/main" id="{A2CBAB11-08A3-C8FC-F25C-82259276DD80}"/>
+              </a:ext>
+            </a:extLst>
+          </p:cNvPr>
+          <p:cNvSpPr txBox="1"/>
+          <p:nvPr/>
+        </p:nvSpPr>
+        <p:spPr>
+          <a:xfrm>
+            <a:off x="9022903" y="3208397"/>
+            <a:ext cx="848310" cy="400110"/>
+          </a:xfrm>
+          <a:prstGeom prst="rect">
+            <a:avLst/>
+          </a:prstGeom>
+          <a:noFill/>
+        </p:spPr>
+        <p:txBody>
+          <a:bodyPr wrap="none" rtlCol="0">
+            <a:spAutoFit/>
+          </a:bodyPr>
+          <a:lstStyle/>
+          <a:p>
+            <a:pPr algn="ctr"/>
+            <a:r>
+              <a:rPr lang="ko-KR" altLang="en-US" sz="2000" b="1">
+                <a:solidFill>
+                  <a:schemeClr val="bg1"/>
+                </a:solidFill>
+              </a:rPr>
+              <a:t>이미지</a:t>
+            </a:r>
+          </a:p>
+        </p:txBody>
+      </p:sp>
+      <p:graphicFrame>
+        <p:nvGraphicFramePr>
+          <p:cNvPr id="3" name="표 2">
+            <a:extLst>
+              <a:ext uri="{FF2B5EF4-FFF2-40B4-BE49-F238E27FC236}">
+                <a16:creationId xmlns:a16="http://schemas.microsoft.com/office/drawing/2014/main" id="{3DC991B7-7D8F-0612-077B-9BABCC4A9C62}"/>
+              </a:ext>
+            </a:extLst>
+          </p:cNvPr>
+          <p:cNvGraphicFramePr>
+            <a:graphicFrameLocks noGrp="1"/>
+          </p:cNvGraphicFramePr>
+          <p:nvPr>
+            <p:extLst>
+              <p:ext uri="{D42A27DB-BD31-4B8C-83A1-F6EECF244321}">
+                <p14:modId xmlns:p14="http://schemas.microsoft.com/office/powerpoint/2010/main" val="2447324978"/>
+              </p:ext>
+            </p:extLst>
+          </p:nvPr>
+        </p:nvGraphicFramePr>
+        <p:xfrm>
+          <a:off x="-678094" y="612517"/>
+          <a:ext cx="12178272" cy="6068545"/>
+        </p:xfrm>
+        <a:graphic>
+          <a:graphicData uri="http://schemas.openxmlformats.org/drawingml/2006/table">
+            <a:tbl>
+              <a:tblPr firstRow="1" bandRow="1">
+                <a:tableStyleId>{5C22544A-7EE6-4342-B048-85BDC9FD1C3A}</a:tableStyleId>
+              </a:tblPr>
+              <a:tblGrid>
+                <a:gridCol w="3298004">
+                  <a:extLst>
+                    <a:ext uri="{9D8B030D-6E8A-4147-A177-3AD203B41FA5}">
+                      <a16:colId xmlns:a16="http://schemas.microsoft.com/office/drawing/2014/main" val="3695081796"/>
+                    </a:ext>
+                  </a:extLst>
+                </a:gridCol>
+                <a:gridCol w="1294544">
+                  <a:extLst>
+                    <a:ext uri="{9D8B030D-6E8A-4147-A177-3AD203B41FA5}">
+                      <a16:colId xmlns:a16="http://schemas.microsoft.com/office/drawing/2014/main" val="4283573044"/>
+                    </a:ext>
+                  </a:extLst>
+                </a:gridCol>
+                <a:gridCol w="914400">
+                  <a:extLst>
+                    <a:ext uri="{9D8B030D-6E8A-4147-A177-3AD203B41FA5}">
+                      <a16:colId xmlns:a16="http://schemas.microsoft.com/office/drawing/2014/main" val="167325562"/>
+                    </a:ext>
+                  </a:extLst>
+                </a:gridCol>
+                <a:gridCol w="2085654">
+                  <a:extLst>
+                    <a:ext uri="{9D8B030D-6E8A-4147-A177-3AD203B41FA5}">
+                      <a16:colId xmlns:a16="http://schemas.microsoft.com/office/drawing/2014/main" val="1057601127"/>
+                    </a:ext>
+                  </a:extLst>
+                </a:gridCol>
+                <a:gridCol w="4585670">
+                  <a:extLst>
+                    <a:ext uri="{9D8B030D-6E8A-4147-A177-3AD203B41FA5}">
+                      <a16:colId xmlns:a16="http://schemas.microsoft.com/office/drawing/2014/main" val="2521208935"/>
+                    </a:ext>
+                  </a:extLst>
+                </a:gridCol>
+              </a:tblGrid>
+              <a:tr h="846414">
+                <a:tc>
+                  <a:txBody>
+                    <a:bodyPr/>
+                    <a:lstStyle/>
+                    <a:p>
+                      <a:pPr algn="ctr" latinLnBrk="1"/>
+                      <a:r>
+                        <a:rPr lang="ko-KR" altLang="en-US" dirty="0">
+                          <a:solidFill>
+                            <a:schemeClr val="tx1"/>
+                          </a:solidFill>
+                        </a:rPr>
+                        <a:t>품목</a:t>
+                      </a:r>
+                    </a:p>
+                  </a:txBody>
+                  <a:tcPr anchor="ctr">
+                    <a:lnL w="12700" cap="flat" cmpd="sng" algn="ctr">
+                      <a:solidFill>
+                        <a:schemeClr val="tx1"/>
+                      </a:solidFill>
+                      <a:prstDash val="solid"/>
+                      <a:round/>
+                      <a:headEnd type="none" w="med" len="med"/>
+                      <a:tailEnd type="none" w="med" len="med"/>
+                    </a:lnL>
+                    <a:lnR w="12700" cap="flat" cmpd="sng" algn="ctr">
+                      <a:solidFill>
+                        <a:schemeClr val="tx1"/>
+                      </a:solidFill>
+                      <a:prstDash val="solid"/>
+                      <a:round/>
+                      <a:headEnd type="none" w="med" len="med"/>
+                      <a:tailEnd type="none" w="med" len="med"/>
+                    </a:lnR>
+                    <a:lnT w="12700" cap="flat" cmpd="sng" algn="ctr">
+                      <a:solidFill>
+                        <a:schemeClr val="tx1"/>
+                      </a:solidFill>
+                      <a:prstDash val="solid"/>
+                      <a:round/>
+                      <a:headEnd type="none" w="med" len="med"/>
+                      <a:tailEnd type="none" w="med" len="med"/>
+                    </a:lnT>
+                    <a:lnB w="12700" cap="flat" cmpd="sng" algn="ctr">
+                      <a:solidFill>
+                        <a:schemeClr val="tx1"/>
+                      </a:solidFill>
+                      <a:prstDash val="solid"/>
+                      <a:round/>
+                      <a:headEnd type="none" w="med" len="med"/>
+                      <a:tailEnd type="none" w="med" len="med"/>
+                    </a:lnB>
+                    <a:solidFill>
+                      <a:schemeClr val="bg1"/>
+                    </a:solidFill>
+                  </a:tcPr>
+                </a:tc>
+                <a:tc>
+                  <a:txBody>
+                    <a:bodyPr/>
+                    <a:lstStyle/>
+                    <a:p>
+                      <a:pPr algn="ctr" latinLnBrk="1"/>
+                      <a:r>
+                        <a:rPr lang="ko-KR" altLang="en-US" dirty="0">
+                          <a:solidFill>
+                            <a:schemeClr val="tx1"/>
+                          </a:solidFill>
+                        </a:rPr>
+                        <a:t>개당 가격</a:t>
+                      </a:r>
+                    </a:p>
+                  </a:txBody>
+                  <a:tcPr anchor="ctr">
+                    <a:lnL w="12700" cap="flat" cmpd="sng" algn="ctr">
+                      <a:solidFill>
+                        <a:schemeClr val="tx1"/>
+                      </a:solidFill>
+                      <a:prstDash val="solid"/>
+                      <a:round/>
+                      <a:headEnd type="none" w="med" len="med"/>
+                      <a:tailEnd type="none" w="med" len="med"/>
+                    </a:lnL>
+                    <a:lnR w="12700" cap="flat" cmpd="sng" algn="ctr">
+                      <a:solidFill>
+                        <a:schemeClr val="tx1"/>
+                      </a:solidFill>
+                      <a:prstDash val="solid"/>
+                      <a:round/>
+                      <a:headEnd type="none" w="med" len="med"/>
+                      <a:tailEnd type="none" w="med" len="med"/>
+                    </a:lnR>
+                    <a:lnT w="12700" cap="flat" cmpd="sng" algn="ctr">
+                      <a:solidFill>
+                        <a:schemeClr val="tx1"/>
+                      </a:solidFill>
+                      <a:prstDash val="solid"/>
+                      <a:round/>
+                      <a:headEnd type="none" w="med" len="med"/>
+                      <a:tailEnd type="none" w="med" len="med"/>
+                    </a:lnT>
+                    <a:lnB w="12700" cap="flat" cmpd="sng" algn="ctr">
+                      <a:solidFill>
+                        <a:schemeClr val="tx1"/>
+                      </a:solidFill>
+                      <a:prstDash val="solid"/>
+                      <a:round/>
+                      <a:headEnd type="none" w="med" len="med"/>
+                      <a:tailEnd type="none" w="med" len="med"/>
+                    </a:lnB>
+                    <a:solidFill>
+                      <a:schemeClr val="bg1"/>
+                    </a:solidFill>
+                  </a:tcPr>
+                </a:tc>
+                <a:tc>
+                  <a:txBody>
+                    <a:bodyPr/>
+                    <a:lstStyle/>
+                    <a:p>
+                      <a:pPr algn="ctr" latinLnBrk="1"/>
+                      <a:r>
+                        <a:rPr lang="ko-KR" altLang="en-US" dirty="0">
+                          <a:solidFill>
+                            <a:schemeClr val="tx1"/>
+                          </a:solidFill>
+                        </a:rPr>
+                        <a:t>수량</a:t>
+                      </a:r>
+                    </a:p>
+                  </a:txBody>
+                  <a:tcPr anchor="ctr">
+                    <a:lnL w="12700" cap="flat" cmpd="sng" algn="ctr">
+                      <a:solidFill>
+                        <a:schemeClr val="tx1"/>
+                      </a:solidFill>
+                      <a:prstDash val="solid"/>
+                      <a:round/>
+                      <a:headEnd type="none" w="med" len="med"/>
+                      <a:tailEnd type="none" w="med" len="med"/>
+                    </a:lnL>
+                    <a:lnR w="12700" cap="flat" cmpd="sng" algn="ctr">
+                      <a:solidFill>
+                        <a:schemeClr val="tx1"/>
+                      </a:solidFill>
+                      <a:prstDash val="solid"/>
+                      <a:round/>
+                      <a:headEnd type="none" w="med" len="med"/>
+                      <a:tailEnd type="none" w="med" len="med"/>
+                    </a:lnR>
+                    <a:lnT w="12700" cap="flat" cmpd="sng" algn="ctr">
+                      <a:solidFill>
+                        <a:schemeClr val="tx1"/>
+                      </a:solidFill>
+                      <a:prstDash val="solid"/>
+                      <a:round/>
+                      <a:headEnd type="none" w="med" len="med"/>
+                      <a:tailEnd type="none" w="med" len="med"/>
+                    </a:lnT>
+                    <a:lnB w="12700" cap="flat" cmpd="sng" algn="ctr">
+                      <a:solidFill>
+                        <a:schemeClr val="tx1"/>
+                      </a:solidFill>
+                      <a:prstDash val="solid"/>
+                      <a:round/>
+                      <a:headEnd type="none" w="med" len="med"/>
+                      <a:tailEnd type="none" w="med" len="med"/>
+                    </a:lnB>
+                    <a:solidFill>
+                      <a:schemeClr val="bg1"/>
+                    </a:solidFill>
+                  </a:tcPr>
+                </a:tc>
+                <a:tc>
+                  <a:txBody>
+                    <a:bodyPr/>
+                    <a:lstStyle/>
+                    <a:p>
+                      <a:pPr algn="ctr" latinLnBrk="1"/>
+                      <a:r>
+                        <a:rPr lang="ko-KR" altLang="en-US" dirty="0">
+                          <a:solidFill>
+                            <a:schemeClr val="tx1"/>
+                          </a:solidFill>
+                        </a:rPr>
+                        <a:t>최종 가격</a:t>
+                      </a:r>
+                    </a:p>
+                  </a:txBody>
+                  <a:tcPr anchor="ctr">
+                    <a:lnL w="12700" cap="flat" cmpd="sng" algn="ctr">
+                      <a:solidFill>
+                        <a:schemeClr val="tx1"/>
+                      </a:solidFill>
+                      <a:prstDash val="solid"/>
+                      <a:round/>
+                      <a:headEnd type="none" w="med" len="med"/>
+                      <a:tailEnd type="none" w="med" len="med"/>
+                    </a:lnL>
+                    <a:lnR w="12700" cap="flat" cmpd="sng" algn="ctr">
+                      <a:solidFill>
+                        <a:schemeClr val="tx1"/>
+                      </a:solidFill>
+                      <a:prstDash val="solid"/>
+                      <a:round/>
+                      <a:headEnd type="none" w="med" len="med"/>
+                      <a:tailEnd type="none" w="med" len="med"/>
+                    </a:lnR>
+                    <a:lnT w="12700" cap="flat" cmpd="sng" algn="ctr">
+                      <a:solidFill>
+                        <a:schemeClr val="tx1"/>
+                      </a:solidFill>
+                      <a:prstDash val="solid"/>
+                      <a:round/>
+                      <a:headEnd type="none" w="med" len="med"/>
+                      <a:tailEnd type="none" w="med" len="med"/>
+                    </a:lnT>
+                    <a:lnB w="12700" cap="flat" cmpd="sng" algn="ctr">
+                      <a:solidFill>
+                        <a:schemeClr val="tx1"/>
+                      </a:solidFill>
+                      <a:prstDash val="solid"/>
+                      <a:round/>
+                      <a:headEnd type="none" w="med" len="med"/>
+                      <a:tailEnd type="none" w="med" len="med"/>
+                    </a:lnB>
+                    <a:solidFill>
+                      <a:schemeClr val="bg1"/>
+                    </a:solidFill>
+                  </a:tcPr>
+                </a:tc>
+                <a:tc>
+                  <a:txBody>
+                    <a:bodyPr/>
+                    <a:lstStyle/>
+                    <a:p>
+                      <a:pPr algn="ctr" latinLnBrk="1"/>
+                      <a:r>
+                        <a:rPr lang="ko-KR" altLang="en-US" dirty="0">
+                          <a:solidFill>
+                            <a:schemeClr val="tx1"/>
+                          </a:solidFill>
+                        </a:rPr>
+                        <a:t>비고</a:t>
+                      </a:r>
+                    </a:p>
+                  </a:txBody>
+                  <a:tcPr anchor="ctr">
+                    <a:lnL w="12700" cap="flat" cmpd="sng" algn="ctr">
+                      <a:solidFill>
+                        <a:schemeClr val="tx1"/>
+                      </a:solidFill>
+                      <a:prstDash val="solid"/>
+                      <a:round/>
+                      <a:headEnd type="none" w="med" len="med"/>
+                      <a:tailEnd type="none" w="med" len="med"/>
+                    </a:lnL>
+                    <a:lnR w="12700" cap="flat" cmpd="sng" algn="ctr">
+                      <a:solidFill>
+                        <a:schemeClr val="tx1"/>
+                      </a:solidFill>
+                      <a:prstDash val="solid"/>
+                      <a:round/>
+                      <a:headEnd type="none" w="med" len="med"/>
+                      <a:tailEnd type="none" w="med" len="med"/>
+                    </a:lnR>
+                    <a:lnT w="12700" cap="flat" cmpd="sng" algn="ctr">
+                      <a:solidFill>
+                        <a:schemeClr val="tx1"/>
+                      </a:solidFill>
+                      <a:prstDash val="solid"/>
+                      <a:round/>
+                      <a:headEnd type="none" w="med" len="med"/>
+                      <a:tailEnd type="none" w="med" len="med"/>
+                    </a:lnT>
+                    <a:lnB w="12700" cap="flat" cmpd="sng" algn="ctr">
+                      <a:solidFill>
+                        <a:schemeClr val="tx1"/>
+                      </a:solidFill>
+                      <a:prstDash val="solid"/>
+                      <a:round/>
+                      <a:headEnd type="none" w="med" len="med"/>
+                      <a:tailEnd type="none" w="med" len="med"/>
+                    </a:lnB>
+                    <a:solidFill>
+                      <a:schemeClr val="bg1"/>
+                    </a:solidFill>
+                  </a:tcPr>
+                </a:tc>
+                <a:extLst>
+                  <a:ext uri="{0D108BD9-81ED-4DB2-BD59-A6C34878D82A}">
+                    <a16:rowId xmlns:a16="http://schemas.microsoft.com/office/drawing/2014/main" val="4196032134"/>
+                  </a:ext>
+                </a:extLst>
+              </a:tr>
+              <a:tr h="380755">
+                <a:tc>
+                  <a:txBody>
+                    <a:bodyPr/>
+                    <a:lstStyle/>
+                    <a:p>
+                      <a:pPr marL="0" marR="0" lvl="0" indent="0" algn="ctr" defTabSz="914400" rtl="0" eaLnBrk="1" fontAlgn="auto" latinLnBrk="1" hangingPunct="1">
+                        <a:lnSpc>
+                          <a:spcPct val="100000"/>
+                        </a:lnSpc>
+                        <a:spcBef>
+                          <a:spcPts val="0"/>
+                        </a:spcBef>
+                        <a:spcAft>
+                          <a:spcPts val="0"/>
+                        </a:spcAft>
+                        <a:buClrTx/>
+                        <a:buSzTx/>
+                        <a:buFontTx/>
+                        <a:buNone/>
+                        <a:tabLst/>
+                        <a:defRPr/>
+                      </a:pPr>
+                      <a:r>
+                        <a:rPr lang="en-US" altLang="ko-KR" sz="1800" b="0" i="0" u="none" strike="noStrike" kern="1200" dirty="0">
+                          <a:solidFill>
+                            <a:schemeClr val="dk1"/>
+                          </a:solidFill>
+                          <a:effectLst/>
+                          <a:latin typeface="+mn-lt"/>
+                          <a:ea typeface="+mn-ea"/>
+                          <a:cs typeface="+mn-cs"/>
+                        </a:rPr>
+                        <a:t>Raspberry Pi</a:t>
+                      </a:r>
+                      <a:endParaRPr lang="ko-KR" altLang="en-US" dirty="0">
+                        <a:solidFill>
+                          <a:schemeClr val="tx1"/>
+                        </a:solidFill>
+                      </a:endParaRPr>
+                    </a:p>
+                  </a:txBody>
+                  <a:tcPr anchor="ctr">
+                    <a:lnL w="12700" cap="flat" cmpd="sng" algn="ctr">
+                      <a:solidFill>
+                        <a:schemeClr val="tx1"/>
+                      </a:solidFill>
+                      <a:prstDash val="solid"/>
+                      <a:round/>
+                      <a:headEnd type="none" w="med" len="med"/>
+                      <a:tailEnd type="none" w="med" len="med"/>
+                    </a:lnL>
+                    <a:lnR w="12700" cap="flat" cmpd="sng" algn="ctr">
+                      <a:solidFill>
+                        <a:schemeClr val="tx1"/>
+                      </a:solidFill>
+                      <a:prstDash val="solid"/>
+                      <a:round/>
+                      <a:headEnd type="none" w="med" len="med"/>
+                      <a:tailEnd type="none" w="med" len="med"/>
+                    </a:lnR>
+                    <a:lnT w="12700" cap="flat" cmpd="sng" algn="ctr">
+                      <a:solidFill>
+                        <a:schemeClr val="tx1"/>
+                      </a:solidFill>
+                      <a:prstDash val="solid"/>
+                      <a:round/>
+                      <a:headEnd type="none" w="med" len="med"/>
+                      <a:tailEnd type="none" w="med" len="med"/>
+                    </a:lnT>
+                    <a:lnB w="12700" cap="flat" cmpd="sng" algn="ctr">
+                      <a:solidFill>
+                        <a:schemeClr val="tx1"/>
+                      </a:solidFill>
+                      <a:prstDash val="solid"/>
+                      <a:round/>
+                      <a:headEnd type="none" w="med" len="med"/>
+                      <a:tailEnd type="none" w="med" len="med"/>
+                    </a:lnB>
+                    <a:solidFill>
+                      <a:schemeClr val="bg1"/>
+                    </a:solidFill>
+                  </a:tcPr>
+                </a:tc>
+                <a:tc>
+                  <a:txBody>
+                    <a:bodyPr/>
+                    <a:lstStyle/>
+                    <a:p>
+                      <a:pPr algn="ctr" latinLnBrk="1"/>
+                      <a:r>
+                        <a:rPr lang="en-US" altLang="ko-KR" dirty="0">
+                          <a:solidFill>
+                            <a:schemeClr val="tx1"/>
+                          </a:solidFill>
+                        </a:rPr>
+                        <a:t>23,500</a:t>
+                      </a:r>
+                      <a:endParaRPr lang="ko-KR" altLang="en-US" dirty="0">
+                        <a:solidFill>
+                          <a:schemeClr val="tx1"/>
+                        </a:solidFill>
+                      </a:endParaRPr>
+                    </a:p>
+                  </a:txBody>
+                  <a:tcPr anchor="ctr">
+                    <a:lnL w="12700" cap="flat" cmpd="sng" algn="ctr">
+                      <a:solidFill>
+                        <a:schemeClr val="tx1"/>
+                      </a:solidFill>
+                      <a:prstDash val="solid"/>
+                      <a:round/>
+                      <a:headEnd type="none" w="med" len="med"/>
+                      <a:tailEnd type="none" w="med" len="med"/>
+                    </a:lnL>
+                    <a:lnR w="12700" cap="flat" cmpd="sng" algn="ctr">
+                      <a:solidFill>
+                        <a:schemeClr val="tx1"/>
+                      </a:solidFill>
+                      <a:prstDash val="solid"/>
+                      <a:round/>
+                      <a:headEnd type="none" w="med" len="med"/>
+                      <a:tailEnd type="none" w="med" len="med"/>
+                    </a:lnR>
+                    <a:lnT w="12700" cap="flat" cmpd="sng" algn="ctr">
+                      <a:solidFill>
+                        <a:schemeClr val="tx1"/>
+                      </a:solidFill>
+                      <a:prstDash val="solid"/>
+                      <a:round/>
+                      <a:headEnd type="none" w="med" len="med"/>
+                      <a:tailEnd type="none" w="med" len="med"/>
+                    </a:lnT>
+                    <a:lnB w="12700" cap="flat" cmpd="sng" algn="ctr">
+                      <a:solidFill>
+                        <a:schemeClr val="tx1"/>
+                      </a:solidFill>
+                      <a:prstDash val="solid"/>
+                      <a:round/>
+                      <a:headEnd type="none" w="med" len="med"/>
+                      <a:tailEnd type="none" w="med" len="med"/>
+                    </a:lnB>
+                    <a:solidFill>
+                      <a:schemeClr val="bg1"/>
+                    </a:solidFill>
+                  </a:tcPr>
+                </a:tc>
+                <a:tc>
+                  <a:txBody>
+                    <a:bodyPr/>
+                    <a:lstStyle/>
+                    <a:p>
+                      <a:pPr algn="ctr" latinLnBrk="1"/>
+                      <a:r>
+                        <a:rPr lang="en-US" altLang="ko-KR" dirty="0">
+                          <a:solidFill>
+                            <a:schemeClr val="tx1"/>
+                          </a:solidFill>
+                        </a:rPr>
+                        <a:t>1</a:t>
+                      </a:r>
+                      <a:endParaRPr lang="ko-KR" altLang="en-US" dirty="0">
+                        <a:solidFill>
+                          <a:schemeClr val="tx1"/>
+                        </a:solidFill>
+                      </a:endParaRPr>
+                    </a:p>
+                  </a:txBody>
+                  <a:tcPr anchor="ctr">
+                    <a:lnL w="12700" cap="flat" cmpd="sng" algn="ctr">
+                      <a:solidFill>
+                        <a:schemeClr val="tx1"/>
+                      </a:solidFill>
+                      <a:prstDash val="solid"/>
+                      <a:round/>
+                      <a:headEnd type="none" w="med" len="med"/>
+                      <a:tailEnd type="none" w="med" len="med"/>
+                    </a:lnL>
+                    <a:lnR w="12700" cap="flat" cmpd="sng" algn="ctr">
+                      <a:solidFill>
+                        <a:schemeClr val="tx1"/>
+                      </a:solidFill>
+                      <a:prstDash val="solid"/>
+                      <a:round/>
+                      <a:headEnd type="none" w="med" len="med"/>
+                      <a:tailEnd type="none" w="med" len="med"/>
+                    </a:lnR>
+                    <a:lnT w="12700" cap="flat" cmpd="sng" algn="ctr">
+                      <a:solidFill>
+                        <a:schemeClr val="tx1"/>
+                      </a:solidFill>
+                      <a:prstDash val="solid"/>
+                      <a:round/>
+                      <a:headEnd type="none" w="med" len="med"/>
+                      <a:tailEnd type="none" w="med" len="med"/>
+                    </a:lnT>
+                    <a:lnB w="12700" cap="flat" cmpd="sng" algn="ctr">
+                      <a:solidFill>
+                        <a:schemeClr val="tx1"/>
+                      </a:solidFill>
+                      <a:prstDash val="solid"/>
+                      <a:round/>
+                      <a:headEnd type="none" w="med" len="med"/>
+                      <a:tailEnd type="none" w="med" len="med"/>
+                    </a:lnB>
+                    <a:solidFill>
+                      <a:schemeClr val="bg1"/>
+                    </a:solidFill>
+                  </a:tcPr>
+                </a:tc>
+                <a:tc>
+                  <a:txBody>
+                    <a:bodyPr/>
+                    <a:lstStyle/>
+                    <a:p>
+                      <a:pPr algn="ctr" latinLnBrk="1"/>
+                      <a:r>
+                        <a:rPr lang="en-US" altLang="ko-KR" dirty="0">
+                          <a:solidFill>
+                            <a:schemeClr val="tx1"/>
+                          </a:solidFill>
+                        </a:rPr>
+                        <a:t>23,500</a:t>
+                      </a:r>
+                      <a:endParaRPr lang="ko-KR" altLang="en-US" dirty="0">
+                        <a:solidFill>
+                          <a:schemeClr val="tx1"/>
+                        </a:solidFill>
+                      </a:endParaRPr>
+                    </a:p>
+                  </a:txBody>
+                  <a:tcPr anchor="ctr">
+                    <a:lnL w="12700" cap="flat" cmpd="sng" algn="ctr">
+                      <a:solidFill>
+                        <a:schemeClr val="tx1"/>
+                      </a:solidFill>
+                      <a:prstDash val="solid"/>
+                      <a:round/>
+                      <a:headEnd type="none" w="med" len="med"/>
+                      <a:tailEnd type="none" w="med" len="med"/>
+                    </a:lnL>
+                    <a:lnR w="12700" cap="flat" cmpd="sng" algn="ctr">
+                      <a:solidFill>
+                        <a:schemeClr val="tx1"/>
+                      </a:solidFill>
+                      <a:prstDash val="solid"/>
+                      <a:round/>
+                      <a:headEnd type="none" w="med" len="med"/>
+                      <a:tailEnd type="none" w="med" len="med"/>
+                    </a:lnR>
+                    <a:lnT w="12700" cap="flat" cmpd="sng" algn="ctr">
+                      <a:solidFill>
+                        <a:schemeClr val="tx1"/>
+                      </a:solidFill>
+                      <a:prstDash val="solid"/>
+                      <a:round/>
+                      <a:headEnd type="none" w="med" len="med"/>
+                      <a:tailEnd type="none" w="med" len="med"/>
+                    </a:lnT>
+                    <a:lnB w="12700" cap="flat" cmpd="sng" algn="ctr">
+                      <a:solidFill>
+                        <a:schemeClr val="tx1"/>
+                      </a:solidFill>
+                      <a:prstDash val="solid"/>
+                      <a:round/>
+                      <a:headEnd type="none" w="med" len="med"/>
+                      <a:tailEnd type="none" w="med" len="med"/>
+                    </a:lnB>
+                    <a:solidFill>
+                      <a:schemeClr val="bg1"/>
+                    </a:solidFill>
+                  </a:tcPr>
+                </a:tc>
+                <a:tc>
+                  <a:txBody>
+                    <a:bodyPr/>
+                    <a:lstStyle/>
+                    <a:p>
+                      <a:pPr marL="0" marR="0" lvl="0" indent="0" algn="ctr" defTabSz="914400" rtl="0" eaLnBrk="1" fontAlgn="auto" latinLnBrk="1" hangingPunct="1">
+                        <a:lnSpc>
+                          <a:spcPct val="100000"/>
+                        </a:lnSpc>
+                        <a:spcBef>
+                          <a:spcPts val="0"/>
+                        </a:spcBef>
+                        <a:spcAft>
+                          <a:spcPts val="0"/>
+                        </a:spcAft>
+                        <a:buClrTx/>
+                        <a:buSzTx/>
+                        <a:buFontTx/>
+                        <a:buNone/>
+                        <a:tabLst/>
+                        <a:defRPr/>
+                      </a:pPr>
+                      <a:r>
+                        <a:rPr lang="pl-PL" altLang="ko-KR" sz="1800" b="0" i="0" kern="1200" dirty="0">
+                          <a:solidFill>
+                            <a:schemeClr val="dk1"/>
+                          </a:solidFill>
+                          <a:effectLst/>
+                          <a:latin typeface="+mn-lt"/>
+                          <a:ea typeface="+mn-ea"/>
+                          <a:cs typeface="+mn-cs"/>
+                        </a:rPr>
+                        <a:t>Raspberry Pi Zero 2 W</a:t>
+                      </a:r>
+                      <a:r>
+                        <a:rPr lang="en-US" altLang="ko-KR" sz="1800" b="0" i="0" kern="1200" dirty="0">
+                          <a:solidFill>
+                            <a:schemeClr val="dk1"/>
+                          </a:solidFill>
+                          <a:effectLst/>
+                          <a:latin typeface="+mn-lt"/>
+                          <a:ea typeface="+mn-ea"/>
+                          <a:cs typeface="+mn-cs"/>
+                        </a:rPr>
+                        <a:t> </a:t>
+                      </a:r>
+                      <a:r>
+                        <a:rPr lang="en-US" altLang="ko-KR" sz="1600" b="0" i="0" kern="1200" baseline="30000" dirty="0">
+                          <a:solidFill>
+                            <a:schemeClr val="dk1"/>
+                          </a:solidFill>
+                          <a:effectLst/>
+                          <a:latin typeface="+mn-lt"/>
+                          <a:ea typeface="+mn-ea"/>
+                          <a:cs typeface="+mn-cs"/>
+                        </a:rPr>
+                        <a:t>1)</a:t>
+                      </a:r>
+                      <a:endParaRPr lang="pl-PL" altLang="ko-KR" sz="1800" b="0" i="0" kern="1200" baseline="30000" dirty="0">
+                        <a:solidFill>
+                          <a:schemeClr val="dk1"/>
+                        </a:solidFill>
+                        <a:effectLst/>
+                        <a:latin typeface="+mn-lt"/>
+                        <a:ea typeface="+mn-ea"/>
+                        <a:cs typeface="+mn-cs"/>
+                      </a:endParaRPr>
+                    </a:p>
+                  </a:txBody>
+                  <a:tcPr anchor="ctr">
+                    <a:lnL w="12700" cap="flat" cmpd="sng" algn="ctr">
+                      <a:solidFill>
+                        <a:schemeClr val="tx1"/>
+                      </a:solidFill>
+                      <a:prstDash val="solid"/>
+                      <a:round/>
+                      <a:headEnd type="none" w="med" len="med"/>
+                      <a:tailEnd type="none" w="med" len="med"/>
+                    </a:lnL>
+                    <a:lnR w="12700" cap="flat" cmpd="sng" algn="ctr">
+                      <a:solidFill>
+                        <a:schemeClr val="tx1"/>
+                      </a:solidFill>
+                      <a:prstDash val="solid"/>
+                      <a:round/>
+                      <a:headEnd type="none" w="med" len="med"/>
+                      <a:tailEnd type="none" w="med" len="med"/>
+                    </a:lnR>
+                    <a:lnT w="12700" cap="flat" cmpd="sng" algn="ctr">
+                      <a:solidFill>
+                        <a:schemeClr val="tx1"/>
+                      </a:solidFill>
+                      <a:prstDash val="solid"/>
+                      <a:round/>
+                      <a:headEnd type="none" w="med" len="med"/>
+                      <a:tailEnd type="none" w="med" len="med"/>
+                    </a:lnT>
+                    <a:lnB w="12700" cap="flat" cmpd="sng" algn="ctr">
+                      <a:solidFill>
+                        <a:schemeClr val="tx1"/>
+                      </a:solidFill>
+                      <a:prstDash val="solid"/>
+                      <a:round/>
+                      <a:headEnd type="none" w="med" len="med"/>
+                      <a:tailEnd type="none" w="med" len="med"/>
+                    </a:lnB>
+                    <a:solidFill>
+                      <a:schemeClr val="bg1"/>
+                    </a:solidFill>
+                  </a:tcPr>
+                </a:tc>
+                <a:extLst>
+                  <a:ext uri="{0D108BD9-81ED-4DB2-BD59-A6C34878D82A}">
+                    <a16:rowId xmlns:a16="http://schemas.microsoft.com/office/drawing/2014/main" val="4031950433"/>
+                  </a:ext>
+                </a:extLst>
+              </a:tr>
+              <a:tr h="403448">
+                <a:tc>
+                  <a:txBody>
+                    <a:bodyPr/>
+                    <a:lstStyle/>
+                    <a:p>
+                      <a:pPr algn="ctr" latinLnBrk="1"/>
+                      <a:r>
+                        <a:rPr lang="ko-KR" altLang="en-US" dirty="0">
+                          <a:solidFill>
+                            <a:schemeClr val="tx1"/>
+                          </a:solidFill>
+                        </a:rPr>
+                        <a:t>모터 드라이버</a:t>
+                      </a:r>
+                    </a:p>
+                  </a:txBody>
+                  <a:tcPr>
+                    <a:lnL w="12700" cap="flat" cmpd="sng" algn="ctr">
+                      <a:solidFill>
+                        <a:schemeClr val="tx1"/>
+                      </a:solidFill>
+                      <a:prstDash val="solid"/>
+                      <a:round/>
+                      <a:headEnd type="none" w="med" len="med"/>
+                      <a:tailEnd type="none" w="med" len="med"/>
+                    </a:lnL>
+                    <a:lnR w="12700" cap="flat" cmpd="sng" algn="ctr">
+                      <a:solidFill>
+                        <a:schemeClr val="tx1"/>
+                      </a:solidFill>
+                      <a:prstDash val="solid"/>
+                      <a:round/>
+                      <a:headEnd type="none" w="med" len="med"/>
+                      <a:tailEnd type="none" w="med" len="med"/>
+                    </a:lnR>
+                    <a:lnT w="12700" cap="flat" cmpd="sng" algn="ctr">
+                      <a:solidFill>
+                        <a:schemeClr val="tx1"/>
+                      </a:solidFill>
+                      <a:prstDash val="solid"/>
+                      <a:round/>
+                      <a:headEnd type="none" w="med" len="med"/>
+                      <a:tailEnd type="none" w="med" len="med"/>
+                    </a:lnT>
+                    <a:lnB w="12700" cap="flat" cmpd="sng" algn="ctr">
+                      <a:solidFill>
+                        <a:schemeClr val="tx1"/>
+                      </a:solidFill>
+                      <a:prstDash val="solid"/>
+                      <a:round/>
+                      <a:headEnd type="none" w="med" len="med"/>
+                      <a:tailEnd type="none" w="med" len="med"/>
+                    </a:lnB>
+                    <a:solidFill>
+                      <a:schemeClr val="bg1"/>
+                    </a:solidFill>
+                  </a:tcPr>
+                </a:tc>
+                <a:tc>
+                  <a:txBody>
+                    <a:bodyPr/>
+                    <a:lstStyle/>
+                    <a:p>
+                      <a:pPr algn="ctr" latinLnBrk="1"/>
+                      <a:r>
+                        <a:rPr lang="en-US" altLang="ko-KR" dirty="0">
+                          <a:solidFill>
+                            <a:schemeClr val="tx1"/>
+                          </a:solidFill>
+                        </a:rPr>
+                        <a:t>5,450</a:t>
+                      </a:r>
+                      <a:endParaRPr lang="ko-KR" altLang="en-US" dirty="0">
+                        <a:solidFill>
+                          <a:schemeClr val="tx1"/>
+                        </a:solidFill>
+                      </a:endParaRPr>
+                    </a:p>
+                  </a:txBody>
+                  <a:tcPr>
+                    <a:lnL w="12700" cap="flat" cmpd="sng" algn="ctr">
+                      <a:solidFill>
+                        <a:schemeClr val="tx1"/>
+                      </a:solidFill>
+                      <a:prstDash val="solid"/>
+                      <a:round/>
+                      <a:headEnd type="none" w="med" len="med"/>
+                      <a:tailEnd type="none" w="med" len="med"/>
+                    </a:lnL>
+                    <a:lnR w="12700" cap="flat" cmpd="sng" algn="ctr">
+                      <a:solidFill>
+                        <a:schemeClr val="tx1"/>
+                      </a:solidFill>
+                      <a:prstDash val="solid"/>
+                      <a:round/>
+                      <a:headEnd type="none" w="med" len="med"/>
+                      <a:tailEnd type="none" w="med" len="med"/>
+                    </a:lnR>
+                    <a:lnT w="12700" cap="flat" cmpd="sng" algn="ctr">
+                      <a:solidFill>
+                        <a:schemeClr val="tx1"/>
+                      </a:solidFill>
+                      <a:prstDash val="solid"/>
+                      <a:round/>
+                      <a:headEnd type="none" w="med" len="med"/>
+                      <a:tailEnd type="none" w="med" len="med"/>
+                    </a:lnT>
+                    <a:lnB w="12700" cap="flat" cmpd="sng" algn="ctr">
+                      <a:solidFill>
+                        <a:schemeClr val="tx1"/>
+                      </a:solidFill>
+                      <a:prstDash val="solid"/>
+                      <a:round/>
+                      <a:headEnd type="none" w="med" len="med"/>
+                      <a:tailEnd type="none" w="med" len="med"/>
+                    </a:lnB>
+                    <a:solidFill>
+                      <a:schemeClr val="bg1"/>
+                    </a:solidFill>
+                  </a:tcPr>
+                </a:tc>
+                <a:tc>
+                  <a:txBody>
+                    <a:bodyPr/>
+                    <a:lstStyle/>
+                    <a:p>
+                      <a:pPr algn="ctr" latinLnBrk="1"/>
+                      <a:r>
+                        <a:rPr lang="en-US" altLang="ko-KR" dirty="0">
+                          <a:solidFill>
+                            <a:schemeClr val="tx1"/>
+                          </a:solidFill>
+                        </a:rPr>
+                        <a:t>1</a:t>
+                      </a:r>
+                      <a:endParaRPr lang="ko-KR" altLang="en-US" dirty="0">
+                        <a:solidFill>
+                          <a:schemeClr val="tx1"/>
+                        </a:solidFill>
+                      </a:endParaRPr>
+                    </a:p>
+                  </a:txBody>
+                  <a:tcPr>
+                    <a:lnL w="12700" cap="flat" cmpd="sng" algn="ctr">
+                      <a:solidFill>
+                        <a:schemeClr val="tx1"/>
+                      </a:solidFill>
+                      <a:prstDash val="solid"/>
+                      <a:round/>
+                      <a:headEnd type="none" w="med" len="med"/>
+                      <a:tailEnd type="none" w="med" len="med"/>
+                    </a:lnL>
+                    <a:lnR w="12700" cap="flat" cmpd="sng" algn="ctr">
+                      <a:solidFill>
+                        <a:schemeClr val="tx1"/>
+                      </a:solidFill>
+                      <a:prstDash val="solid"/>
+                      <a:round/>
+                      <a:headEnd type="none" w="med" len="med"/>
+                      <a:tailEnd type="none" w="med" len="med"/>
+                    </a:lnR>
+                    <a:lnT w="12700" cap="flat" cmpd="sng" algn="ctr">
+                      <a:solidFill>
+                        <a:schemeClr val="tx1"/>
+                      </a:solidFill>
+                      <a:prstDash val="solid"/>
+                      <a:round/>
+                      <a:headEnd type="none" w="med" len="med"/>
+                      <a:tailEnd type="none" w="med" len="med"/>
+                    </a:lnT>
+                    <a:lnB w="12700" cap="flat" cmpd="sng" algn="ctr">
+                      <a:solidFill>
+                        <a:schemeClr val="tx1"/>
+                      </a:solidFill>
+                      <a:prstDash val="solid"/>
+                      <a:round/>
+                      <a:headEnd type="none" w="med" len="med"/>
+                      <a:tailEnd type="none" w="med" len="med"/>
+                    </a:lnB>
+                    <a:solidFill>
+                      <a:schemeClr val="bg1"/>
+                    </a:solidFill>
+                  </a:tcPr>
+                </a:tc>
+                <a:tc>
+                  <a:txBody>
+                    <a:bodyPr/>
+                    <a:lstStyle/>
+                    <a:p>
+                      <a:pPr algn="ctr" latinLnBrk="1"/>
+                      <a:r>
+                        <a:rPr lang="en-US" altLang="ko-KR" dirty="0">
+                          <a:solidFill>
+                            <a:schemeClr val="tx1"/>
+                          </a:solidFill>
+                        </a:rPr>
+                        <a:t>5,450</a:t>
+                      </a:r>
+                      <a:endParaRPr lang="ko-KR" altLang="en-US" dirty="0">
+                        <a:solidFill>
+                          <a:schemeClr val="tx1"/>
+                        </a:solidFill>
+                      </a:endParaRPr>
+                    </a:p>
+                  </a:txBody>
+                  <a:tcPr>
+                    <a:lnL w="12700" cap="flat" cmpd="sng" algn="ctr">
+                      <a:solidFill>
+                        <a:schemeClr val="tx1"/>
+                      </a:solidFill>
+                      <a:prstDash val="solid"/>
+                      <a:round/>
+                      <a:headEnd type="none" w="med" len="med"/>
+                      <a:tailEnd type="none" w="med" len="med"/>
+                    </a:lnL>
+                    <a:lnR w="12700" cap="flat" cmpd="sng" algn="ctr">
+                      <a:solidFill>
+                        <a:schemeClr val="tx1"/>
+                      </a:solidFill>
+                      <a:prstDash val="solid"/>
+                      <a:round/>
+                      <a:headEnd type="none" w="med" len="med"/>
+                      <a:tailEnd type="none" w="med" len="med"/>
+                    </a:lnR>
+                    <a:lnT w="12700" cap="flat" cmpd="sng" algn="ctr">
+                      <a:solidFill>
+                        <a:schemeClr val="tx1"/>
+                      </a:solidFill>
+                      <a:prstDash val="solid"/>
+                      <a:round/>
+                      <a:headEnd type="none" w="med" len="med"/>
+                      <a:tailEnd type="none" w="med" len="med"/>
+                    </a:lnT>
+                    <a:lnB w="12700" cap="flat" cmpd="sng" algn="ctr">
+                      <a:solidFill>
+                        <a:schemeClr val="tx1"/>
+                      </a:solidFill>
+                      <a:prstDash val="solid"/>
+                      <a:round/>
+                      <a:headEnd type="none" w="med" len="med"/>
+                      <a:tailEnd type="none" w="med" len="med"/>
+                    </a:lnB>
+                    <a:solidFill>
+                      <a:schemeClr val="bg1"/>
+                    </a:solidFill>
+                  </a:tcPr>
+                </a:tc>
+                <a:tc>
+                  <a:txBody>
+                    <a:bodyPr/>
+                    <a:lstStyle/>
+                    <a:p>
+                      <a:pPr marL="0" marR="0" lvl="0" indent="0" algn="ctr" defTabSz="914400" rtl="0" eaLnBrk="1" fontAlgn="auto" latinLnBrk="1" hangingPunct="1">
+                        <a:lnSpc>
+                          <a:spcPct val="100000"/>
+                        </a:lnSpc>
+                        <a:spcBef>
+                          <a:spcPts val="0"/>
+                        </a:spcBef>
+                        <a:spcAft>
+                          <a:spcPts val="0"/>
+                        </a:spcAft>
+                        <a:buClrTx/>
+                        <a:buSzTx/>
+                        <a:buFontTx/>
+                        <a:buNone/>
+                        <a:tabLst/>
+                        <a:defRPr/>
+                      </a:pPr>
+                      <a:r>
+                        <a:rPr lang="en-US" altLang="ko-KR" sz="1800" b="0" i="0" kern="1200" dirty="0">
+                          <a:solidFill>
+                            <a:schemeClr val="dk1"/>
+                          </a:solidFill>
+                          <a:effectLst/>
+                          <a:latin typeface="+mn-lt"/>
+                          <a:ea typeface="+mn-ea"/>
+                          <a:cs typeface="+mn-cs"/>
+                        </a:rPr>
+                        <a:t>HR8833 </a:t>
+                      </a:r>
+                      <a:r>
+                        <a:rPr lang="en-US" altLang="ko-KR" sz="1800" b="0" i="0" kern="1200" baseline="30000" dirty="0">
+                          <a:solidFill>
+                            <a:schemeClr val="dk1"/>
+                          </a:solidFill>
+                          <a:effectLst/>
+                          <a:latin typeface="+mn-lt"/>
+                          <a:ea typeface="+mn-ea"/>
+                          <a:cs typeface="+mn-cs"/>
+                        </a:rPr>
+                        <a:t>2)</a:t>
+                      </a:r>
+                    </a:p>
+                  </a:txBody>
+                  <a:tcPr>
+                    <a:lnL w="12700" cap="flat" cmpd="sng" algn="ctr">
+                      <a:solidFill>
+                        <a:schemeClr val="tx1"/>
+                      </a:solidFill>
+                      <a:prstDash val="solid"/>
+                      <a:round/>
+                      <a:headEnd type="none" w="med" len="med"/>
+                      <a:tailEnd type="none" w="med" len="med"/>
+                    </a:lnL>
+                    <a:lnR w="12700" cap="flat" cmpd="sng" algn="ctr">
+                      <a:solidFill>
+                        <a:schemeClr val="tx1"/>
+                      </a:solidFill>
+                      <a:prstDash val="solid"/>
+                      <a:round/>
+                      <a:headEnd type="none" w="med" len="med"/>
+                      <a:tailEnd type="none" w="med" len="med"/>
+                    </a:lnR>
+                    <a:lnT w="12700" cap="flat" cmpd="sng" algn="ctr">
+                      <a:solidFill>
+                        <a:schemeClr val="tx1"/>
+                      </a:solidFill>
+                      <a:prstDash val="solid"/>
+                      <a:round/>
+                      <a:headEnd type="none" w="med" len="med"/>
+                      <a:tailEnd type="none" w="med" len="med"/>
+                    </a:lnT>
+                    <a:lnB w="12700" cap="flat" cmpd="sng" algn="ctr">
+                      <a:solidFill>
+                        <a:schemeClr val="tx1"/>
+                      </a:solidFill>
+                      <a:prstDash val="solid"/>
+                      <a:round/>
+                      <a:headEnd type="none" w="med" len="med"/>
+                      <a:tailEnd type="none" w="med" len="med"/>
+                    </a:lnB>
+                    <a:solidFill>
+                      <a:schemeClr val="bg1"/>
+                    </a:solidFill>
+                  </a:tcPr>
+                </a:tc>
+                <a:extLst>
+                  <a:ext uri="{0D108BD9-81ED-4DB2-BD59-A6C34878D82A}">
+                    <a16:rowId xmlns:a16="http://schemas.microsoft.com/office/drawing/2014/main" val="1878439317"/>
+                  </a:ext>
+                </a:extLst>
+              </a:tr>
+              <a:tr h="403448">
+                <a:tc>
+                  <a:txBody>
+                    <a:bodyPr/>
+                    <a:lstStyle/>
+                    <a:p>
+                      <a:pPr algn="ctr" latinLnBrk="1"/>
+                      <a:r>
+                        <a:rPr lang="ko-KR" altLang="en-US" dirty="0">
+                          <a:solidFill>
+                            <a:schemeClr val="tx1"/>
+                          </a:solidFill>
+                        </a:rPr>
+                        <a:t>배터리</a:t>
+                      </a:r>
+                    </a:p>
+                  </a:txBody>
+                  <a:tcPr>
+                    <a:lnL w="12700" cap="flat" cmpd="sng" algn="ctr">
+                      <a:solidFill>
+                        <a:schemeClr val="tx1"/>
+                      </a:solidFill>
+                      <a:prstDash val="solid"/>
+                      <a:round/>
+                      <a:headEnd type="none" w="med" len="med"/>
+                      <a:tailEnd type="none" w="med" len="med"/>
+                    </a:lnL>
+                    <a:lnR w="12700" cap="flat" cmpd="sng" algn="ctr">
+                      <a:solidFill>
+                        <a:schemeClr val="tx1"/>
+                      </a:solidFill>
+                      <a:prstDash val="solid"/>
+                      <a:round/>
+                      <a:headEnd type="none" w="med" len="med"/>
+                      <a:tailEnd type="none" w="med" len="med"/>
+                    </a:lnR>
+                    <a:lnT w="12700" cap="flat" cmpd="sng" algn="ctr">
+                      <a:solidFill>
+                        <a:schemeClr val="tx1"/>
+                      </a:solidFill>
+                      <a:prstDash val="solid"/>
+                      <a:round/>
+                      <a:headEnd type="none" w="med" len="med"/>
+                      <a:tailEnd type="none" w="med" len="med"/>
+                    </a:lnT>
+                    <a:lnB w="12700" cap="flat" cmpd="sng" algn="ctr">
+                      <a:solidFill>
+                        <a:schemeClr val="tx1"/>
+                      </a:solidFill>
+                      <a:prstDash val="solid"/>
+                      <a:round/>
+                      <a:headEnd type="none" w="med" len="med"/>
+                      <a:tailEnd type="none" w="med" len="med"/>
+                    </a:lnB>
+                    <a:solidFill>
+                      <a:schemeClr val="bg1"/>
+                    </a:solidFill>
+                  </a:tcPr>
+                </a:tc>
+                <a:tc>
+                  <a:txBody>
+                    <a:bodyPr/>
+                    <a:lstStyle/>
+                    <a:p>
+                      <a:pPr algn="ctr" latinLnBrk="1"/>
+                      <a:r>
+                        <a:rPr lang="en-US" altLang="ko-KR" dirty="0">
+                          <a:solidFill>
+                            <a:schemeClr val="tx1"/>
+                          </a:solidFill>
+                        </a:rPr>
+                        <a:t>9,500</a:t>
+                      </a:r>
+                      <a:endParaRPr lang="ko-KR" altLang="en-US" dirty="0">
+                        <a:solidFill>
+                          <a:schemeClr val="tx1"/>
+                        </a:solidFill>
+                      </a:endParaRPr>
+                    </a:p>
+                  </a:txBody>
+                  <a:tcPr>
+                    <a:lnL w="12700" cap="flat" cmpd="sng" algn="ctr">
+                      <a:solidFill>
+                        <a:schemeClr val="tx1"/>
+                      </a:solidFill>
+                      <a:prstDash val="solid"/>
+                      <a:round/>
+                      <a:headEnd type="none" w="med" len="med"/>
+                      <a:tailEnd type="none" w="med" len="med"/>
+                    </a:lnL>
+                    <a:lnR w="12700" cap="flat" cmpd="sng" algn="ctr">
+                      <a:solidFill>
+                        <a:schemeClr val="tx1"/>
+                      </a:solidFill>
+                      <a:prstDash val="solid"/>
+                      <a:round/>
+                      <a:headEnd type="none" w="med" len="med"/>
+                      <a:tailEnd type="none" w="med" len="med"/>
+                    </a:lnR>
+                    <a:lnT w="12700" cap="flat" cmpd="sng" algn="ctr">
+                      <a:solidFill>
+                        <a:schemeClr val="tx1"/>
+                      </a:solidFill>
+                      <a:prstDash val="solid"/>
+                      <a:round/>
+                      <a:headEnd type="none" w="med" len="med"/>
+                      <a:tailEnd type="none" w="med" len="med"/>
+                    </a:lnT>
+                    <a:lnB w="12700" cap="flat" cmpd="sng" algn="ctr">
+                      <a:solidFill>
+                        <a:schemeClr val="tx1"/>
+                      </a:solidFill>
+                      <a:prstDash val="solid"/>
+                      <a:round/>
+                      <a:headEnd type="none" w="med" len="med"/>
+                      <a:tailEnd type="none" w="med" len="med"/>
+                    </a:lnB>
+                    <a:solidFill>
+                      <a:schemeClr val="bg1"/>
+                    </a:solidFill>
+                  </a:tcPr>
+                </a:tc>
+                <a:tc>
+                  <a:txBody>
+                    <a:bodyPr/>
+                    <a:lstStyle/>
+                    <a:p>
+                      <a:pPr algn="ctr" latinLnBrk="1"/>
+                      <a:r>
+                        <a:rPr lang="en-US" altLang="ko-KR" dirty="0">
+                          <a:solidFill>
+                            <a:schemeClr val="tx1"/>
+                          </a:solidFill>
+                        </a:rPr>
+                        <a:t>2</a:t>
+                      </a:r>
+                      <a:endParaRPr lang="ko-KR" altLang="en-US" dirty="0">
+                        <a:solidFill>
+                          <a:schemeClr val="tx1"/>
+                        </a:solidFill>
+                      </a:endParaRPr>
+                    </a:p>
+                  </a:txBody>
+                  <a:tcPr>
+                    <a:lnL w="12700" cap="flat" cmpd="sng" algn="ctr">
+                      <a:solidFill>
+                        <a:schemeClr val="tx1"/>
+                      </a:solidFill>
+                      <a:prstDash val="solid"/>
+                      <a:round/>
+                      <a:headEnd type="none" w="med" len="med"/>
+                      <a:tailEnd type="none" w="med" len="med"/>
+                    </a:lnL>
+                    <a:lnR w="12700" cap="flat" cmpd="sng" algn="ctr">
+                      <a:solidFill>
+                        <a:schemeClr val="tx1"/>
+                      </a:solidFill>
+                      <a:prstDash val="solid"/>
+                      <a:round/>
+                      <a:headEnd type="none" w="med" len="med"/>
+                      <a:tailEnd type="none" w="med" len="med"/>
+                    </a:lnR>
+                    <a:lnT w="12700" cap="flat" cmpd="sng" algn="ctr">
+                      <a:solidFill>
+                        <a:schemeClr val="tx1"/>
+                      </a:solidFill>
+                      <a:prstDash val="solid"/>
+                      <a:round/>
+                      <a:headEnd type="none" w="med" len="med"/>
+                      <a:tailEnd type="none" w="med" len="med"/>
+                    </a:lnT>
+                    <a:lnB w="12700" cap="flat" cmpd="sng" algn="ctr">
+                      <a:solidFill>
+                        <a:schemeClr val="tx1"/>
+                      </a:solidFill>
+                      <a:prstDash val="solid"/>
+                      <a:round/>
+                      <a:headEnd type="none" w="med" len="med"/>
+                      <a:tailEnd type="none" w="med" len="med"/>
+                    </a:lnB>
+                    <a:solidFill>
+                      <a:schemeClr val="bg1"/>
+                    </a:solidFill>
+                  </a:tcPr>
+                </a:tc>
+                <a:tc>
+                  <a:txBody>
+                    <a:bodyPr/>
+                    <a:lstStyle/>
+                    <a:p>
+                      <a:pPr algn="ctr" latinLnBrk="1"/>
+                      <a:r>
+                        <a:rPr lang="en-US" altLang="ko-KR" dirty="0">
+                          <a:solidFill>
+                            <a:schemeClr val="tx1"/>
+                          </a:solidFill>
+                        </a:rPr>
+                        <a:t>19,000</a:t>
+                      </a:r>
+                      <a:endParaRPr lang="ko-KR" altLang="en-US" dirty="0">
+                        <a:solidFill>
+                          <a:schemeClr val="tx1"/>
+                        </a:solidFill>
+                      </a:endParaRPr>
+                    </a:p>
+                  </a:txBody>
+                  <a:tcPr>
+                    <a:lnL w="12700" cap="flat" cmpd="sng" algn="ctr">
+                      <a:solidFill>
+                        <a:schemeClr val="tx1"/>
+                      </a:solidFill>
+                      <a:prstDash val="solid"/>
+                      <a:round/>
+                      <a:headEnd type="none" w="med" len="med"/>
+                      <a:tailEnd type="none" w="med" len="med"/>
+                    </a:lnL>
+                    <a:lnR w="12700" cap="flat" cmpd="sng" algn="ctr">
+                      <a:solidFill>
+                        <a:schemeClr val="tx1"/>
+                      </a:solidFill>
+                      <a:prstDash val="solid"/>
+                      <a:round/>
+                      <a:headEnd type="none" w="med" len="med"/>
+                      <a:tailEnd type="none" w="med" len="med"/>
+                    </a:lnR>
+                    <a:lnT w="12700" cap="flat" cmpd="sng" algn="ctr">
+                      <a:solidFill>
+                        <a:schemeClr val="tx1"/>
+                      </a:solidFill>
+                      <a:prstDash val="solid"/>
+                      <a:round/>
+                      <a:headEnd type="none" w="med" len="med"/>
+                      <a:tailEnd type="none" w="med" len="med"/>
+                    </a:lnT>
+                    <a:lnB w="12700" cap="flat" cmpd="sng" algn="ctr">
+                      <a:solidFill>
+                        <a:schemeClr val="tx1"/>
+                      </a:solidFill>
+                      <a:prstDash val="solid"/>
+                      <a:round/>
+                      <a:headEnd type="none" w="med" len="med"/>
+                      <a:tailEnd type="none" w="med" len="med"/>
+                    </a:lnB>
+                    <a:solidFill>
+                      <a:schemeClr val="bg1"/>
+                    </a:solidFill>
+                  </a:tcPr>
+                </a:tc>
+                <a:tc>
+                  <a:txBody>
+                    <a:bodyPr/>
+                    <a:lstStyle/>
+                    <a:p>
+                      <a:pPr marL="0" marR="0" lvl="0" indent="0" algn="ctr" defTabSz="914400" rtl="0" eaLnBrk="1" fontAlgn="auto" latinLnBrk="1" hangingPunct="1">
+                        <a:lnSpc>
+                          <a:spcPct val="100000"/>
+                        </a:lnSpc>
+                        <a:spcBef>
+                          <a:spcPts val="0"/>
+                        </a:spcBef>
+                        <a:spcAft>
+                          <a:spcPts val="0"/>
+                        </a:spcAft>
+                        <a:buClrTx/>
+                        <a:buSzTx/>
+                        <a:buFontTx/>
+                        <a:buNone/>
+                        <a:tabLst/>
+                        <a:defRPr/>
+                      </a:pPr>
+                      <a:r>
+                        <a:rPr lang="en-US" altLang="ko-KR" dirty="0">
+                          <a:solidFill>
+                            <a:schemeClr val="tx1"/>
+                          </a:solidFill>
+                        </a:rPr>
+                        <a:t>18650 Battery </a:t>
+                      </a:r>
+                      <a:r>
+                        <a:rPr lang="en-US" altLang="ko-KR" sz="1800" b="0" i="0" kern="1200" baseline="30000" dirty="0">
+                          <a:solidFill>
+                            <a:schemeClr val="dk1"/>
+                          </a:solidFill>
+                          <a:effectLst/>
+                          <a:latin typeface="+mn-lt"/>
+                          <a:ea typeface="+mn-ea"/>
+                          <a:cs typeface="+mn-cs"/>
+                        </a:rPr>
+                        <a:t>3)</a:t>
+                      </a:r>
+                      <a:endParaRPr lang="ko-KR" altLang="en-US" dirty="0">
+                        <a:solidFill>
+                          <a:schemeClr val="tx1"/>
+                        </a:solidFill>
+                      </a:endParaRPr>
+                    </a:p>
+                  </a:txBody>
+                  <a:tcPr>
+                    <a:lnL w="12700" cap="flat" cmpd="sng" algn="ctr">
+                      <a:solidFill>
+                        <a:schemeClr val="tx1"/>
+                      </a:solidFill>
+                      <a:prstDash val="solid"/>
+                      <a:round/>
+                      <a:headEnd type="none" w="med" len="med"/>
+                      <a:tailEnd type="none" w="med" len="med"/>
+                    </a:lnL>
+                    <a:lnR w="12700" cap="flat" cmpd="sng" algn="ctr">
+                      <a:solidFill>
+                        <a:schemeClr val="tx1"/>
+                      </a:solidFill>
+                      <a:prstDash val="solid"/>
+                      <a:round/>
+                      <a:headEnd type="none" w="med" len="med"/>
+                      <a:tailEnd type="none" w="med" len="med"/>
+                    </a:lnR>
+                    <a:lnT w="12700" cap="flat" cmpd="sng" algn="ctr">
+                      <a:solidFill>
+                        <a:schemeClr val="tx1"/>
+                      </a:solidFill>
+                      <a:prstDash val="solid"/>
+                      <a:round/>
+                      <a:headEnd type="none" w="med" len="med"/>
+                      <a:tailEnd type="none" w="med" len="med"/>
+                    </a:lnT>
+                    <a:lnB w="12700" cap="flat" cmpd="sng" algn="ctr">
+                      <a:solidFill>
+                        <a:schemeClr val="tx1"/>
+                      </a:solidFill>
+                      <a:prstDash val="solid"/>
+                      <a:round/>
+                      <a:headEnd type="none" w="med" len="med"/>
+                      <a:tailEnd type="none" w="med" len="med"/>
+                    </a:lnB>
+                    <a:solidFill>
+                      <a:schemeClr val="bg1"/>
+                    </a:solidFill>
+                  </a:tcPr>
+                </a:tc>
+                <a:extLst>
+                  <a:ext uri="{0D108BD9-81ED-4DB2-BD59-A6C34878D82A}">
+                    <a16:rowId xmlns:a16="http://schemas.microsoft.com/office/drawing/2014/main" val="3565154030"/>
+                  </a:ext>
+                </a:extLst>
+              </a:tr>
+              <a:tr h="403448">
+                <a:tc>
+                  <a:txBody>
+                    <a:bodyPr/>
+                    <a:lstStyle/>
+                    <a:p>
+                      <a:pPr algn="ctr" latinLnBrk="1"/>
+                      <a:r>
+                        <a:rPr lang="ko-KR" altLang="en-US" dirty="0">
+                          <a:solidFill>
+                            <a:schemeClr val="tx1"/>
+                          </a:solidFill>
+                        </a:rPr>
+                        <a:t>센서 </a:t>
+                      </a:r>
+                      <a:r>
+                        <a:rPr lang="en-US" altLang="ko-KR" dirty="0">
+                          <a:solidFill>
+                            <a:schemeClr val="tx1"/>
+                          </a:solidFill>
+                        </a:rPr>
+                        <a:t>(GPS, </a:t>
+                      </a:r>
+                      <a:r>
+                        <a:rPr lang="ko-KR" altLang="en-US" dirty="0">
+                          <a:solidFill>
+                            <a:schemeClr val="tx1"/>
+                          </a:solidFill>
+                        </a:rPr>
+                        <a:t>가속도</a:t>
+                      </a:r>
+                      <a:r>
+                        <a:rPr lang="en-US" altLang="ko-KR" dirty="0">
+                          <a:solidFill>
+                            <a:schemeClr val="tx1"/>
+                          </a:solidFill>
+                        </a:rPr>
+                        <a:t>)</a:t>
+                      </a:r>
+                      <a:endParaRPr lang="ko-KR" altLang="en-US" dirty="0">
+                        <a:solidFill>
+                          <a:schemeClr val="tx1"/>
+                        </a:solidFill>
+                      </a:endParaRPr>
+                    </a:p>
+                  </a:txBody>
+                  <a:tcPr>
+                    <a:lnL w="12700" cap="flat" cmpd="sng" algn="ctr">
+                      <a:solidFill>
+                        <a:schemeClr val="tx1"/>
+                      </a:solidFill>
+                      <a:prstDash val="solid"/>
+                      <a:round/>
+                      <a:headEnd type="none" w="med" len="med"/>
+                      <a:tailEnd type="none" w="med" len="med"/>
+                    </a:lnL>
+                    <a:lnR w="12700" cap="flat" cmpd="sng" algn="ctr">
+                      <a:solidFill>
+                        <a:schemeClr val="tx1"/>
+                      </a:solidFill>
+                      <a:prstDash val="solid"/>
+                      <a:round/>
+                      <a:headEnd type="none" w="med" len="med"/>
+                      <a:tailEnd type="none" w="med" len="med"/>
+                    </a:lnR>
+                    <a:lnT w="12700" cap="flat" cmpd="sng" algn="ctr">
+                      <a:solidFill>
+                        <a:schemeClr val="tx1"/>
+                      </a:solidFill>
+                      <a:prstDash val="solid"/>
+                      <a:round/>
+                      <a:headEnd type="none" w="med" len="med"/>
+                      <a:tailEnd type="none" w="med" len="med"/>
+                    </a:lnT>
+                    <a:lnB w="12700" cap="flat" cmpd="sng" algn="ctr">
+                      <a:solidFill>
+                        <a:schemeClr val="tx1"/>
+                      </a:solidFill>
+                      <a:prstDash val="solid"/>
+                      <a:round/>
+                      <a:headEnd type="none" w="med" len="med"/>
+                      <a:tailEnd type="none" w="med" len="med"/>
+                    </a:lnB>
+                    <a:solidFill>
+                      <a:schemeClr val="bg1"/>
+                    </a:solidFill>
+                  </a:tcPr>
+                </a:tc>
+                <a:tc>
+                  <a:txBody>
+                    <a:bodyPr/>
+                    <a:lstStyle/>
+                    <a:p>
+                      <a:pPr algn="ctr" latinLnBrk="1"/>
+                      <a:r>
+                        <a:rPr lang="en-US" altLang="ko-KR" dirty="0">
+                          <a:solidFill>
+                            <a:schemeClr val="tx1"/>
+                          </a:solidFill>
+                        </a:rPr>
+                        <a:t>115,000</a:t>
+                      </a:r>
+                      <a:endParaRPr lang="ko-KR" altLang="en-US" dirty="0">
+                        <a:solidFill>
+                          <a:schemeClr val="tx1"/>
+                        </a:solidFill>
+                      </a:endParaRPr>
+                    </a:p>
+                  </a:txBody>
+                  <a:tcPr>
+                    <a:lnL w="12700" cap="flat" cmpd="sng" algn="ctr">
+                      <a:solidFill>
+                        <a:schemeClr val="tx1"/>
+                      </a:solidFill>
+                      <a:prstDash val="solid"/>
+                      <a:round/>
+                      <a:headEnd type="none" w="med" len="med"/>
+                      <a:tailEnd type="none" w="med" len="med"/>
+                    </a:lnL>
+                    <a:lnR w="12700" cap="flat" cmpd="sng" algn="ctr">
+                      <a:solidFill>
+                        <a:schemeClr val="tx1"/>
+                      </a:solidFill>
+                      <a:prstDash val="solid"/>
+                      <a:round/>
+                      <a:headEnd type="none" w="med" len="med"/>
+                      <a:tailEnd type="none" w="med" len="med"/>
+                    </a:lnR>
+                    <a:lnT w="12700" cap="flat" cmpd="sng" algn="ctr">
+                      <a:solidFill>
+                        <a:schemeClr val="tx1"/>
+                      </a:solidFill>
+                      <a:prstDash val="solid"/>
+                      <a:round/>
+                      <a:headEnd type="none" w="med" len="med"/>
+                      <a:tailEnd type="none" w="med" len="med"/>
+                    </a:lnT>
+                    <a:lnB w="12700" cap="flat" cmpd="sng" algn="ctr">
+                      <a:solidFill>
+                        <a:schemeClr val="tx1"/>
+                      </a:solidFill>
+                      <a:prstDash val="solid"/>
+                      <a:round/>
+                      <a:headEnd type="none" w="med" len="med"/>
+                      <a:tailEnd type="none" w="med" len="med"/>
+                    </a:lnB>
+                    <a:solidFill>
+                      <a:schemeClr val="bg1"/>
+                    </a:solidFill>
+                  </a:tcPr>
+                </a:tc>
+                <a:tc>
+                  <a:txBody>
+                    <a:bodyPr/>
+                    <a:lstStyle/>
+                    <a:p>
+                      <a:pPr algn="ctr" latinLnBrk="1"/>
+                      <a:r>
+                        <a:rPr lang="en-US" altLang="ko-KR" dirty="0">
+                          <a:solidFill>
+                            <a:schemeClr val="tx1"/>
+                          </a:solidFill>
+                        </a:rPr>
+                        <a:t>1</a:t>
+                      </a:r>
+                      <a:endParaRPr lang="ko-KR" altLang="en-US" dirty="0">
+                        <a:solidFill>
+                          <a:schemeClr val="tx1"/>
+                        </a:solidFill>
+                      </a:endParaRPr>
+                    </a:p>
+                  </a:txBody>
+                  <a:tcPr>
+                    <a:lnL w="12700" cap="flat" cmpd="sng" algn="ctr">
+                      <a:solidFill>
+                        <a:schemeClr val="tx1"/>
+                      </a:solidFill>
+                      <a:prstDash val="solid"/>
+                      <a:round/>
+                      <a:headEnd type="none" w="med" len="med"/>
+                      <a:tailEnd type="none" w="med" len="med"/>
+                    </a:lnL>
+                    <a:lnR w="12700" cap="flat" cmpd="sng" algn="ctr">
+                      <a:solidFill>
+                        <a:schemeClr val="tx1"/>
+                      </a:solidFill>
+                      <a:prstDash val="solid"/>
+                      <a:round/>
+                      <a:headEnd type="none" w="med" len="med"/>
+                      <a:tailEnd type="none" w="med" len="med"/>
+                    </a:lnR>
+                    <a:lnT w="12700" cap="flat" cmpd="sng" algn="ctr">
+                      <a:solidFill>
+                        <a:schemeClr val="tx1"/>
+                      </a:solidFill>
+                      <a:prstDash val="solid"/>
+                      <a:round/>
+                      <a:headEnd type="none" w="med" len="med"/>
+                      <a:tailEnd type="none" w="med" len="med"/>
+                    </a:lnT>
+                    <a:lnB w="12700" cap="flat" cmpd="sng" algn="ctr">
+                      <a:solidFill>
+                        <a:schemeClr val="tx1"/>
+                      </a:solidFill>
+                      <a:prstDash val="solid"/>
+                      <a:round/>
+                      <a:headEnd type="none" w="med" len="med"/>
+                      <a:tailEnd type="none" w="med" len="med"/>
+                    </a:lnB>
+                    <a:solidFill>
+                      <a:schemeClr val="bg1"/>
+                    </a:solidFill>
+                  </a:tcPr>
+                </a:tc>
+                <a:tc>
+                  <a:txBody>
+                    <a:bodyPr/>
+                    <a:lstStyle/>
+                    <a:p>
+                      <a:pPr algn="ctr" latinLnBrk="1"/>
+                      <a:r>
+                        <a:rPr lang="en-US" altLang="ko-KR" dirty="0">
+                          <a:solidFill>
+                            <a:schemeClr val="tx1"/>
+                          </a:solidFill>
+                        </a:rPr>
+                        <a:t>115,000</a:t>
+                      </a:r>
+                      <a:endParaRPr lang="ko-KR" altLang="en-US" dirty="0">
+                        <a:solidFill>
+                          <a:schemeClr val="tx1"/>
+                        </a:solidFill>
+                      </a:endParaRPr>
+                    </a:p>
+                  </a:txBody>
+                  <a:tcPr>
+                    <a:lnL w="12700" cap="flat" cmpd="sng" algn="ctr">
+                      <a:solidFill>
+                        <a:schemeClr val="tx1"/>
+                      </a:solidFill>
+                      <a:prstDash val="solid"/>
+                      <a:round/>
+                      <a:headEnd type="none" w="med" len="med"/>
+                      <a:tailEnd type="none" w="med" len="med"/>
+                    </a:lnL>
+                    <a:lnR w="12700" cap="flat" cmpd="sng" algn="ctr">
+                      <a:solidFill>
+                        <a:schemeClr val="tx1"/>
+                      </a:solidFill>
+                      <a:prstDash val="solid"/>
+                      <a:round/>
+                      <a:headEnd type="none" w="med" len="med"/>
+                      <a:tailEnd type="none" w="med" len="med"/>
+                    </a:lnR>
+                    <a:lnT w="12700" cap="flat" cmpd="sng" algn="ctr">
+                      <a:solidFill>
+                        <a:schemeClr val="tx1"/>
+                      </a:solidFill>
+                      <a:prstDash val="solid"/>
+                      <a:round/>
+                      <a:headEnd type="none" w="med" len="med"/>
+                      <a:tailEnd type="none" w="med" len="med"/>
+                    </a:lnT>
+                    <a:lnB w="12700" cap="flat" cmpd="sng" algn="ctr">
+                      <a:solidFill>
+                        <a:schemeClr val="tx1"/>
+                      </a:solidFill>
+                      <a:prstDash val="solid"/>
+                      <a:round/>
+                      <a:headEnd type="none" w="med" len="med"/>
+                      <a:tailEnd type="none" w="med" len="med"/>
+                    </a:lnB>
+                    <a:solidFill>
+                      <a:schemeClr val="bg1"/>
+                    </a:solidFill>
+                  </a:tcPr>
+                </a:tc>
+                <a:tc>
+                  <a:txBody>
+                    <a:bodyPr/>
+                    <a:lstStyle/>
+                    <a:p>
+                      <a:pPr marL="0" marR="0" lvl="0" indent="0" algn="ctr" defTabSz="914400" rtl="0" eaLnBrk="1" fontAlgn="auto" latinLnBrk="1" hangingPunct="1">
+                        <a:lnSpc>
+                          <a:spcPct val="100000"/>
+                        </a:lnSpc>
+                        <a:spcBef>
+                          <a:spcPts val="0"/>
+                        </a:spcBef>
+                        <a:spcAft>
+                          <a:spcPts val="0"/>
+                        </a:spcAft>
+                        <a:buClrTx/>
+                        <a:buSzTx/>
+                        <a:buFontTx/>
+                        <a:buNone/>
+                        <a:tabLst/>
+                        <a:defRPr/>
+                      </a:pPr>
+                      <a:r>
+                        <a:rPr lang="en-US" altLang="ko-KR" sz="1800" b="0" i="0" kern="1200" dirty="0">
+                          <a:solidFill>
+                            <a:schemeClr val="dk1"/>
+                          </a:solidFill>
+                          <a:effectLst/>
+                          <a:latin typeface="+mn-lt"/>
+                          <a:ea typeface="+mn-ea"/>
+                          <a:cs typeface="+mn-cs"/>
+                        </a:rPr>
+                        <a:t>Berry GPS-IMU </a:t>
+                      </a:r>
+                      <a:r>
+                        <a:rPr lang="en-US" altLang="ko-KR" sz="1800" b="0" i="0" kern="1200" baseline="30000" dirty="0">
+                          <a:solidFill>
+                            <a:schemeClr val="dk1"/>
+                          </a:solidFill>
+                          <a:effectLst/>
+                          <a:latin typeface="+mn-lt"/>
+                          <a:ea typeface="+mn-ea"/>
+                          <a:cs typeface="+mn-cs"/>
+                        </a:rPr>
+                        <a:t>4)</a:t>
+                      </a:r>
+                      <a:endParaRPr lang="en-US" altLang="ko-KR" sz="1800" b="0" i="0" kern="1200" dirty="0">
+                        <a:solidFill>
+                          <a:schemeClr val="dk1"/>
+                        </a:solidFill>
+                        <a:effectLst/>
+                        <a:latin typeface="+mn-lt"/>
+                        <a:ea typeface="+mn-ea"/>
+                        <a:cs typeface="+mn-cs"/>
+                      </a:endParaRPr>
+                    </a:p>
+                  </a:txBody>
+                  <a:tcPr>
+                    <a:lnL w="12700" cap="flat" cmpd="sng" algn="ctr">
+                      <a:solidFill>
+                        <a:schemeClr val="tx1"/>
+                      </a:solidFill>
+                      <a:prstDash val="solid"/>
+                      <a:round/>
+                      <a:headEnd type="none" w="med" len="med"/>
+                      <a:tailEnd type="none" w="med" len="med"/>
+                    </a:lnL>
+                    <a:lnR w="12700" cap="flat" cmpd="sng" algn="ctr">
+                      <a:solidFill>
+                        <a:schemeClr val="tx1"/>
+                      </a:solidFill>
+                      <a:prstDash val="solid"/>
+                      <a:round/>
+                      <a:headEnd type="none" w="med" len="med"/>
+                      <a:tailEnd type="none" w="med" len="med"/>
+                    </a:lnR>
+                    <a:lnT w="12700" cap="flat" cmpd="sng" algn="ctr">
+                      <a:solidFill>
+                        <a:schemeClr val="tx1"/>
+                      </a:solidFill>
+                      <a:prstDash val="solid"/>
+                      <a:round/>
+                      <a:headEnd type="none" w="med" len="med"/>
+                      <a:tailEnd type="none" w="med" len="med"/>
+                    </a:lnT>
+                    <a:lnB w="12700" cap="flat" cmpd="sng" algn="ctr">
+                      <a:solidFill>
+                        <a:schemeClr val="tx1"/>
+                      </a:solidFill>
+                      <a:prstDash val="solid"/>
+                      <a:round/>
+                      <a:headEnd type="none" w="med" len="med"/>
+                      <a:tailEnd type="none" w="med" len="med"/>
+                    </a:lnB>
+                    <a:solidFill>
+                      <a:schemeClr val="bg1"/>
+                    </a:solidFill>
+                  </a:tcPr>
+                </a:tc>
+                <a:extLst>
+                  <a:ext uri="{0D108BD9-81ED-4DB2-BD59-A6C34878D82A}">
+                    <a16:rowId xmlns:a16="http://schemas.microsoft.com/office/drawing/2014/main" val="1209575700"/>
+                  </a:ext>
+                </a:extLst>
+              </a:tr>
+              <a:tr h="403448">
+                <a:tc>
+                  <a:txBody>
+                    <a:bodyPr/>
+                    <a:lstStyle/>
+                    <a:p>
+                      <a:pPr algn="ctr" latinLnBrk="1"/>
+                      <a:r>
+                        <a:rPr lang="en-US" altLang="ko-KR" dirty="0">
+                          <a:solidFill>
+                            <a:schemeClr val="tx1"/>
+                          </a:solidFill>
+                        </a:rPr>
+                        <a:t>RF</a:t>
+                      </a:r>
+                      <a:r>
+                        <a:rPr lang="ko-KR" altLang="en-US" dirty="0">
+                          <a:solidFill>
+                            <a:schemeClr val="tx1"/>
+                          </a:solidFill>
+                        </a:rPr>
+                        <a:t> </a:t>
+                      </a:r>
+                      <a:r>
+                        <a:rPr lang="ko-KR" altLang="en-US" dirty="0" err="1">
+                          <a:solidFill>
+                            <a:schemeClr val="tx1"/>
+                          </a:solidFill>
+                        </a:rPr>
+                        <a:t>통신모듈</a:t>
+                      </a:r>
+                      <a:endParaRPr lang="ko-KR" altLang="en-US" dirty="0">
+                        <a:solidFill>
+                          <a:schemeClr val="tx1"/>
+                        </a:solidFill>
+                      </a:endParaRPr>
+                    </a:p>
+                  </a:txBody>
+                  <a:tcPr>
+                    <a:lnL w="12700" cap="flat" cmpd="sng" algn="ctr">
+                      <a:solidFill>
+                        <a:schemeClr val="tx1"/>
+                      </a:solidFill>
+                      <a:prstDash val="solid"/>
+                      <a:round/>
+                      <a:headEnd type="none" w="med" len="med"/>
+                      <a:tailEnd type="none" w="med" len="med"/>
+                    </a:lnL>
+                    <a:lnR w="12700" cap="flat" cmpd="sng" algn="ctr">
+                      <a:solidFill>
+                        <a:schemeClr val="tx1"/>
+                      </a:solidFill>
+                      <a:prstDash val="solid"/>
+                      <a:round/>
+                      <a:headEnd type="none" w="med" len="med"/>
+                      <a:tailEnd type="none" w="med" len="med"/>
+                    </a:lnR>
+                    <a:lnT w="12700" cap="flat" cmpd="sng" algn="ctr">
+                      <a:solidFill>
+                        <a:schemeClr val="tx1"/>
+                      </a:solidFill>
+                      <a:prstDash val="solid"/>
+                      <a:round/>
+                      <a:headEnd type="none" w="med" len="med"/>
+                      <a:tailEnd type="none" w="med" len="med"/>
+                    </a:lnT>
+                    <a:lnB w="12700" cap="flat" cmpd="sng" algn="ctr">
+                      <a:solidFill>
+                        <a:schemeClr val="tx1"/>
+                      </a:solidFill>
+                      <a:prstDash val="solid"/>
+                      <a:round/>
+                      <a:headEnd type="none" w="med" len="med"/>
+                      <a:tailEnd type="none" w="med" len="med"/>
+                    </a:lnB>
+                    <a:solidFill>
+                      <a:schemeClr val="bg1"/>
+                    </a:solidFill>
+                  </a:tcPr>
+                </a:tc>
+                <a:tc>
+                  <a:txBody>
+                    <a:bodyPr/>
+                    <a:lstStyle/>
+                    <a:p>
+                      <a:pPr algn="ctr" latinLnBrk="1"/>
+                      <a:r>
+                        <a:rPr lang="en-US" altLang="ko-KR" dirty="0">
+                          <a:solidFill>
+                            <a:schemeClr val="tx1"/>
+                          </a:solidFill>
+                        </a:rPr>
+                        <a:t>48,400</a:t>
+                      </a:r>
+                      <a:endParaRPr lang="ko-KR" altLang="en-US" dirty="0">
+                        <a:solidFill>
+                          <a:schemeClr val="tx1"/>
+                        </a:solidFill>
+                      </a:endParaRPr>
+                    </a:p>
+                  </a:txBody>
+                  <a:tcPr>
+                    <a:lnL w="12700" cap="flat" cmpd="sng" algn="ctr">
+                      <a:solidFill>
+                        <a:schemeClr val="tx1"/>
+                      </a:solidFill>
+                      <a:prstDash val="solid"/>
+                      <a:round/>
+                      <a:headEnd type="none" w="med" len="med"/>
+                      <a:tailEnd type="none" w="med" len="med"/>
+                    </a:lnL>
+                    <a:lnR w="12700" cap="flat" cmpd="sng" algn="ctr">
+                      <a:solidFill>
+                        <a:schemeClr val="tx1"/>
+                      </a:solidFill>
+                      <a:prstDash val="solid"/>
+                      <a:round/>
+                      <a:headEnd type="none" w="med" len="med"/>
+                      <a:tailEnd type="none" w="med" len="med"/>
+                    </a:lnR>
+                    <a:lnT w="12700" cap="flat" cmpd="sng" algn="ctr">
+                      <a:solidFill>
+                        <a:schemeClr val="tx1"/>
+                      </a:solidFill>
+                      <a:prstDash val="solid"/>
+                      <a:round/>
+                      <a:headEnd type="none" w="med" len="med"/>
+                      <a:tailEnd type="none" w="med" len="med"/>
+                    </a:lnT>
+                    <a:lnB w="12700" cap="flat" cmpd="sng" algn="ctr">
+                      <a:solidFill>
+                        <a:schemeClr val="tx1"/>
+                      </a:solidFill>
+                      <a:prstDash val="solid"/>
+                      <a:round/>
+                      <a:headEnd type="none" w="med" len="med"/>
+                      <a:tailEnd type="none" w="med" len="med"/>
+                    </a:lnB>
+                    <a:solidFill>
+                      <a:schemeClr val="bg1"/>
+                    </a:solidFill>
+                  </a:tcPr>
+                </a:tc>
+                <a:tc>
+                  <a:txBody>
+                    <a:bodyPr/>
+                    <a:lstStyle/>
+                    <a:p>
+                      <a:pPr algn="ctr" latinLnBrk="1"/>
+                      <a:r>
+                        <a:rPr lang="en-US" altLang="ko-KR" dirty="0">
+                          <a:solidFill>
+                            <a:schemeClr val="tx1"/>
+                          </a:solidFill>
+                        </a:rPr>
+                        <a:t>3</a:t>
+                      </a:r>
+                      <a:endParaRPr lang="ko-KR" altLang="en-US" dirty="0">
+                        <a:solidFill>
+                          <a:schemeClr val="tx1"/>
+                        </a:solidFill>
+                      </a:endParaRPr>
+                    </a:p>
+                  </a:txBody>
+                  <a:tcPr>
+                    <a:lnL w="12700" cap="flat" cmpd="sng" algn="ctr">
+                      <a:solidFill>
+                        <a:schemeClr val="tx1"/>
+                      </a:solidFill>
+                      <a:prstDash val="solid"/>
+                      <a:round/>
+                      <a:headEnd type="none" w="med" len="med"/>
+                      <a:tailEnd type="none" w="med" len="med"/>
+                    </a:lnL>
+                    <a:lnR w="12700" cap="flat" cmpd="sng" algn="ctr">
+                      <a:solidFill>
+                        <a:schemeClr val="tx1"/>
+                      </a:solidFill>
+                      <a:prstDash val="solid"/>
+                      <a:round/>
+                      <a:headEnd type="none" w="med" len="med"/>
+                      <a:tailEnd type="none" w="med" len="med"/>
+                    </a:lnR>
+                    <a:lnT w="12700" cap="flat" cmpd="sng" algn="ctr">
+                      <a:solidFill>
+                        <a:schemeClr val="tx1"/>
+                      </a:solidFill>
+                      <a:prstDash val="solid"/>
+                      <a:round/>
+                      <a:headEnd type="none" w="med" len="med"/>
+                      <a:tailEnd type="none" w="med" len="med"/>
+                    </a:lnT>
+                    <a:lnB w="12700" cap="flat" cmpd="sng" algn="ctr">
+                      <a:solidFill>
+                        <a:schemeClr val="tx1"/>
+                      </a:solidFill>
+                      <a:prstDash val="solid"/>
+                      <a:round/>
+                      <a:headEnd type="none" w="med" len="med"/>
+                      <a:tailEnd type="none" w="med" len="med"/>
+                    </a:lnB>
+                    <a:solidFill>
+                      <a:schemeClr val="bg1"/>
+                    </a:solidFill>
+                  </a:tcPr>
+                </a:tc>
+                <a:tc>
+                  <a:txBody>
+                    <a:bodyPr/>
+                    <a:lstStyle/>
+                    <a:p>
+                      <a:pPr algn="ctr" latinLnBrk="1"/>
+                      <a:r>
+                        <a:rPr lang="en-US" altLang="ko-KR" dirty="0">
+                          <a:solidFill>
+                            <a:schemeClr val="tx1"/>
+                          </a:solidFill>
+                        </a:rPr>
+                        <a:t>145,200</a:t>
+                      </a:r>
+                      <a:endParaRPr lang="ko-KR" altLang="en-US" dirty="0">
+                        <a:solidFill>
+                          <a:schemeClr val="tx1"/>
+                        </a:solidFill>
+                      </a:endParaRPr>
+                    </a:p>
+                  </a:txBody>
+                  <a:tcPr>
+                    <a:lnL w="12700" cap="flat" cmpd="sng" algn="ctr">
+                      <a:solidFill>
+                        <a:schemeClr val="tx1"/>
+                      </a:solidFill>
+                      <a:prstDash val="solid"/>
+                      <a:round/>
+                      <a:headEnd type="none" w="med" len="med"/>
+                      <a:tailEnd type="none" w="med" len="med"/>
+                    </a:lnL>
+                    <a:lnR w="12700" cap="flat" cmpd="sng" algn="ctr">
+                      <a:solidFill>
+                        <a:schemeClr val="tx1"/>
+                      </a:solidFill>
+                      <a:prstDash val="solid"/>
+                      <a:round/>
+                      <a:headEnd type="none" w="med" len="med"/>
+                      <a:tailEnd type="none" w="med" len="med"/>
+                    </a:lnR>
+                    <a:lnT w="12700" cap="flat" cmpd="sng" algn="ctr">
+                      <a:solidFill>
+                        <a:schemeClr val="tx1"/>
+                      </a:solidFill>
+                      <a:prstDash val="solid"/>
+                      <a:round/>
+                      <a:headEnd type="none" w="med" len="med"/>
+                      <a:tailEnd type="none" w="med" len="med"/>
+                    </a:lnT>
+                    <a:lnB w="12700" cap="flat" cmpd="sng" algn="ctr">
+                      <a:solidFill>
+                        <a:schemeClr val="tx1"/>
+                      </a:solidFill>
+                      <a:prstDash val="solid"/>
+                      <a:round/>
+                      <a:headEnd type="none" w="med" len="med"/>
+                      <a:tailEnd type="none" w="med" len="med"/>
+                    </a:lnB>
+                    <a:solidFill>
+                      <a:schemeClr val="bg1"/>
+                    </a:solidFill>
+                  </a:tcPr>
+                </a:tc>
+                <a:tc>
+                  <a:txBody>
+                    <a:bodyPr/>
+                    <a:lstStyle/>
+                    <a:p>
+                      <a:pPr marL="0" marR="0" lvl="0" indent="0" algn="ctr" defTabSz="914400" rtl="0" eaLnBrk="1" fontAlgn="auto" latinLnBrk="1" hangingPunct="1">
+                        <a:lnSpc>
+                          <a:spcPct val="100000"/>
+                        </a:lnSpc>
+                        <a:spcBef>
+                          <a:spcPts val="0"/>
+                        </a:spcBef>
+                        <a:spcAft>
+                          <a:spcPts val="0"/>
+                        </a:spcAft>
+                        <a:buClrTx/>
+                        <a:buSzTx/>
+                        <a:buFontTx/>
+                        <a:buNone/>
+                        <a:tabLst/>
+                        <a:defRPr/>
+                      </a:pPr>
+                      <a:r>
+                        <a:rPr lang="en-US" altLang="ko-KR" sz="1800" b="0" i="0" kern="1200" dirty="0" err="1">
+                          <a:solidFill>
+                            <a:schemeClr val="dk1"/>
+                          </a:solidFill>
+                          <a:effectLst/>
+                          <a:latin typeface="+mn-lt"/>
+                          <a:ea typeface="+mn-ea"/>
+                          <a:cs typeface="+mn-cs"/>
+                        </a:rPr>
+                        <a:t>XBee</a:t>
+                      </a:r>
+                      <a:r>
+                        <a:rPr lang="en-US" altLang="ko-KR" sz="1800" b="0" i="0" kern="1200" dirty="0">
+                          <a:solidFill>
+                            <a:schemeClr val="dk1"/>
+                          </a:solidFill>
+                          <a:effectLst/>
+                          <a:latin typeface="+mn-lt"/>
+                          <a:ea typeface="+mn-ea"/>
+                          <a:cs typeface="+mn-cs"/>
+                        </a:rPr>
+                        <a:t> S2C 802.15.4 SMT </a:t>
+                      </a:r>
+                      <a:r>
+                        <a:rPr lang="ko-KR" altLang="en-US" sz="1800" b="0" i="0" kern="1200" dirty="0">
+                          <a:solidFill>
+                            <a:schemeClr val="dk1"/>
+                          </a:solidFill>
+                          <a:effectLst/>
+                          <a:latin typeface="+mn-lt"/>
+                          <a:ea typeface="+mn-ea"/>
+                          <a:cs typeface="+mn-cs"/>
+                        </a:rPr>
+                        <a:t>타입 </a:t>
+                      </a:r>
+                      <a:r>
+                        <a:rPr lang="en-US" altLang="ko-KR" sz="1800" b="0" i="0" kern="1200" baseline="30000" dirty="0">
+                          <a:solidFill>
+                            <a:schemeClr val="dk1"/>
+                          </a:solidFill>
+                          <a:effectLst/>
+                          <a:latin typeface="+mn-lt"/>
+                          <a:ea typeface="+mn-ea"/>
+                          <a:cs typeface="+mn-cs"/>
+                        </a:rPr>
+                        <a:t>5)</a:t>
+                      </a:r>
+                      <a:endParaRPr lang="ko-KR" altLang="en-US" sz="1800" b="0" i="0" kern="1200" dirty="0">
+                        <a:solidFill>
+                          <a:schemeClr val="dk1"/>
+                        </a:solidFill>
+                        <a:effectLst/>
+                        <a:latin typeface="+mn-lt"/>
+                        <a:ea typeface="+mn-ea"/>
+                        <a:cs typeface="+mn-cs"/>
+                      </a:endParaRPr>
+                    </a:p>
+                  </a:txBody>
+                  <a:tcPr>
+                    <a:lnL w="12700" cap="flat" cmpd="sng" algn="ctr">
+                      <a:solidFill>
+                        <a:schemeClr val="tx1"/>
+                      </a:solidFill>
+                      <a:prstDash val="solid"/>
+                      <a:round/>
+                      <a:headEnd type="none" w="med" len="med"/>
+                      <a:tailEnd type="none" w="med" len="med"/>
+                    </a:lnL>
+                    <a:lnR w="12700" cap="flat" cmpd="sng" algn="ctr">
+                      <a:solidFill>
+                        <a:schemeClr val="tx1"/>
+                      </a:solidFill>
+                      <a:prstDash val="solid"/>
+                      <a:round/>
+                      <a:headEnd type="none" w="med" len="med"/>
+                      <a:tailEnd type="none" w="med" len="med"/>
+                    </a:lnR>
+                    <a:lnT w="12700" cap="flat" cmpd="sng" algn="ctr">
+                      <a:solidFill>
+                        <a:schemeClr val="tx1"/>
+                      </a:solidFill>
+                      <a:prstDash val="solid"/>
+                      <a:round/>
+                      <a:headEnd type="none" w="med" len="med"/>
+                      <a:tailEnd type="none" w="med" len="med"/>
+                    </a:lnT>
+                    <a:lnB w="12700" cap="flat" cmpd="sng" algn="ctr">
+                      <a:solidFill>
+                        <a:schemeClr val="tx1"/>
+                      </a:solidFill>
+                      <a:prstDash val="solid"/>
+                      <a:round/>
+                      <a:headEnd type="none" w="med" len="med"/>
+                      <a:tailEnd type="none" w="med" len="med"/>
+                    </a:lnB>
+                    <a:solidFill>
+                      <a:schemeClr val="bg1"/>
+                    </a:solidFill>
+                  </a:tcPr>
+                </a:tc>
+                <a:extLst>
+                  <a:ext uri="{0D108BD9-81ED-4DB2-BD59-A6C34878D82A}">
+                    <a16:rowId xmlns:a16="http://schemas.microsoft.com/office/drawing/2014/main" val="4115130988"/>
+                  </a:ext>
+                </a:extLst>
+              </a:tr>
+              <a:tr h="403448">
+                <a:tc>
+                  <a:txBody>
+                    <a:bodyPr/>
+                    <a:lstStyle/>
+                    <a:p>
+                      <a:pPr algn="ctr" latinLnBrk="1"/>
+                      <a:r>
+                        <a:rPr lang="ko-KR" altLang="en-US" dirty="0" err="1">
+                          <a:solidFill>
+                            <a:schemeClr val="tx1"/>
+                          </a:solidFill>
+                        </a:rPr>
+                        <a:t>서보모터</a:t>
+                      </a:r>
+                      <a:endParaRPr lang="ko-KR" altLang="en-US" dirty="0">
+                        <a:solidFill>
+                          <a:schemeClr val="tx1"/>
+                        </a:solidFill>
+                      </a:endParaRPr>
+                    </a:p>
+                  </a:txBody>
+                  <a:tcPr>
+                    <a:lnL w="12700" cap="flat" cmpd="sng" algn="ctr">
+                      <a:solidFill>
+                        <a:schemeClr val="tx1"/>
+                      </a:solidFill>
+                      <a:prstDash val="solid"/>
+                      <a:round/>
+                      <a:headEnd type="none" w="med" len="med"/>
+                      <a:tailEnd type="none" w="med" len="med"/>
+                    </a:lnL>
+                    <a:lnR w="12700" cap="flat" cmpd="sng" algn="ctr">
+                      <a:solidFill>
+                        <a:schemeClr val="tx1"/>
+                      </a:solidFill>
+                      <a:prstDash val="solid"/>
+                      <a:round/>
+                      <a:headEnd type="none" w="med" len="med"/>
+                      <a:tailEnd type="none" w="med" len="med"/>
+                    </a:lnR>
+                    <a:lnT w="12700" cap="flat" cmpd="sng" algn="ctr">
+                      <a:solidFill>
+                        <a:schemeClr val="tx1"/>
+                      </a:solidFill>
+                      <a:prstDash val="solid"/>
+                      <a:round/>
+                      <a:headEnd type="none" w="med" len="med"/>
+                      <a:tailEnd type="none" w="med" len="med"/>
+                    </a:lnT>
+                    <a:lnB w="12700" cap="flat" cmpd="sng" algn="ctr">
+                      <a:solidFill>
+                        <a:schemeClr val="tx1"/>
+                      </a:solidFill>
+                      <a:prstDash val="solid"/>
+                      <a:round/>
+                      <a:headEnd type="none" w="med" len="med"/>
+                      <a:tailEnd type="none" w="med" len="med"/>
+                    </a:lnB>
+                    <a:solidFill>
+                      <a:schemeClr val="bg1"/>
+                    </a:solidFill>
+                  </a:tcPr>
+                </a:tc>
+                <a:tc>
+                  <a:txBody>
+                    <a:bodyPr/>
+                    <a:lstStyle/>
+                    <a:p>
+                      <a:pPr algn="ctr" latinLnBrk="1"/>
+                      <a:r>
+                        <a:rPr lang="en-US" altLang="ko-KR" dirty="0">
+                          <a:solidFill>
+                            <a:schemeClr val="tx1"/>
+                          </a:solidFill>
+                        </a:rPr>
+                        <a:t>6,500</a:t>
+                      </a:r>
+                      <a:endParaRPr lang="ko-KR" altLang="en-US" dirty="0">
+                        <a:solidFill>
+                          <a:schemeClr val="tx1"/>
+                        </a:solidFill>
+                      </a:endParaRPr>
+                    </a:p>
+                  </a:txBody>
+                  <a:tcPr>
+                    <a:lnL w="12700" cap="flat" cmpd="sng" algn="ctr">
+                      <a:solidFill>
+                        <a:schemeClr val="tx1"/>
+                      </a:solidFill>
+                      <a:prstDash val="solid"/>
+                      <a:round/>
+                      <a:headEnd type="none" w="med" len="med"/>
+                      <a:tailEnd type="none" w="med" len="med"/>
+                    </a:lnL>
+                    <a:lnR w="12700" cap="flat" cmpd="sng" algn="ctr">
+                      <a:solidFill>
+                        <a:schemeClr val="tx1"/>
+                      </a:solidFill>
+                      <a:prstDash val="solid"/>
+                      <a:round/>
+                      <a:headEnd type="none" w="med" len="med"/>
+                      <a:tailEnd type="none" w="med" len="med"/>
+                    </a:lnR>
+                    <a:lnT w="12700" cap="flat" cmpd="sng" algn="ctr">
+                      <a:solidFill>
+                        <a:schemeClr val="tx1"/>
+                      </a:solidFill>
+                      <a:prstDash val="solid"/>
+                      <a:round/>
+                      <a:headEnd type="none" w="med" len="med"/>
+                      <a:tailEnd type="none" w="med" len="med"/>
+                    </a:lnT>
+                    <a:lnB w="12700" cap="flat" cmpd="sng" algn="ctr">
+                      <a:solidFill>
+                        <a:schemeClr val="tx1"/>
+                      </a:solidFill>
+                      <a:prstDash val="solid"/>
+                      <a:round/>
+                      <a:headEnd type="none" w="med" len="med"/>
+                      <a:tailEnd type="none" w="med" len="med"/>
+                    </a:lnB>
+                    <a:solidFill>
+                      <a:schemeClr val="bg1"/>
+                    </a:solidFill>
+                  </a:tcPr>
+                </a:tc>
+                <a:tc>
+                  <a:txBody>
+                    <a:bodyPr/>
+                    <a:lstStyle/>
+                    <a:p>
+                      <a:pPr algn="ctr" latinLnBrk="1"/>
+                      <a:r>
+                        <a:rPr lang="en-US" altLang="ko-KR" dirty="0">
+                          <a:solidFill>
+                            <a:schemeClr val="tx1"/>
+                          </a:solidFill>
+                        </a:rPr>
+                        <a:t>1</a:t>
+                      </a:r>
+                      <a:endParaRPr lang="ko-KR" altLang="en-US" dirty="0">
+                        <a:solidFill>
+                          <a:schemeClr val="tx1"/>
+                        </a:solidFill>
+                      </a:endParaRPr>
+                    </a:p>
+                  </a:txBody>
+                  <a:tcPr>
+                    <a:lnL w="12700" cap="flat" cmpd="sng" algn="ctr">
+                      <a:solidFill>
+                        <a:schemeClr val="tx1"/>
+                      </a:solidFill>
+                      <a:prstDash val="solid"/>
+                      <a:round/>
+                      <a:headEnd type="none" w="med" len="med"/>
+                      <a:tailEnd type="none" w="med" len="med"/>
+                    </a:lnL>
+                    <a:lnR w="12700" cap="flat" cmpd="sng" algn="ctr">
+                      <a:solidFill>
+                        <a:schemeClr val="tx1"/>
+                      </a:solidFill>
+                      <a:prstDash val="solid"/>
+                      <a:round/>
+                      <a:headEnd type="none" w="med" len="med"/>
+                      <a:tailEnd type="none" w="med" len="med"/>
+                    </a:lnR>
+                    <a:lnT w="12700" cap="flat" cmpd="sng" algn="ctr">
+                      <a:solidFill>
+                        <a:schemeClr val="tx1"/>
+                      </a:solidFill>
+                      <a:prstDash val="solid"/>
+                      <a:round/>
+                      <a:headEnd type="none" w="med" len="med"/>
+                      <a:tailEnd type="none" w="med" len="med"/>
+                    </a:lnT>
+                    <a:lnB w="12700" cap="flat" cmpd="sng" algn="ctr">
+                      <a:solidFill>
+                        <a:schemeClr val="tx1"/>
+                      </a:solidFill>
+                      <a:prstDash val="solid"/>
+                      <a:round/>
+                      <a:headEnd type="none" w="med" len="med"/>
+                      <a:tailEnd type="none" w="med" len="med"/>
+                    </a:lnB>
+                    <a:solidFill>
+                      <a:schemeClr val="bg1"/>
+                    </a:solidFill>
+                  </a:tcPr>
+                </a:tc>
+                <a:tc>
+                  <a:txBody>
+                    <a:bodyPr/>
+                    <a:lstStyle/>
+                    <a:p>
+                      <a:pPr algn="ctr" latinLnBrk="1"/>
+                      <a:r>
+                        <a:rPr lang="en-US" altLang="ko-KR" dirty="0">
+                          <a:solidFill>
+                            <a:schemeClr val="tx1"/>
+                          </a:solidFill>
+                        </a:rPr>
+                        <a:t>6,500</a:t>
+                      </a:r>
+                      <a:endParaRPr lang="ko-KR" altLang="en-US" dirty="0">
+                        <a:solidFill>
+                          <a:schemeClr val="tx1"/>
+                        </a:solidFill>
+                      </a:endParaRPr>
+                    </a:p>
+                  </a:txBody>
+                  <a:tcPr>
+                    <a:lnL w="12700" cap="flat" cmpd="sng" algn="ctr">
+                      <a:solidFill>
+                        <a:schemeClr val="tx1"/>
+                      </a:solidFill>
+                      <a:prstDash val="solid"/>
+                      <a:round/>
+                      <a:headEnd type="none" w="med" len="med"/>
+                      <a:tailEnd type="none" w="med" len="med"/>
+                    </a:lnL>
+                    <a:lnR w="12700" cap="flat" cmpd="sng" algn="ctr">
+                      <a:solidFill>
+                        <a:schemeClr val="tx1"/>
+                      </a:solidFill>
+                      <a:prstDash val="solid"/>
+                      <a:round/>
+                      <a:headEnd type="none" w="med" len="med"/>
+                      <a:tailEnd type="none" w="med" len="med"/>
+                    </a:lnR>
+                    <a:lnT w="12700" cap="flat" cmpd="sng" algn="ctr">
+                      <a:solidFill>
+                        <a:schemeClr val="tx1"/>
+                      </a:solidFill>
+                      <a:prstDash val="solid"/>
+                      <a:round/>
+                      <a:headEnd type="none" w="med" len="med"/>
+                      <a:tailEnd type="none" w="med" len="med"/>
+                    </a:lnT>
+                    <a:lnB w="12700" cap="flat" cmpd="sng" algn="ctr">
+                      <a:solidFill>
+                        <a:schemeClr val="tx1"/>
+                      </a:solidFill>
+                      <a:prstDash val="solid"/>
+                      <a:round/>
+                      <a:headEnd type="none" w="med" len="med"/>
+                      <a:tailEnd type="none" w="med" len="med"/>
+                    </a:lnB>
+                    <a:solidFill>
+                      <a:schemeClr val="bg1"/>
+                    </a:solidFill>
+                  </a:tcPr>
+                </a:tc>
+                <a:tc>
+                  <a:txBody>
+                    <a:bodyPr/>
+                    <a:lstStyle/>
+                    <a:p>
+                      <a:pPr marL="0" marR="0" lvl="0" indent="0" algn="ctr" defTabSz="914400" rtl="0" eaLnBrk="1" fontAlgn="auto" latinLnBrk="1" hangingPunct="1">
+                        <a:lnSpc>
+                          <a:spcPct val="100000"/>
+                        </a:lnSpc>
+                        <a:spcBef>
+                          <a:spcPts val="0"/>
+                        </a:spcBef>
+                        <a:spcAft>
+                          <a:spcPts val="0"/>
+                        </a:spcAft>
+                        <a:buClrTx/>
+                        <a:buSzTx/>
+                        <a:buFontTx/>
+                        <a:buNone/>
+                        <a:tabLst/>
+                        <a:defRPr/>
+                      </a:pPr>
+                      <a:r>
+                        <a:rPr lang="en-US" altLang="ko-KR" dirty="0">
+                          <a:solidFill>
+                            <a:schemeClr val="tx1"/>
+                          </a:solidFill>
+                        </a:rPr>
+                        <a:t>MG996R </a:t>
+                      </a:r>
+                      <a:r>
+                        <a:rPr lang="en-US" altLang="ko-KR" sz="1800" b="0" i="0" kern="1200" baseline="30000" dirty="0">
+                          <a:solidFill>
+                            <a:schemeClr val="dk1"/>
+                          </a:solidFill>
+                          <a:effectLst/>
+                          <a:latin typeface="+mn-lt"/>
+                          <a:ea typeface="+mn-ea"/>
+                          <a:cs typeface="+mn-cs"/>
+                        </a:rPr>
+                        <a:t>6)</a:t>
+                      </a:r>
+                      <a:endParaRPr lang="ko-KR" altLang="en-US" dirty="0">
+                        <a:solidFill>
+                          <a:schemeClr val="tx1"/>
+                        </a:solidFill>
+                      </a:endParaRPr>
+                    </a:p>
+                  </a:txBody>
+                  <a:tcPr>
+                    <a:lnL w="12700" cap="flat" cmpd="sng" algn="ctr">
+                      <a:solidFill>
+                        <a:schemeClr val="tx1"/>
+                      </a:solidFill>
+                      <a:prstDash val="solid"/>
+                      <a:round/>
+                      <a:headEnd type="none" w="med" len="med"/>
+                      <a:tailEnd type="none" w="med" len="med"/>
+                    </a:lnL>
+                    <a:lnR w="12700" cap="flat" cmpd="sng" algn="ctr">
+                      <a:solidFill>
+                        <a:schemeClr val="tx1"/>
+                      </a:solidFill>
+                      <a:prstDash val="solid"/>
+                      <a:round/>
+                      <a:headEnd type="none" w="med" len="med"/>
+                      <a:tailEnd type="none" w="med" len="med"/>
+                    </a:lnR>
+                    <a:lnT w="12700" cap="flat" cmpd="sng" algn="ctr">
+                      <a:solidFill>
+                        <a:schemeClr val="tx1"/>
+                      </a:solidFill>
+                      <a:prstDash val="solid"/>
+                      <a:round/>
+                      <a:headEnd type="none" w="med" len="med"/>
+                      <a:tailEnd type="none" w="med" len="med"/>
+                    </a:lnT>
+                    <a:lnB w="12700" cap="flat" cmpd="sng" algn="ctr">
+                      <a:solidFill>
+                        <a:schemeClr val="tx1"/>
+                      </a:solidFill>
+                      <a:prstDash val="solid"/>
+                      <a:round/>
+                      <a:headEnd type="none" w="med" len="med"/>
+                      <a:tailEnd type="none" w="med" len="med"/>
+                    </a:lnB>
+                    <a:solidFill>
+                      <a:schemeClr val="bg1"/>
+                    </a:solidFill>
+                  </a:tcPr>
+                </a:tc>
+                <a:extLst>
+                  <a:ext uri="{0D108BD9-81ED-4DB2-BD59-A6C34878D82A}">
+                    <a16:rowId xmlns:a16="http://schemas.microsoft.com/office/drawing/2014/main" val="1155777943"/>
+                  </a:ext>
+                </a:extLst>
+              </a:tr>
+              <a:tr h="403448">
+                <a:tc>
+                  <a:txBody>
+                    <a:bodyPr/>
+                    <a:lstStyle/>
+                    <a:p>
+                      <a:pPr algn="ctr" latinLnBrk="1"/>
+                      <a:r>
+                        <a:rPr lang="en-US" altLang="ko-KR" dirty="0">
+                          <a:solidFill>
+                            <a:schemeClr val="tx1"/>
+                          </a:solidFill>
+                        </a:rPr>
+                        <a:t>DC</a:t>
+                      </a:r>
+                      <a:r>
+                        <a:rPr lang="ko-KR" altLang="en-US" dirty="0">
+                          <a:solidFill>
+                            <a:schemeClr val="tx1"/>
+                          </a:solidFill>
+                        </a:rPr>
+                        <a:t> 모터</a:t>
+                      </a:r>
+                    </a:p>
+                  </a:txBody>
+                  <a:tcPr>
+                    <a:lnL w="12700" cap="flat" cmpd="sng" algn="ctr">
+                      <a:solidFill>
+                        <a:schemeClr val="tx1"/>
+                      </a:solidFill>
+                      <a:prstDash val="solid"/>
+                      <a:round/>
+                      <a:headEnd type="none" w="med" len="med"/>
+                      <a:tailEnd type="none" w="med" len="med"/>
+                    </a:lnL>
+                    <a:lnR w="12700" cap="flat" cmpd="sng" algn="ctr">
+                      <a:solidFill>
+                        <a:schemeClr val="tx1"/>
+                      </a:solidFill>
+                      <a:prstDash val="solid"/>
+                      <a:round/>
+                      <a:headEnd type="none" w="med" len="med"/>
+                      <a:tailEnd type="none" w="med" len="med"/>
+                    </a:lnR>
+                    <a:lnT w="12700" cap="flat" cmpd="sng" algn="ctr">
+                      <a:solidFill>
+                        <a:schemeClr val="tx1"/>
+                      </a:solidFill>
+                      <a:prstDash val="solid"/>
+                      <a:round/>
+                      <a:headEnd type="none" w="med" len="med"/>
+                      <a:tailEnd type="none" w="med" len="med"/>
+                    </a:lnT>
+                    <a:lnB w="12700" cap="flat" cmpd="sng" algn="ctr">
+                      <a:solidFill>
+                        <a:schemeClr val="tx1"/>
+                      </a:solidFill>
+                      <a:prstDash val="solid"/>
+                      <a:round/>
+                      <a:headEnd type="none" w="med" len="med"/>
+                      <a:tailEnd type="none" w="med" len="med"/>
+                    </a:lnB>
+                    <a:solidFill>
+                      <a:schemeClr val="bg1"/>
+                    </a:solidFill>
+                  </a:tcPr>
+                </a:tc>
+                <a:tc>
+                  <a:txBody>
+                    <a:bodyPr/>
+                    <a:lstStyle/>
+                    <a:p>
+                      <a:pPr algn="ctr" latinLnBrk="1"/>
+                      <a:r>
+                        <a:rPr lang="en-US" altLang="ko-KR" dirty="0">
+                          <a:solidFill>
+                            <a:schemeClr val="tx1"/>
+                          </a:solidFill>
+                        </a:rPr>
+                        <a:t>900</a:t>
+                      </a:r>
+                      <a:endParaRPr lang="ko-KR" altLang="en-US" dirty="0">
+                        <a:solidFill>
+                          <a:schemeClr val="tx1"/>
+                        </a:solidFill>
+                      </a:endParaRPr>
+                    </a:p>
+                  </a:txBody>
+                  <a:tcPr>
+                    <a:lnL w="12700" cap="flat" cmpd="sng" algn="ctr">
+                      <a:solidFill>
+                        <a:schemeClr val="tx1"/>
+                      </a:solidFill>
+                      <a:prstDash val="solid"/>
+                      <a:round/>
+                      <a:headEnd type="none" w="med" len="med"/>
+                      <a:tailEnd type="none" w="med" len="med"/>
+                    </a:lnL>
+                    <a:lnR w="12700" cap="flat" cmpd="sng" algn="ctr">
+                      <a:solidFill>
+                        <a:schemeClr val="tx1"/>
+                      </a:solidFill>
+                      <a:prstDash val="solid"/>
+                      <a:round/>
+                      <a:headEnd type="none" w="med" len="med"/>
+                      <a:tailEnd type="none" w="med" len="med"/>
+                    </a:lnR>
+                    <a:lnT w="12700" cap="flat" cmpd="sng" algn="ctr">
+                      <a:solidFill>
+                        <a:schemeClr val="tx1"/>
+                      </a:solidFill>
+                      <a:prstDash val="solid"/>
+                      <a:round/>
+                      <a:headEnd type="none" w="med" len="med"/>
+                      <a:tailEnd type="none" w="med" len="med"/>
+                    </a:lnT>
+                    <a:lnB w="12700" cap="flat" cmpd="sng" algn="ctr">
+                      <a:solidFill>
+                        <a:schemeClr val="tx1"/>
+                      </a:solidFill>
+                      <a:prstDash val="solid"/>
+                      <a:round/>
+                      <a:headEnd type="none" w="med" len="med"/>
+                      <a:tailEnd type="none" w="med" len="med"/>
+                    </a:lnB>
+                    <a:solidFill>
+                      <a:schemeClr val="bg1"/>
+                    </a:solidFill>
+                  </a:tcPr>
+                </a:tc>
+                <a:tc>
+                  <a:txBody>
+                    <a:bodyPr/>
+                    <a:lstStyle/>
+                    <a:p>
+                      <a:pPr algn="ctr" latinLnBrk="1"/>
+                      <a:r>
+                        <a:rPr lang="en-US" altLang="ko-KR" dirty="0">
+                          <a:solidFill>
+                            <a:schemeClr val="tx1"/>
+                          </a:solidFill>
+                        </a:rPr>
+                        <a:t>1</a:t>
+                      </a:r>
+                      <a:endParaRPr lang="ko-KR" altLang="en-US" dirty="0">
+                        <a:solidFill>
+                          <a:schemeClr val="tx1"/>
+                        </a:solidFill>
+                      </a:endParaRPr>
+                    </a:p>
+                  </a:txBody>
+                  <a:tcPr>
+                    <a:lnL w="12700" cap="flat" cmpd="sng" algn="ctr">
+                      <a:solidFill>
+                        <a:schemeClr val="tx1"/>
+                      </a:solidFill>
+                      <a:prstDash val="solid"/>
+                      <a:round/>
+                      <a:headEnd type="none" w="med" len="med"/>
+                      <a:tailEnd type="none" w="med" len="med"/>
+                    </a:lnL>
+                    <a:lnR w="12700" cap="flat" cmpd="sng" algn="ctr">
+                      <a:solidFill>
+                        <a:schemeClr val="tx1"/>
+                      </a:solidFill>
+                      <a:prstDash val="solid"/>
+                      <a:round/>
+                      <a:headEnd type="none" w="med" len="med"/>
+                      <a:tailEnd type="none" w="med" len="med"/>
+                    </a:lnR>
+                    <a:lnT w="12700" cap="flat" cmpd="sng" algn="ctr">
+                      <a:solidFill>
+                        <a:schemeClr val="tx1"/>
+                      </a:solidFill>
+                      <a:prstDash val="solid"/>
+                      <a:round/>
+                      <a:headEnd type="none" w="med" len="med"/>
+                      <a:tailEnd type="none" w="med" len="med"/>
+                    </a:lnT>
+                    <a:lnB w="12700" cap="flat" cmpd="sng" algn="ctr">
+                      <a:solidFill>
+                        <a:schemeClr val="tx1"/>
+                      </a:solidFill>
+                      <a:prstDash val="solid"/>
+                      <a:round/>
+                      <a:headEnd type="none" w="med" len="med"/>
+                      <a:tailEnd type="none" w="med" len="med"/>
+                    </a:lnB>
+                    <a:solidFill>
+                      <a:schemeClr val="bg1"/>
+                    </a:solidFill>
+                  </a:tcPr>
+                </a:tc>
+                <a:tc>
+                  <a:txBody>
+                    <a:bodyPr/>
+                    <a:lstStyle/>
+                    <a:p>
+                      <a:pPr algn="ctr" latinLnBrk="1"/>
+                      <a:r>
+                        <a:rPr lang="en-US" altLang="ko-KR" dirty="0">
+                          <a:solidFill>
+                            <a:schemeClr val="tx1"/>
+                          </a:solidFill>
+                        </a:rPr>
+                        <a:t>900</a:t>
+                      </a:r>
+                      <a:endParaRPr lang="ko-KR" altLang="en-US" dirty="0">
+                        <a:solidFill>
+                          <a:schemeClr val="tx1"/>
+                        </a:solidFill>
+                      </a:endParaRPr>
+                    </a:p>
+                  </a:txBody>
+                  <a:tcPr>
+                    <a:lnL w="12700" cap="flat" cmpd="sng" algn="ctr">
+                      <a:solidFill>
+                        <a:schemeClr val="tx1"/>
+                      </a:solidFill>
+                      <a:prstDash val="solid"/>
+                      <a:round/>
+                      <a:headEnd type="none" w="med" len="med"/>
+                      <a:tailEnd type="none" w="med" len="med"/>
+                    </a:lnL>
+                    <a:lnR w="12700" cap="flat" cmpd="sng" algn="ctr">
+                      <a:solidFill>
+                        <a:schemeClr val="tx1"/>
+                      </a:solidFill>
+                      <a:prstDash val="solid"/>
+                      <a:round/>
+                      <a:headEnd type="none" w="med" len="med"/>
+                      <a:tailEnd type="none" w="med" len="med"/>
+                    </a:lnR>
+                    <a:lnT w="12700" cap="flat" cmpd="sng" algn="ctr">
+                      <a:solidFill>
+                        <a:schemeClr val="tx1"/>
+                      </a:solidFill>
+                      <a:prstDash val="solid"/>
+                      <a:round/>
+                      <a:headEnd type="none" w="med" len="med"/>
+                      <a:tailEnd type="none" w="med" len="med"/>
+                    </a:lnT>
+                    <a:lnB w="12700" cap="flat" cmpd="sng" algn="ctr">
+                      <a:solidFill>
+                        <a:schemeClr val="tx1"/>
+                      </a:solidFill>
+                      <a:prstDash val="solid"/>
+                      <a:round/>
+                      <a:headEnd type="none" w="med" len="med"/>
+                      <a:tailEnd type="none" w="med" len="med"/>
+                    </a:lnB>
+                    <a:solidFill>
+                      <a:schemeClr val="bg1"/>
+                    </a:solidFill>
+                  </a:tcPr>
+                </a:tc>
+                <a:tc>
+                  <a:txBody>
+                    <a:bodyPr/>
+                    <a:lstStyle/>
+                    <a:p>
+                      <a:pPr algn="ctr" latinLnBrk="1"/>
+                      <a:r>
+                        <a:rPr lang="en-US" altLang="ko-KR" dirty="0">
+                          <a:solidFill>
+                            <a:schemeClr val="tx1"/>
+                          </a:solidFill>
+                        </a:rPr>
+                        <a:t>MCU-002 </a:t>
+                      </a:r>
+                      <a:r>
+                        <a:rPr lang="en-US" altLang="ko-KR" sz="1800" b="0" i="0" kern="1200" baseline="30000" dirty="0">
+                          <a:solidFill>
+                            <a:schemeClr val="dk1"/>
+                          </a:solidFill>
+                          <a:effectLst/>
+                          <a:latin typeface="+mn-lt"/>
+                          <a:ea typeface="+mn-ea"/>
+                          <a:cs typeface="+mn-cs"/>
+                        </a:rPr>
+                        <a:t>7)</a:t>
+                      </a:r>
+                      <a:endParaRPr lang="ko-KR" altLang="en-US" dirty="0">
+                        <a:solidFill>
+                          <a:schemeClr val="tx1"/>
+                        </a:solidFill>
+                      </a:endParaRPr>
+                    </a:p>
+                  </a:txBody>
+                  <a:tcPr>
+                    <a:lnL w="12700" cap="flat" cmpd="sng" algn="ctr">
+                      <a:solidFill>
+                        <a:schemeClr val="tx1"/>
+                      </a:solidFill>
+                      <a:prstDash val="solid"/>
+                      <a:round/>
+                      <a:headEnd type="none" w="med" len="med"/>
+                      <a:tailEnd type="none" w="med" len="med"/>
+                    </a:lnL>
+                    <a:lnR w="12700" cap="flat" cmpd="sng" algn="ctr">
+                      <a:solidFill>
+                        <a:schemeClr val="tx1"/>
+                      </a:solidFill>
+                      <a:prstDash val="solid"/>
+                      <a:round/>
+                      <a:headEnd type="none" w="med" len="med"/>
+                      <a:tailEnd type="none" w="med" len="med"/>
+                    </a:lnR>
+                    <a:lnT w="12700" cap="flat" cmpd="sng" algn="ctr">
+                      <a:solidFill>
+                        <a:schemeClr val="tx1"/>
+                      </a:solidFill>
+                      <a:prstDash val="solid"/>
+                      <a:round/>
+                      <a:headEnd type="none" w="med" len="med"/>
+                      <a:tailEnd type="none" w="med" len="med"/>
+                    </a:lnT>
+                    <a:lnB w="12700" cap="flat" cmpd="sng" algn="ctr">
+                      <a:solidFill>
+                        <a:schemeClr val="tx1"/>
+                      </a:solidFill>
+                      <a:prstDash val="solid"/>
+                      <a:round/>
+                      <a:headEnd type="none" w="med" len="med"/>
+                      <a:tailEnd type="none" w="med" len="med"/>
+                    </a:lnB>
+                    <a:solidFill>
+                      <a:schemeClr val="bg1"/>
+                    </a:solidFill>
+                  </a:tcPr>
+                </a:tc>
+                <a:extLst>
+                  <a:ext uri="{0D108BD9-81ED-4DB2-BD59-A6C34878D82A}">
+                    <a16:rowId xmlns:a16="http://schemas.microsoft.com/office/drawing/2014/main" val="3850569115"/>
+                  </a:ext>
+                </a:extLst>
+              </a:tr>
+              <a:tr h="403448">
+                <a:tc>
+                  <a:txBody>
+                    <a:bodyPr/>
+                    <a:lstStyle/>
+                    <a:p>
+                      <a:pPr algn="ctr" latinLnBrk="1"/>
+                      <a:r>
+                        <a:rPr lang="en-US" altLang="ko-KR" dirty="0">
+                          <a:solidFill>
+                            <a:schemeClr val="tx1"/>
+                          </a:solidFill>
+                        </a:rPr>
+                        <a:t>Optic Camera</a:t>
+                      </a:r>
+                      <a:endParaRPr lang="ko-KR" altLang="en-US" dirty="0">
+                        <a:solidFill>
+                          <a:schemeClr val="tx1"/>
+                        </a:solidFill>
+                      </a:endParaRPr>
+                    </a:p>
+                  </a:txBody>
+                  <a:tcPr>
+                    <a:lnL w="12700" cap="flat" cmpd="sng" algn="ctr">
+                      <a:solidFill>
+                        <a:schemeClr val="tx1"/>
+                      </a:solidFill>
+                      <a:prstDash val="solid"/>
+                      <a:round/>
+                      <a:headEnd type="none" w="med" len="med"/>
+                      <a:tailEnd type="none" w="med" len="med"/>
+                    </a:lnL>
+                    <a:lnR w="12700" cap="flat" cmpd="sng" algn="ctr">
+                      <a:solidFill>
+                        <a:schemeClr val="tx1"/>
+                      </a:solidFill>
+                      <a:prstDash val="solid"/>
+                      <a:round/>
+                      <a:headEnd type="none" w="med" len="med"/>
+                      <a:tailEnd type="none" w="med" len="med"/>
+                    </a:lnR>
+                    <a:lnT w="12700" cap="flat" cmpd="sng" algn="ctr">
+                      <a:solidFill>
+                        <a:schemeClr val="tx1"/>
+                      </a:solidFill>
+                      <a:prstDash val="solid"/>
+                      <a:round/>
+                      <a:headEnd type="none" w="med" len="med"/>
+                      <a:tailEnd type="none" w="med" len="med"/>
+                    </a:lnT>
+                    <a:lnB w="12700" cap="flat" cmpd="sng" algn="ctr">
+                      <a:solidFill>
+                        <a:schemeClr val="tx1"/>
+                      </a:solidFill>
+                      <a:prstDash val="solid"/>
+                      <a:round/>
+                      <a:headEnd type="none" w="med" len="med"/>
+                      <a:tailEnd type="none" w="med" len="med"/>
+                    </a:lnB>
+                    <a:solidFill>
+                      <a:schemeClr val="bg1"/>
+                    </a:solidFill>
+                  </a:tcPr>
+                </a:tc>
+                <a:tc>
+                  <a:txBody>
+                    <a:bodyPr/>
+                    <a:lstStyle/>
+                    <a:p>
+                      <a:pPr algn="ctr" latinLnBrk="1"/>
+                      <a:r>
+                        <a:rPr lang="en-US" altLang="ko-KR" dirty="0">
+                          <a:solidFill>
+                            <a:schemeClr val="tx1"/>
+                          </a:solidFill>
+                        </a:rPr>
+                        <a:t>150,000</a:t>
+                      </a:r>
+                      <a:endParaRPr lang="ko-KR" altLang="en-US" dirty="0">
+                        <a:solidFill>
+                          <a:schemeClr val="tx1"/>
+                        </a:solidFill>
+                      </a:endParaRPr>
+                    </a:p>
+                  </a:txBody>
+                  <a:tcPr>
+                    <a:lnL w="12700" cap="flat" cmpd="sng" algn="ctr">
+                      <a:solidFill>
+                        <a:schemeClr val="tx1"/>
+                      </a:solidFill>
+                      <a:prstDash val="solid"/>
+                      <a:round/>
+                      <a:headEnd type="none" w="med" len="med"/>
+                      <a:tailEnd type="none" w="med" len="med"/>
+                    </a:lnL>
+                    <a:lnR w="12700" cap="flat" cmpd="sng" algn="ctr">
+                      <a:solidFill>
+                        <a:schemeClr val="tx1"/>
+                      </a:solidFill>
+                      <a:prstDash val="solid"/>
+                      <a:round/>
+                      <a:headEnd type="none" w="med" len="med"/>
+                      <a:tailEnd type="none" w="med" len="med"/>
+                    </a:lnR>
+                    <a:lnT w="12700" cap="flat" cmpd="sng" algn="ctr">
+                      <a:solidFill>
+                        <a:schemeClr val="tx1"/>
+                      </a:solidFill>
+                      <a:prstDash val="solid"/>
+                      <a:round/>
+                      <a:headEnd type="none" w="med" len="med"/>
+                      <a:tailEnd type="none" w="med" len="med"/>
+                    </a:lnT>
+                    <a:lnB w="12700" cap="flat" cmpd="sng" algn="ctr">
+                      <a:solidFill>
+                        <a:schemeClr val="tx1"/>
+                      </a:solidFill>
+                      <a:prstDash val="solid"/>
+                      <a:round/>
+                      <a:headEnd type="none" w="med" len="med"/>
+                      <a:tailEnd type="none" w="med" len="med"/>
+                    </a:lnB>
+                    <a:solidFill>
+                      <a:schemeClr val="bg1"/>
+                    </a:solidFill>
+                  </a:tcPr>
+                </a:tc>
+                <a:tc>
+                  <a:txBody>
+                    <a:bodyPr/>
+                    <a:lstStyle/>
+                    <a:p>
+                      <a:pPr algn="ctr" latinLnBrk="1"/>
+                      <a:r>
+                        <a:rPr lang="en-US" altLang="ko-KR" dirty="0">
+                          <a:solidFill>
+                            <a:schemeClr val="tx1"/>
+                          </a:solidFill>
+                        </a:rPr>
+                        <a:t>1</a:t>
+                      </a:r>
+                      <a:endParaRPr lang="ko-KR" altLang="en-US" dirty="0">
+                        <a:solidFill>
+                          <a:schemeClr val="tx1"/>
+                        </a:solidFill>
+                      </a:endParaRPr>
+                    </a:p>
+                  </a:txBody>
+                  <a:tcPr>
+                    <a:lnL w="12700" cap="flat" cmpd="sng" algn="ctr">
+                      <a:solidFill>
+                        <a:schemeClr val="tx1"/>
+                      </a:solidFill>
+                      <a:prstDash val="solid"/>
+                      <a:round/>
+                      <a:headEnd type="none" w="med" len="med"/>
+                      <a:tailEnd type="none" w="med" len="med"/>
+                    </a:lnL>
+                    <a:lnR w="12700" cap="flat" cmpd="sng" algn="ctr">
+                      <a:solidFill>
+                        <a:schemeClr val="tx1"/>
+                      </a:solidFill>
+                      <a:prstDash val="solid"/>
+                      <a:round/>
+                      <a:headEnd type="none" w="med" len="med"/>
+                      <a:tailEnd type="none" w="med" len="med"/>
+                    </a:lnR>
+                    <a:lnT w="12700" cap="flat" cmpd="sng" algn="ctr">
+                      <a:solidFill>
+                        <a:schemeClr val="tx1"/>
+                      </a:solidFill>
+                      <a:prstDash val="solid"/>
+                      <a:round/>
+                      <a:headEnd type="none" w="med" len="med"/>
+                      <a:tailEnd type="none" w="med" len="med"/>
+                    </a:lnT>
+                    <a:lnB w="12700" cap="flat" cmpd="sng" algn="ctr">
+                      <a:solidFill>
+                        <a:schemeClr val="tx1"/>
+                      </a:solidFill>
+                      <a:prstDash val="solid"/>
+                      <a:round/>
+                      <a:headEnd type="none" w="med" len="med"/>
+                      <a:tailEnd type="none" w="med" len="med"/>
+                    </a:lnB>
+                    <a:solidFill>
+                      <a:schemeClr val="bg1"/>
+                    </a:solidFill>
+                  </a:tcPr>
+                </a:tc>
+                <a:tc>
+                  <a:txBody>
+                    <a:bodyPr/>
+                    <a:lstStyle/>
+                    <a:p>
+                      <a:pPr algn="ctr" latinLnBrk="1"/>
+                      <a:r>
+                        <a:rPr lang="en-US" altLang="ko-KR" dirty="0">
+                          <a:solidFill>
+                            <a:schemeClr val="tx1"/>
+                          </a:solidFill>
+                        </a:rPr>
+                        <a:t>150,000</a:t>
+                      </a:r>
+                      <a:endParaRPr lang="ko-KR" altLang="en-US" dirty="0">
+                        <a:solidFill>
+                          <a:schemeClr val="tx1"/>
+                        </a:solidFill>
+                      </a:endParaRPr>
+                    </a:p>
+                  </a:txBody>
+                  <a:tcPr>
+                    <a:lnL w="12700" cap="flat" cmpd="sng" algn="ctr">
+                      <a:solidFill>
+                        <a:schemeClr val="tx1"/>
+                      </a:solidFill>
+                      <a:prstDash val="solid"/>
+                      <a:round/>
+                      <a:headEnd type="none" w="med" len="med"/>
+                      <a:tailEnd type="none" w="med" len="med"/>
+                    </a:lnL>
+                    <a:lnR w="12700" cap="flat" cmpd="sng" algn="ctr">
+                      <a:solidFill>
+                        <a:schemeClr val="tx1"/>
+                      </a:solidFill>
+                      <a:prstDash val="solid"/>
+                      <a:round/>
+                      <a:headEnd type="none" w="med" len="med"/>
+                      <a:tailEnd type="none" w="med" len="med"/>
+                    </a:lnR>
+                    <a:lnT w="12700" cap="flat" cmpd="sng" algn="ctr">
+                      <a:solidFill>
+                        <a:schemeClr val="tx1"/>
+                      </a:solidFill>
+                      <a:prstDash val="solid"/>
+                      <a:round/>
+                      <a:headEnd type="none" w="med" len="med"/>
+                      <a:tailEnd type="none" w="med" len="med"/>
+                    </a:lnT>
+                    <a:lnB w="12700" cap="flat" cmpd="sng" algn="ctr">
+                      <a:solidFill>
+                        <a:schemeClr val="tx1"/>
+                      </a:solidFill>
+                      <a:prstDash val="solid"/>
+                      <a:round/>
+                      <a:headEnd type="none" w="med" len="med"/>
+                      <a:tailEnd type="none" w="med" len="med"/>
+                    </a:lnB>
+                    <a:solidFill>
+                      <a:schemeClr val="bg1"/>
+                    </a:solidFill>
+                  </a:tcPr>
+                </a:tc>
+                <a:tc>
+                  <a:txBody>
+                    <a:bodyPr/>
+                    <a:lstStyle/>
+                    <a:p>
+                      <a:pPr algn="ctr" latinLnBrk="1"/>
+                      <a:r>
+                        <a:rPr lang="ko-KR" altLang="en-US" dirty="0">
+                          <a:solidFill>
+                            <a:schemeClr val="tx1"/>
+                          </a:solidFill>
+                        </a:rPr>
+                        <a:t>미정</a:t>
+                      </a:r>
+                    </a:p>
+                  </a:txBody>
+                  <a:tcPr>
+                    <a:lnL w="12700" cap="flat" cmpd="sng" algn="ctr">
+                      <a:solidFill>
+                        <a:schemeClr val="tx1"/>
+                      </a:solidFill>
+                      <a:prstDash val="solid"/>
+                      <a:round/>
+                      <a:headEnd type="none" w="med" len="med"/>
+                      <a:tailEnd type="none" w="med" len="med"/>
+                    </a:lnL>
+                    <a:lnR w="12700" cap="flat" cmpd="sng" algn="ctr">
+                      <a:solidFill>
+                        <a:schemeClr val="tx1"/>
+                      </a:solidFill>
+                      <a:prstDash val="solid"/>
+                      <a:round/>
+                      <a:headEnd type="none" w="med" len="med"/>
+                      <a:tailEnd type="none" w="med" len="med"/>
+                    </a:lnR>
+                    <a:lnT w="12700" cap="flat" cmpd="sng" algn="ctr">
+                      <a:solidFill>
+                        <a:schemeClr val="tx1"/>
+                      </a:solidFill>
+                      <a:prstDash val="solid"/>
+                      <a:round/>
+                      <a:headEnd type="none" w="med" len="med"/>
+                      <a:tailEnd type="none" w="med" len="med"/>
+                    </a:lnT>
+                    <a:lnB w="12700" cap="flat" cmpd="sng" algn="ctr">
+                      <a:solidFill>
+                        <a:schemeClr val="tx1"/>
+                      </a:solidFill>
+                      <a:prstDash val="solid"/>
+                      <a:round/>
+                      <a:headEnd type="none" w="med" len="med"/>
+                      <a:tailEnd type="none" w="med" len="med"/>
+                    </a:lnB>
+                    <a:solidFill>
+                      <a:schemeClr val="bg1"/>
+                    </a:solidFill>
+                  </a:tcPr>
+                </a:tc>
+                <a:extLst>
+                  <a:ext uri="{0D108BD9-81ED-4DB2-BD59-A6C34878D82A}">
+                    <a16:rowId xmlns:a16="http://schemas.microsoft.com/office/drawing/2014/main" val="1775180543"/>
+                  </a:ext>
+                </a:extLst>
+              </a:tr>
+              <a:tr h="403448">
+                <a:tc>
+                  <a:txBody>
+                    <a:bodyPr/>
+                    <a:lstStyle/>
+                    <a:p>
+                      <a:pPr algn="ctr" latinLnBrk="1"/>
+                      <a:r>
+                        <a:rPr lang="ko-KR" altLang="en-US" dirty="0">
+                          <a:solidFill>
+                            <a:schemeClr val="tx1"/>
+                          </a:solidFill>
+                        </a:rPr>
+                        <a:t>편광필터</a:t>
+                      </a:r>
+                    </a:p>
+                  </a:txBody>
+                  <a:tcPr>
+                    <a:lnL w="12700" cap="flat" cmpd="sng" algn="ctr">
+                      <a:solidFill>
+                        <a:schemeClr val="tx1"/>
+                      </a:solidFill>
+                      <a:prstDash val="solid"/>
+                      <a:round/>
+                      <a:headEnd type="none" w="med" len="med"/>
+                      <a:tailEnd type="none" w="med" len="med"/>
+                    </a:lnL>
+                    <a:lnR w="12700" cap="flat" cmpd="sng" algn="ctr">
+                      <a:solidFill>
+                        <a:schemeClr val="tx1"/>
+                      </a:solidFill>
+                      <a:prstDash val="solid"/>
+                      <a:round/>
+                      <a:headEnd type="none" w="med" len="med"/>
+                      <a:tailEnd type="none" w="med" len="med"/>
+                    </a:lnR>
+                    <a:lnT w="12700" cap="flat" cmpd="sng" algn="ctr">
+                      <a:solidFill>
+                        <a:schemeClr val="tx1"/>
+                      </a:solidFill>
+                      <a:prstDash val="solid"/>
+                      <a:round/>
+                      <a:headEnd type="none" w="med" len="med"/>
+                      <a:tailEnd type="none" w="med" len="med"/>
+                    </a:lnT>
+                    <a:lnB w="12700" cap="flat" cmpd="sng" algn="ctr">
+                      <a:solidFill>
+                        <a:schemeClr val="tx1"/>
+                      </a:solidFill>
+                      <a:prstDash val="solid"/>
+                      <a:round/>
+                      <a:headEnd type="none" w="med" len="med"/>
+                      <a:tailEnd type="none" w="med" len="med"/>
+                    </a:lnB>
+                    <a:solidFill>
+                      <a:schemeClr val="bg1"/>
+                    </a:solidFill>
+                  </a:tcPr>
+                </a:tc>
+                <a:tc>
+                  <a:txBody>
+                    <a:bodyPr/>
+                    <a:lstStyle/>
+                    <a:p>
+                      <a:pPr algn="ctr" latinLnBrk="1"/>
+                      <a:r>
+                        <a:rPr lang="en-US" altLang="ko-KR" dirty="0">
+                          <a:solidFill>
+                            <a:schemeClr val="tx1"/>
+                          </a:solidFill>
+                        </a:rPr>
+                        <a:t>30,970</a:t>
+                      </a:r>
+                      <a:endParaRPr lang="ko-KR" altLang="en-US" dirty="0">
+                        <a:solidFill>
+                          <a:schemeClr val="tx1"/>
+                        </a:solidFill>
+                      </a:endParaRPr>
+                    </a:p>
+                  </a:txBody>
+                  <a:tcPr>
+                    <a:lnL w="12700" cap="flat" cmpd="sng" algn="ctr">
+                      <a:solidFill>
+                        <a:schemeClr val="tx1"/>
+                      </a:solidFill>
+                      <a:prstDash val="solid"/>
+                      <a:round/>
+                      <a:headEnd type="none" w="med" len="med"/>
+                      <a:tailEnd type="none" w="med" len="med"/>
+                    </a:lnL>
+                    <a:lnR w="12700" cap="flat" cmpd="sng" algn="ctr">
+                      <a:solidFill>
+                        <a:schemeClr val="tx1"/>
+                      </a:solidFill>
+                      <a:prstDash val="solid"/>
+                      <a:round/>
+                      <a:headEnd type="none" w="med" len="med"/>
+                      <a:tailEnd type="none" w="med" len="med"/>
+                    </a:lnR>
+                    <a:lnT w="12700" cap="flat" cmpd="sng" algn="ctr">
+                      <a:solidFill>
+                        <a:schemeClr val="tx1"/>
+                      </a:solidFill>
+                      <a:prstDash val="solid"/>
+                      <a:round/>
+                      <a:headEnd type="none" w="med" len="med"/>
+                      <a:tailEnd type="none" w="med" len="med"/>
+                    </a:lnT>
+                    <a:lnB w="12700" cap="flat" cmpd="sng" algn="ctr">
+                      <a:solidFill>
+                        <a:schemeClr val="tx1"/>
+                      </a:solidFill>
+                      <a:prstDash val="solid"/>
+                      <a:round/>
+                      <a:headEnd type="none" w="med" len="med"/>
+                      <a:tailEnd type="none" w="med" len="med"/>
+                    </a:lnB>
+                    <a:solidFill>
+                      <a:schemeClr val="bg1"/>
+                    </a:solidFill>
+                  </a:tcPr>
+                </a:tc>
+                <a:tc>
+                  <a:txBody>
+                    <a:bodyPr/>
+                    <a:lstStyle/>
+                    <a:p>
+                      <a:pPr algn="ctr" latinLnBrk="1"/>
+                      <a:r>
+                        <a:rPr lang="en-US" altLang="ko-KR" dirty="0">
+                          <a:solidFill>
+                            <a:schemeClr val="tx1"/>
+                          </a:solidFill>
+                        </a:rPr>
+                        <a:t>1</a:t>
+                      </a:r>
+                      <a:endParaRPr lang="ko-KR" altLang="en-US" dirty="0">
+                        <a:solidFill>
+                          <a:schemeClr val="tx1"/>
+                        </a:solidFill>
+                      </a:endParaRPr>
+                    </a:p>
+                  </a:txBody>
+                  <a:tcPr>
+                    <a:lnL w="12700" cap="flat" cmpd="sng" algn="ctr">
+                      <a:solidFill>
+                        <a:schemeClr val="tx1"/>
+                      </a:solidFill>
+                      <a:prstDash val="solid"/>
+                      <a:round/>
+                      <a:headEnd type="none" w="med" len="med"/>
+                      <a:tailEnd type="none" w="med" len="med"/>
+                    </a:lnL>
+                    <a:lnR w="12700" cap="flat" cmpd="sng" algn="ctr">
+                      <a:solidFill>
+                        <a:schemeClr val="tx1"/>
+                      </a:solidFill>
+                      <a:prstDash val="solid"/>
+                      <a:round/>
+                      <a:headEnd type="none" w="med" len="med"/>
+                      <a:tailEnd type="none" w="med" len="med"/>
+                    </a:lnR>
+                    <a:lnT w="12700" cap="flat" cmpd="sng" algn="ctr">
+                      <a:solidFill>
+                        <a:schemeClr val="tx1"/>
+                      </a:solidFill>
+                      <a:prstDash val="solid"/>
+                      <a:round/>
+                      <a:headEnd type="none" w="med" len="med"/>
+                      <a:tailEnd type="none" w="med" len="med"/>
+                    </a:lnT>
+                    <a:lnB w="12700" cap="flat" cmpd="sng" algn="ctr">
+                      <a:solidFill>
+                        <a:schemeClr val="tx1"/>
+                      </a:solidFill>
+                      <a:prstDash val="solid"/>
+                      <a:round/>
+                      <a:headEnd type="none" w="med" len="med"/>
+                      <a:tailEnd type="none" w="med" len="med"/>
+                    </a:lnB>
+                    <a:solidFill>
+                      <a:schemeClr val="bg1"/>
+                    </a:solidFill>
+                  </a:tcPr>
+                </a:tc>
+                <a:tc>
+                  <a:txBody>
+                    <a:bodyPr/>
+                    <a:lstStyle/>
+                    <a:p>
+                      <a:pPr algn="ctr" latinLnBrk="1"/>
+                      <a:r>
+                        <a:rPr lang="en-US" altLang="ko-KR" dirty="0">
+                          <a:solidFill>
+                            <a:schemeClr val="tx1"/>
+                          </a:solidFill>
+                        </a:rPr>
+                        <a:t>20,140</a:t>
+                      </a:r>
+                      <a:endParaRPr lang="ko-KR" altLang="en-US" dirty="0">
+                        <a:solidFill>
+                          <a:schemeClr val="tx1"/>
+                        </a:solidFill>
+                      </a:endParaRPr>
+                    </a:p>
+                  </a:txBody>
+                  <a:tcPr>
+                    <a:lnL w="12700" cap="flat" cmpd="sng" algn="ctr">
+                      <a:solidFill>
+                        <a:schemeClr val="tx1"/>
+                      </a:solidFill>
+                      <a:prstDash val="solid"/>
+                      <a:round/>
+                      <a:headEnd type="none" w="med" len="med"/>
+                      <a:tailEnd type="none" w="med" len="med"/>
+                    </a:lnL>
+                    <a:lnR w="12700" cap="flat" cmpd="sng" algn="ctr">
+                      <a:solidFill>
+                        <a:schemeClr val="tx1"/>
+                      </a:solidFill>
+                      <a:prstDash val="solid"/>
+                      <a:round/>
+                      <a:headEnd type="none" w="med" len="med"/>
+                      <a:tailEnd type="none" w="med" len="med"/>
+                    </a:lnR>
+                    <a:lnT w="12700" cap="flat" cmpd="sng" algn="ctr">
+                      <a:solidFill>
+                        <a:schemeClr val="tx1"/>
+                      </a:solidFill>
+                      <a:prstDash val="solid"/>
+                      <a:round/>
+                      <a:headEnd type="none" w="med" len="med"/>
+                      <a:tailEnd type="none" w="med" len="med"/>
+                    </a:lnT>
+                    <a:lnB w="12700" cap="flat" cmpd="sng" algn="ctr">
+                      <a:solidFill>
+                        <a:schemeClr val="tx1"/>
+                      </a:solidFill>
+                      <a:prstDash val="solid"/>
+                      <a:round/>
+                      <a:headEnd type="none" w="med" len="med"/>
+                      <a:tailEnd type="none" w="med" len="med"/>
+                    </a:lnB>
+                    <a:solidFill>
+                      <a:schemeClr val="bg1"/>
+                    </a:solidFill>
+                  </a:tcPr>
+                </a:tc>
+                <a:tc>
+                  <a:txBody>
+                    <a:bodyPr/>
+                    <a:lstStyle/>
+                    <a:p>
+                      <a:pPr algn="ctr" latinLnBrk="1"/>
+                      <a:r>
+                        <a:rPr lang="ko-KR" altLang="en-US" sz="1800" b="0" i="0" kern="1200" dirty="0">
+                          <a:solidFill>
+                            <a:schemeClr val="dk1"/>
+                          </a:solidFill>
+                          <a:effectLst/>
+                          <a:latin typeface="+mn-lt"/>
+                          <a:ea typeface="+mn-ea"/>
+                          <a:cs typeface="+mn-cs"/>
+                        </a:rPr>
+                        <a:t>호야 </a:t>
+                      </a:r>
+                      <a:r>
+                        <a:rPr lang="en-US" altLang="ko-KR" sz="1800" b="0" i="0" kern="1200" dirty="0">
+                          <a:solidFill>
+                            <a:schemeClr val="dk1"/>
+                          </a:solidFill>
+                          <a:effectLst/>
+                          <a:latin typeface="+mn-lt"/>
+                          <a:ea typeface="+mn-ea"/>
+                          <a:cs typeface="+mn-cs"/>
+                        </a:rPr>
+                        <a:t>SLIM CPL </a:t>
+                      </a:r>
+                      <a:r>
+                        <a:rPr lang="ko-KR" altLang="en-US" sz="1800" b="0" i="0" kern="1200">
+                          <a:solidFill>
+                            <a:schemeClr val="dk1"/>
+                          </a:solidFill>
+                          <a:effectLst/>
+                          <a:latin typeface="+mn-lt"/>
+                          <a:ea typeface="+mn-ea"/>
+                          <a:cs typeface="+mn-cs"/>
+                        </a:rPr>
+                        <a:t>편광필터 </a:t>
+                      </a:r>
+                      <a:r>
+                        <a:rPr lang="en-US" altLang="ko-KR" sz="1800" b="0" i="0" kern="1200" baseline="30000">
+                          <a:solidFill>
+                            <a:schemeClr val="dk1"/>
+                          </a:solidFill>
+                          <a:effectLst/>
+                          <a:latin typeface="+mn-lt"/>
+                          <a:ea typeface="+mn-ea"/>
+                          <a:cs typeface="+mn-cs"/>
+                        </a:rPr>
+                        <a:t>8</a:t>
+                      </a:r>
+                      <a:r>
+                        <a:rPr lang="en-US" altLang="ko-KR" sz="1800" b="0" i="0" kern="1200" baseline="30000" dirty="0">
+                          <a:solidFill>
+                            <a:schemeClr val="dk1"/>
+                          </a:solidFill>
+                          <a:effectLst/>
+                          <a:latin typeface="+mn-lt"/>
+                          <a:ea typeface="+mn-ea"/>
+                          <a:cs typeface="+mn-cs"/>
+                        </a:rPr>
+                        <a:t>)</a:t>
+                      </a:r>
+                      <a:endParaRPr lang="ko-KR" altLang="en-US" dirty="0">
+                        <a:solidFill>
+                          <a:schemeClr val="tx1"/>
+                        </a:solidFill>
+                      </a:endParaRPr>
+                    </a:p>
+                  </a:txBody>
+                  <a:tcPr>
+                    <a:lnL w="12700" cap="flat" cmpd="sng" algn="ctr">
+                      <a:solidFill>
+                        <a:schemeClr val="tx1"/>
+                      </a:solidFill>
+                      <a:prstDash val="solid"/>
+                      <a:round/>
+                      <a:headEnd type="none" w="med" len="med"/>
+                      <a:tailEnd type="none" w="med" len="med"/>
+                    </a:lnL>
+                    <a:lnR w="12700" cap="flat" cmpd="sng" algn="ctr">
+                      <a:solidFill>
+                        <a:schemeClr val="tx1"/>
+                      </a:solidFill>
+                      <a:prstDash val="solid"/>
+                      <a:round/>
+                      <a:headEnd type="none" w="med" len="med"/>
+                      <a:tailEnd type="none" w="med" len="med"/>
+                    </a:lnR>
+                    <a:lnT w="12700" cap="flat" cmpd="sng" algn="ctr">
+                      <a:solidFill>
+                        <a:schemeClr val="tx1"/>
+                      </a:solidFill>
+                      <a:prstDash val="solid"/>
+                      <a:round/>
+                      <a:headEnd type="none" w="med" len="med"/>
+                      <a:tailEnd type="none" w="med" len="med"/>
+                    </a:lnT>
+                    <a:lnB w="12700" cap="flat" cmpd="sng" algn="ctr">
+                      <a:solidFill>
+                        <a:schemeClr val="tx1"/>
+                      </a:solidFill>
+                      <a:prstDash val="solid"/>
+                      <a:round/>
+                      <a:headEnd type="none" w="med" len="med"/>
+                      <a:tailEnd type="none" w="med" len="med"/>
+                    </a:lnB>
+                    <a:solidFill>
+                      <a:schemeClr val="bg1"/>
+                    </a:solidFill>
+                  </a:tcPr>
+                </a:tc>
+                <a:extLst>
+                  <a:ext uri="{0D108BD9-81ED-4DB2-BD59-A6C34878D82A}">
+                    <a16:rowId xmlns:a16="http://schemas.microsoft.com/office/drawing/2014/main" val="3884078715"/>
+                  </a:ext>
+                </a:extLst>
+              </a:tr>
+              <a:tr h="403448">
+                <a:tc>
+                  <a:txBody>
+                    <a:bodyPr/>
+                    <a:lstStyle/>
+                    <a:p>
+                      <a:pPr algn="ctr" latinLnBrk="1"/>
+                      <a:r>
+                        <a:rPr lang="ko-KR" altLang="en-US" sz="1800" b="0" i="0" u="none" strike="noStrike" kern="1200" dirty="0">
+                          <a:solidFill>
+                            <a:schemeClr val="dk1"/>
+                          </a:solidFill>
+                          <a:effectLst/>
+                          <a:latin typeface="+mn-lt"/>
+                          <a:ea typeface="+mn-ea"/>
+                          <a:cs typeface="+mn-cs"/>
+                        </a:rPr>
+                        <a:t>안테나</a:t>
+                      </a:r>
+                      <a:endParaRPr lang="ko-KR" altLang="en-US" dirty="0">
+                        <a:solidFill>
+                          <a:schemeClr val="tx1"/>
+                        </a:solidFill>
+                      </a:endParaRPr>
+                    </a:p>
+                  </a:txBody>
+                  <a:tcPr>
+                    <a:lnL w="12700" cap="flat" cmpd="sng" algn="ctr">
+                      <a:solidFill>
+                        <a:schemeClr val="tx1"/>
+                      </a:solidFill>
+                      <a:prstDash val="solid"/>
+                      <a:round/>
+                      <a:headEnd type="none" w="med" len="med"/>
+                      <a:tailEnd type="none" w="med" len="med"/>
+                    </a:lnL>
+                    <a:lnR w="12700" cap="flat" cmpd="sng" algn="ctr">
+                      <a:solidFill>
+                        <a:schemeClr val="tx1"/>
+                      </a:solidFill>
+                      <a:prstDash val="solid"/>
+                      <a:round/>
+                      <a:headEnd type="none" w="med" len="med"/>
+                      <a:tailEnd type="none" w="med" len="med"/>
+                    </a:lnR>
+                    <a:lnT w="12700" cap="flat" cmpd="sng" algn="ctr">
+                      <a:solidFill>
+                        <a:schemeClr val="tx1"/>
+                      </a:solidFill>
+                      <a:prstDash val="solid"/>
+                      <a:round/>
+                      <a:headEnd type="none" w="med" len="med"/>
+                      <a:tailEnd type="none" w="med" len="med"/>
+                    </a:lnT>
+                    <a:lnB w="12700" cap="flat" cmpd="sng" algn="ctr">
+                      <a:solidFill>
+                        <a:schemeClr val="tx1"/>
+                      </a:solidFill>
+                      <a:prstDash val="solid"/>
+                      <a:round/>
+                      <a:headEnd type="none" w="med" len="med"/>
+                      <a:tailEnd type="none" w="med" len="med"/>
+                    </a:lnB>
+                    <a:solidFill>
+                      <a:schemeClr val="bg1"/>
+                    </a:solidFill>
+                  </a:tcPr>
+                </a:tc>
+                <a:tc>
+                  <a:txBody>
+                    <a:bodyPr/>
+                    <a:lstStyle/>
+                    <a:p>
+                      <a:pPr algn="ctr" latinLnBrk="1"/>
+                      <a:r>
+                        <a:rPr lang="en-US" altLang="ko-KR" dirty="0">
+                          <a:solidFill>
+                            <a:schemeClr val="tx1"/>
+                          </a:solidFill>
+                        </a:rPr>
+                        <a:t>21,300</a:t>
+                      </a:r>
+                      <a:endParaRPr lang="ko-KR" altLang="en-US" dirty="0">
+                        <a:solidFill>
+                          <a:schemeClr val="tx1"/>
+                        </a:solidFill>
+                      </a:endParaRPr>
+                    </a:p>
+                  </a:txBody>
+                  <a:tcPr>
+                    <a:lnL w="12700" cap="flat" cmpd="sng" algn="ctr">
+                      <a:solidFill>
+                        <a:schemeClr val="tx1"/>
+                      </a:solidFill>
+                      <a:prstDash val="solid"/>
+                      <a:round/>
+                      <a:headEnd type="none" w="med" len="med"/>
+                      <a:tailEnd type="none" w="med" len="med"/>
+                    </a:lnL>
+                    <a:lnR w="12700" cap="flat" cmpd="sng" algn="ctr">
+                      <a:solidFill>
+                        <a:schemeClr val="tx1"/>
+                      </a:solidFill>
+                      <a:prstDash val="solid"/>
+                      <a:round/>
+                      <a:headEnd type="none" w="med" len="med"/>
+                      <a:tailEnd type="none" w="med" len="med"/>
+                    </a:lnR>
+                    <a:lnT w="12700" cap="flat" cmpd="sng" algn="ctr">
+                      <a:solidFill>
+                        <a:schemeClr val="tx1"/>
+                      </a:solidFill>
+                      <a:prstDash val="solid"/>
+                      <a:round/>
+                      <a:headEnd type="none" w="med" len="med"/>
+                      <a:tailEnd type="none" w="med" len="med"/>
+                    </a:lnT>
+                    <a:lnB w="12700" cap="flat" cmpd="sng" algn="ctr">
+                      <a:solidFill>
+                        <a:schemeClr val="tx1"/>
+                      </a:solidFill>
+                      <a:prstDash val="solid"/>
+                      <a:round/>
+                      <a:headEnd type="none" w="med" len="med"/>
+                      <a:tailEnd type="none" w="med" len="med"/>
+                    </a:lnB>
+                    <a:solidFill>
+                      <a:schemeClr val="bg1"/>
+                    </a:solidFill>
+                  </a:tcPr>
+                </a:tc>
+                <a:tc>
+                  <a:txBody>
+                    <a:bodyPr/>
+                    <a:lstStyle/>
+                    <a:p>
+                      <a:pPr algn="ctr" latinLnBrk="1"/>
+                      <a:r>
+                        <a:rPr lang="en-US" altLang="ko-KR" dirty="0">
+                          <a:solidFill>
+                            <a:schemeClr val="tx1"/>
+                          </a:solidFill>
+                        </a:rPr>
+                        <a:t>2</a:t>
+                      </a:r>
+                      <a:endParaRPr lang="ko-KR" altLang="en-US" dirty="0">
+                        <a:solidFill>
+                          <a:schemeClr val="tx1"/>
+                        </a:solidFill>
+                      </a:endParaRPr>
+                    </a:p>
+                  </a:txBody>
+                  <a:tcPr>
+                    <a:lnL w="12700" cap="flat" cmpd="sng" algn="ctr">
+                      <a:solidFill>
+                        <a:schemeClr val="tx1"/>
+                      </a:solidFill>
+                      <a:prstDash val="solid"/>
+                      <a:round/>
+                      <a:headEnd type="none" w="med" len="med"/>
+                      <a:tailEnd type="none" w="med" len="med"/>
+                    </a:lnL>
+                    <a:lnR w="12700" cap="flat" cmpd="sng" algn="ctr">
+                      <a:solidFill>
+                        <a:schemeClr val="tx1"/>
+                      </a:solidFill>
+                      <a:prstDash val="solid"/>
+                      <a:round/>
+                      <a:headEnd type="none" w="med" len="med"/>
+                      <a:tailEnd type="none" w="med" len="med"/>
+                    </a:lnR>
+                    <a:lnT w="12700" cap="flat" cmpd="sng" algn="ctr">
+                      <a:solidFill>
+                        <a:schemeClr val="tx1"/>
+                      </a:solidFill>
+                      <a:prstDash val="solid"/>
+                      <a:round/>
+                      <a:headEnd type="none" w="med" len="med"/>
+                      <a:tailEnd type="none" w="med" len="med"/>
+                    </a:lnT>
+                    <a:lnB w="12700" cap="flat" cmpd="sng" algn="ctr">
+                      <a:solidFill>
+                        <a:schemeClr val="tx1"/>
+                      </a:solidFill>
+                      <a:prstDash val="solid"/>
+                      <a:round/>
+                      <a:headEnd type="none" w="med" len="med"/>
+                      <a:tailEnd type="none" w="med" len="med"/>
+                    </a:lnB>
+                    <a:solidFill>
+                      <a:schemeClr val="bg1"/>
+                    </a:solidFill>
+                  </a:tcPr>
+                </a:tc>
+                <a:tc>
+                  <a:txBody>
+                    <a:bodyPr/>
+                    <a:lstStyle/>
+                    <a:p>
+                      <a:pPr algn="ctr" latinLnBrk="1"/>
+                      <a:r>
+                        <a:rPr lang="en-US" altLang="ko-KR" dirty="0">
+                          <a:solidFill>
+                            <a:schemeClr val="tx1"/>
+                          </a:solidFill>
+                        </a:rPr>
+                        <a:t>42,600</a:t>
+                      </a:r>
+                      <a:endParaRPr lang="ko-KR" altLang="en-US" dirty="0">
+                        <a:solidFill>
+                          <a:schemeClr val="tx1"/>
+                        </a:solidFill>
+                      </a:endParaRPr>
+                    </a:p>
+                  </a:txBody>
+                  <a:tcPr>
+                    <a:lnL w="12700" cap="flat" cmpd="sng" algn="ctr">
+                      <a:solidFill>
+                        <a:schemeClr val="tx1"/>
+                      </a:solidFill>
+                      <a:prstDash val="solid"/>
+                      <a:round/>
+                      <a:headEnd type="none" w="med" len="med"/>
+                      <a:tailEnd type="none" w="med" len="med"/>
+                    </a:lnL>
+                    <a:lnR w="12700" cap="flat" cmpd="sng" algn="ctr">
+                      <a:solidFill>
+                        <a:schemeClr val="tx1"/>
+                      </a:solidFill>
+                      <a:prstDash val="solid"/>
+                      <a:round/>
+                      <a:headEnd type="none" w="med" len="med"/>
+                      <a:tailEnd type="none" w="med" len="med"/>
+                    </a:lnR>
+                    <a:lnT w="12700" cap="flat" cmpd="sng" algn="ctr">
+                      <a:solidFill>
+                        <a:schemeClr val="tx1"/>
+                      </a:solidFill>
+                      <a:prstDash val="solid"/>
+                      <a:round/>
+                      <a:headEnd type="none" w="med" len="med"/>
+                      <a:tailEnd type="none" w="med" len="med"/>
+                    </a:lnT>
+                    <a:lnB w="12700" cap="flat" cmpd="sng" algn="ctr">
+                      <a:solidFill>
+                        <a:schemeClr val="tx1"/>
+                      </a:solidFill>
+                      <a:prstDash val="solid"/>
+                      <a:round/>
+                      <a:headEnd type="none" w="med" len="med"/>
+                      <a:tailEnd type="none" w="med" len="med"/>
+                    </a:lnB>
+                    <a:solidFill>
+                      <a:schemeClr val="bg1"/>
+                    </a:solidFill>
+                  </a:tcPr>
+                </a:tc>
+                <a:tc>
+                  <a:txBody>
+                    <a:bodyPr/>
+                    <a:lstStyle/>
+                    <a:p>
+                      <a:pPr marL="0" marR="0" lvl="0" indent="0" algn="ctr" defTabSz="914400" rtl="0" eaLnBrk="1" fontAlgn="auto" latinLnBrk="1" hangingPunct="1">
+                        <a:lnSpc>
+                          <a:spcPct val="100000"/>
+                        </a:lnSpc>
+                        <a:spcBef>
+                          <a:spcPts val="0"/>
+                        </a:spcBef>
+                        <a:spcAft>
+                          <a:spcPts val="0"/>
+                        </a:spcAft>
+                        <a:buClrTx/>
+                        <a:buSzTx/>
+                        <a:buFontTx/>
+                        <a:buNone/>
+                        <a:tabLst/>
+                        <a:defRPr/>
+                      </a:pPr>
+                      <a:r>
+                        <a:rPr lang="en-US" altLang="ko-KR" sz="1800" b="0" i="0" kern="1200" dirty="0">
+                          <a:solidFill>
+                            <a:schemeClr val="dk1"/>
+                          </a:solidFill>
+                          <a:effectLst/>
+                          <a:latin typeface="+mn-lt"/>
+                          <a:ea typeface="+mn-ea"/>
+                          <a:cs typeface="+mn-cs"/>
+                        </a:rPr>
+                        <a:t>JW009A/RP-SMA</a:t>
+                      </a:r>
+                      <a:r>
+                        <a:rPr lang="ko-KR" altLang="en-US" sz="1800" b="0" i="0" kern="1200" dirty="0">
+                          <a:solidFill>
+                            <a:schemeClr val="dk1"/>
+                          </a:solidFill>
+                          <a:effectLst/>
+                          <a:latin typeface="+mn-lt"/>
+                          <a:ea typeface="+mn-ea"/>
+                          <a:cs typeface="+mn-cs"/>
+                        </a:rPr>
+                        <a:t>타입 </a:t>
+                      </a:r>
+                      <a:r>
+                        <a:rPr lang="en-US" altLang="ko-KR" sz="1800" b="0" i="0" kern="1200" baseline="30000" dirty="0">
+                          <a:solidFill>
+                            <a:schemeClr val="dk1"/>
+                          </a:solidFill>
+                          <a:effectLst/>
+                          <a:latin typeface="+mn-lt"/>
+                          <a:ea typeface="+mn-ea"/>
+                          <a:cs typeface="+mn-cs"/>
+                        </a:rPr>
+                        <a:t>9)</a:t>
+                      </a:r>
+                      <a:endParaRPr lang="ko-KR" altLang="en-US" sz="1800" b="0" i="0" kern="1200" dirty="0">
+                        <a:solidFill>
+                          <a:schemeClr val="dk1"/>
+                        </a:solidFill>
+                        <a:effectLst/>
+                        <a:latin typeface="+mn-lt"/>
+                        <a:ea typeface="+mn-ea"/>
+                        <a:cs typeface="+mn-cs"/>
+                      </a:endParaRPr>
+                    </a:p>
+                  </a:txBody>
+                  <a:tcPr>
+                    <a:lnL w="12700" cap="flat" cmpd="sng" algn="ctr">
+                      <a:solidFill>
+                        <a:schemeClr val="tx1"/>
+                      </a:solidFill>
+                      <a:prstDash val="solid"/>
+                      <a:round/>
+                      <a:headEnd type="none" w="med" len="med"/>
+                      <a:tailEnd type="none" w="med" len="med"/>
+                    </a:lnL>
+                    <a:lnR w="12700" cap="flat" cmpd="sng" algn="ctr">
+                      <a:solidFill>
+                        <a:schemeClr val="tx1"/>
+                      </a:solidFill>
+                      <a:prstDash val="solid"/>
+                      <a:round/>
+                      <a:headEnd type="none" w="med" len="med"/>
+                      <a:tailEnd type="none" w="med" len="med"/>
+                    </a:lnR>
+                    <a:lnT w="12700" cap="flat" cmpd="sng" algn="ctr">
+                      <a:solidFill>
+                        <a:schemeClr val="tx1"/>
+                      </a:solidFill>
+                      <a:prstDash val="solid"/>
+                      <a:round/>
+                      <a:headEnd type="none" w="med" len="med"/>
+                      <a:tailEnd type="none" w="med" len="med"/>
+                    </a:lnT>
+                    <a:lnB w="12700" cap="flat" cmpd="sng" algn="ctr">
+                      <a:solidFill>
+                        <a:schemeClr val="tx1"/>
+                      </a:solidFill>
+                      <a:prstDash val="solid"/>
+                      <a:round/>
+                      <a:headEnd type="none" w="med" len="med"/>
+                      <a:tailEnd type="none" w="med" len="med"/>
+                    </a:lnB>
+                    <a:solidFill>
+                      <a:schemeClr val="bg1"/>
+                    </a:solidFill>
+                  </a:tcPr>
+                </a:tc>
+                <a:extLst>
+                  <a:ext uri="{0D108BD9-81ED-4DB2-BD59-A6C34878D82A}">
+                    <a16:rowId xmlns:a16="http://schemas.microsoft.com/office/drawing/2014/main" val="3145901660"/>
+                  </a:ext>
+                </a:extLst>
+              </a:tr>
+              <a:tr h="403448">
+                <a:tc>
+                  <a:txBody>
+                    <a:bodyPr/>
+                    <a:lstStyle/>
+                    <a:p>
+                      <a:pPr algn="ctr" latinLnBrk="1"/>
+                      <a:r>
+                        <a:rPr lang="ko-KR" altLang="en-US" dirty="0">
+                          <a:solidFill>
+                            <a:schemeClr val="tx1"/>
+                          </a:solidFill>
+                        </a:rPr>
+                        <a:t>낙하산</a:t>
+                      </a:r>
+                    </a:p>
+                  </a:txBody>
+                  <a:tcPr>
+                    <a:lnL w="12700" cap="flat" cmpd="sng" algn="ctr">
+                      <a:solidFill>
+                        <a:schemeClr val="tx1"/>
+                      </a:solidFill>
+                      <a:prstDash val="solid"/>
+                      <a:round/>
+                      <a:headEnd type="none" w="med" len="med"/>
+                      <a:tailEnd type="none" w="med" len="med"/>
+                    </a:lnL>
+                    <a:lnR w="12700" cap="flat" cmpd="sng" algn="ctr">
+                      <a:solidFill>
+                        <a:schemeClr val="tx1"/>
+                      </a:solidFill>
+                      <a:prstDash val="solid"/>
+                      <a:round/>
+                      <a:headEnd type="none" w="med" len="med"/>
+                      <a:tailEnd type="none" w="med" len="med"/>
+                    </a:lnR>
+                    <a:lnT w="12700" cap="flat" cmpd="sng" algn="ctr">
+                      <a:solidFill>
+                        <a:schemeClr val="tx1"/>
+                      </a:solidFill>
+                      <a:prstDash val="solid"/>
+                      <a:round/>
+                      <a:headEnd type="none" w="med" len="med"/>
+                      <a:tailEnd type="none" w="med" len="med"/>
+                    </a:lnT>
+                    <a:lnB w="12700" cap="flat" cmpd="sng" algn="ctr">
+                      <a:solidFill>
+                        <a:schemeClr val="tx1"/>
+                      </a:solidFill>
+                      <a:prstDash val="solid"/>
+                      <a:round/>
+                      <a:headEnd type="none" w="med" len="med"/>
+                      <a:tailEnd type="none" w="med" len="med"/>
+                    </a:lnB>
+                    <a:solidFill>
+                      <a:schemeClr val="bg1"/>
+                    </a:solidFill>
+                  </a:tcPr>
+                </a:tc>
+                <a:tc>
+                  <a:txBody>
+                    <a:bodyPr/>
+                    <a:lstStyle/>
+                    <a:p>
+                      <a:pPr algn="ctr" latinLnBrk="1"/>
+                      <a:r>
+                        <a:rPr lang="en-US" altLang="ko-KR" dirty="0">
+                          <a:solidFill>
+                            <a:schemeClr val="tx1"/>
+                          </a:solidFill>
+                        </a:rPr>
+                        <a:t>100,000</a:t>
+                      </a:r>
+                      <a:endParaRPr lang="ko-KR" altLang="en-US" dirty="0">
+                        <a:solidFill>
+                          <a:schemeClr val="tx1"/>
+                        </a:solidFill>
+                      </a:endParaRPr>
+                    </a:p>
+                  </a:txBody>
+                  <a:tcPr>
+                    <a:lnL w="12700" cap="flat" cmpd="sng" algn="ctr">
+                      <a:solidFill>
+                        <a:schemeClr val="tx1"/>
+                      </a:solidFill>
+                      <a:prstDash val="solid"/>
+                      <a:round/>
+                      <a:headEnd type="none" w="med" len="med"/>
+                      <a:tailEnd type="none" w="med" len="med"/>
+                    </a:lnL>
+                    <a:lnR w="12700" cap="flat" cmpd="sng" algn="ctr">
+                      <a:solidFill>
+                        <a:schemeClr val="tx1"/>
+                      </a:solidFill>
+                      <a:prstDash val="solid"/>
+                      <a:round/>
+                      <a:headEnd type="none" w="med" len="med"/>
+                      <a:tailEnd type="none" w="med" len="med"/>
+                    </a:lnR>
+                    <a:lnT w="12700" cap="flat" cmpd="sng" algn="ctr">
+                      <a:solidFill>
+                        <a:schemeClr val="tx1"/>
+                      </a:solidFill>
+                      <a:prstDash val="solid"/>
+                      <a:round/>
+                      <a:headEnd type="none" w="med" len="med"/>
+                      <a:tailEnd type="none" w="med" len="med"/>
+                    </a:lnT>
+                    <a:lnB w="12700" cap="flat" cmpd="sng" algn="ctr">
+                      <a:solidFill>
+                        <a:schemeClr val="tx1"/>
+                      </a:solidFill>
+                      <a:prstDash val="solid"/>
+                      <a:round/>
+                      <a:headEnd type="none" w="med" len="med"/>
+                      <a:tailEnd type="none" w="med" len="med"/>
+                    </a:lnB>
+                    <a:solidFill>
+                      <a:schemeClr val="bg1"/>
+                    </a:solidFill>
+                  </a:tcPr>
+                </a:tc>
+                <a:tc>
+                  <a:txBody>
+                    <a:bodyPr/>
+                    <a:lstStyle/>
+                    <a:p>
+                      <a:pPr algn="ctr" latinLnBrk="1"/>
+                      <a:r>
+                        <a:rPr lang="en-US" altLang="ko-KR" dirty="0">
+                          <a:solidFill>
+                            <a:schemeClr val="tx1"/>
+                          </a:solidFill>
+                        </a:rPr>
+                        <a:t>1</a:t>
+                      </a:r>
+                      <a:endParaRPr lang="ko-KR" altLang="en-US" dirty="0">
+                        <a:solidFill>
+                          <a:schemeClr val="tx1"/>
+                        </a:solidFill>
+                      </a:endParaRPr>
+                    </a:p>
+                  </a:txBody>
+                  <a:tcPr>
+                    <a:lnL w="12700" cap="flat" cmpd="sng" algn="ctr">
+                      <a:solidFill>
+                        <a:schemeClr val="tx1"/>
+                      </a:solidFill>
+                      <a:prstDash val="solid"/>
+                      <a:round/>
+                      <a:headEnd type="none" w="med" len="med"/>
+                      <a:tailEnd type="none" w="med" len="med"/>
+                    </a:lnL>
+                    <a:lnR w="12700" cap="flat" cmpd="sng" algn="ctr">
+                      <a:solidFill>
+                        <a:schemeClr val="tx1"/>
+                      </a:solidFill>
+                      <a:prstDash val="solid"/>
+                      <a:round/>
+                      <a:headEnd type="none" w="med" len="med"/>
+                      <a:tailEnd type="none" w="med" len="med"/>
+                    </a:lnR>
+                    <a:lnT w="12700" cap="flat" cmpd="sng" algn="ctr">
+                      <a:solidFill>
+                        <a:schemeClr val="tx1"/>
+                      </a:solidFill>
+                      <a:prstDash val="solid"/>
+                      <a:round/>
+                      <a:headEnd type="none" w="med" len="med"/>
+                      <a:tailEnd type="none" w="med" len="med"/>
+                    </a:lnT>
+                    <a:lnB w="12700" cap="flat" cmpd="sng" algn="ctr">
+                      <a:solidFill>
+                        <a:schemeClr val="tx1"/>
+                      </a:solidFill>
+                      <a:prstDash val="solid"/>
+                      <a:round/>
+                      <a:headEnd type="none" w="med" len="med"/>
+                      <a:tailEnd type="none" w="med" len="med"/>
+                    </a:lnB>
+                    <a:solidFill>
+                      <a:schemeClr val="bg1"/>
+                    </a:solidFill>
+                  </a:tcPr>
+                </a:tc>
+                <a:tc>
+                  <a:txBody>
+                    <a:bodyPr/>
+                    <a:lstStyle/>
+                    <a:p>
+                      <a:pPr algn="ctr" latinLnBrk="1"/>
+                      <a:r>
+                        <a:rPr lang="en-US" altLang="ko-KR" dirty="0">
+                          <a:solidFill>
+                            <a:schemeClr val="tx1"/>
+                          </a:solidFill>
+                        </a:rPr>
+                        <a:t>100,000</a:t>
+                      </a:r>
+                      <a:endParaRPr lang="ko-KR" altLang="en-US" dirty="0">
+                        <a:solidFill>
+                          <a:schemeClr val="tx1"/>
+                        </a:solidFill>
+                      </a:endParaRPr>
+                    </a:p>
+                  </a:txBody>
+                  <a:tcPr>
+                    <a:lnL w="12700" cap="flat" cmpd="sng" algn="ctr">
+                      <a:solidFill>
+                        <a:schemeClr val="tx1"/>
+                      </a:solidFill>
+                      <a:prstDash val="solid"/>
+                      <a:round/>
+                      <a:headEnd type="none" w="med" len="med"/>
+                      <a:tailEnd type="none" w="med" len="med"/>
+                    </a:lnL>
+                    <a:lnR w="12700" cap="flat" cmpd="sng" algn="ctr">
+                      <a:solidFill>
+                        <a:schemeClr val="tx1"/>
+                      </a:solidFill>
+                      <a:prstDash val="solid"/>
+                      <a:round/>
+                      <a:headEnd type="none" w="med" len="med"/>
+                      <a:tailEnd type="none" w="med" len="med"/>
+                    </a:lnR>
+                    <a:lnT w="12700" cap="flat" cmpd="sng" algn="ctr">
+                      <a:solidFill>
+                        <a:schemeClr val="tx1"/>
+                      </a:solidFill>
+                      <a:prstDash val="solid"/>
+                      <a:round/>
+                      <a:headEnd type="none" w="med" len="med"/>
+                      <a:tailEnd type="none" w="med" len="med"/>
+                    </a:lnT>
+                    <a:lnB w="12700" cap="flat" cmpd="sng" algn="ctr">
+                      <a:solidFill>
+                        <a:schemeClr val="tx1"/>
+                      </a:solidFill>
+                      <a:prstDash val="solid"/>
+                      <a:round/>
+                      <a:headEnd type="none" w="med" len="med"/>
+                      <a:tailEnd type="none" w="med" len="med"/>
+                    </a:lnB>
+                    <a:solidFill>
+                      <a:schemeClr val="bg1"/>
+                    </a:solidFill>
+                  </a:tcPr>
+                </a:tc>
+                <a:tc>
+                  <a:txBody>
+                    <a:bodyPr/>
+                    <a:lstStyle/>
+                    <a:p>
+                      <a:pPr algn="ctr" latinLnBrk="1"/>
+                      <a:r>
+                        <a:rPr lang="en-US" altLang="ko-KR" dirty="0">
+                          <a:solidFill>
+                            <a:schemeClr val="tx1"/>
+                          </a:solidFill>
+                        </a:rPr>
+                        <a:t>-</a:t>
+                      </a:r>
+                      <a:endParaRPr lang="ko-KR" altLang="en-US" dirty="0">
+                        <a:solidFill>
+                          <a:schemeClr val="tx1"/>
+                        </a:solidFill>
+                      </a:endParaRPr>
+                    </a:p>
+                  </a:txBody>
+                  <a:tcPr>
+                    <a:lnL w="12700" cap="flat" cmpd="sng" algn="ctr">
+                      <a:solidFill>
+                        <a:schemeClr val="tx1"/>
+                      </a:solidFill>
+                      <a:prstDash val="solid"/>
+                      <a:round/>
+                      <a:headEnd type="none" w="med" len="med"/>
+                      <a:tailEnd type="none" w="med" len="med"/>
+                    </a:lnL>
+                    <a:lnR w="12700" cap="flat" cmpd="sng" algn="ctr">
+                      <a:solidFill>
+                        <a:schemeClr val="tx1"/>
+                      </a:solidFill>
+                      <a:prstDash val="solid"/>
+                      <a:round/>
+                      <a:headEnd type="none" w="med" len="med"/>
+                      <a:tailEnd type="none" w="med" len="med"/>
+                    </a:lnR>
+                    <a:lnT w="12700" cap="flat" cmpd="sng" algn="ctr">
+                      <a:solidFill>
+                        <a:schemeClr val="tx1"/>
+                      </a:solidFill>
+                      <a:prstDash val="solid"/>
+                      <a:round/>
+                      <a:headEnd type="none" w="med" len="med"/>
+                      <a:tailEnd type="none" w="med" len="med"/>
+                    </a:lnT>
+                    <a:lnB w="12700" cap="flat" cmpd="sng" algn="ctr">
+                      <a:solidFill>
+                        <a:schemeClr val="tx1"/>
+                      </a:solidFill>
+                      <a:prstDash val="solid"/>
+                      <a:round/>
+                      <a:headEnd type="none" w="med" len="med"/>
+                      <a:tailEnd type="none" w="med" len="med"/>
+                    </a:lnB>
+                    <a:solidFill>
+                      <a:schemeClr val="bg1"/>
+                    </a:solidFill>
+                  </a:tcPr>
+                </a:tc>
+                <a:extLst>
+                  <a:ext uri="{0D108BD9-81ED-4DB2-BD59-A6C34878D82A}">
+                    <a16:rowId xmlns:a16="http://schemas.microsoft.com/office/drawing/2014/main" val="311485411"/>
+                  </a:ext>
+                </a:extLst>
+              </a:tr>
+              <a:tr h="403448">
+                <a:tc>
+                  <a:txBody>
+                    <a:bodyPr/>
+                    <a:lstStyle/>
+                    <a:p>
+                      <a:pPr algn="ctr" latinLnBrk="1"/>
+                      <a:r>
+                        <a:rPr lang="ko-KR" altLang="en-US" dirty="0">
+                          <a:solidFill>
+                            <a:schemeClr val="tx1"/>
+                          </a:solidFill>
+                        </a:rPr>
+                        <a:t>기타 비용 </a:t>
+                      </a:r>
+                      <a:r>
+                        <a:rPr lang="en-US" altLang="ko-KR" dirty="0">
+                          <a:solidFill>
+                            <a:schemeClr val="tx1"/>
+                          </a:solidFill>
+                        </a:rPr>
+                        <a:t>(</a:t>
+                      </a:r>
+                      <a:r>
+                        <a:rPr lang="ko-KR" altLang="en-US" dirty="0">
+                          <a:solidFill>
+                            <a:schemeClr val="tx1"/>
+                          </a:solidFill>
+                        </a:rPr>
+                        <a:t>배송비 등</a:t>
+                      </a:r>
+                      <a:r>
+                        <a:rPr lang="en-US" altLang="ko-KR" dirty="0">
+                          <a:solidFill>
+                            <a:schemeClr val="tx1"/>
+                          </a:solidFill>
+                        </a:rPr>
+                        <a:t>)</a:t>
+                      </a:r>
+                      <a:endParaRPr lang="ko-KR" altLang="en-US" dirty="0">
+                        <a:solidFill>
+                          <a:schemeClr val="tx1"/>
+                        </a:solidFill>
+                      </a:endParaRPr>
+                    </a:p>
+                  </a:txBody>
+                  <a:tcPr>
+                    <a:lnL w="12700" cap="flat" cmpd="sng" algn="ctr">
+                      <a:solidFill>
+                        <a:schemeClr val="tx1"/>
+                      </a:solidFill>
+                      <a:prstDash val="solid"/>
+                      <a:round/>
+                      <a:headEnd type="none" w="med" len="med"/>
+                      <a:tailEnd type="none" w="med" len="med"/>
+                    </a:lnL>
+                    <a:lnR w="12700" cap="flat" cmpd="sng" algn="ctr">
+                      <a:solidFill>
+                        <a:schemeClr val="tx1"/>
+                      </a:solidFill>
+                      <a:prstDash val="solid"/>
+                      <a:round/>
+                      <a:headEnd type="none" w="med" len="med"/>
+                      <a:tailEnd type="none" w="med" len="med"/>
+                    </a:lnR>
+                    <a:lnT w="12700" cap="flat" cmpd="sng" algn="ctr">
+                      <a:solidFill>
+                        <a:schemeClr val="tx1"/>
+                      </a:solidFill>
+                      <a:prstDash val="solid"/>
+                      <a:round/>
+                      <a:headEnd type="none" w="med" len="med"/>
+                      <a:tailEnd type="none" w="med" len="med"/>
+                    </a:lnT>
+                    <a:lnB w="12700" cap="flat" cmpd="sng" algn="ctr">
+                      <a:solidFill>
+                        <a:schemeClr val="tx1"/>
+                      </a:solidFill>
+                      <a:prstDash val="solid"/>
+                      <a:round/>
+                      <a:headEnd type="none" w="med" len="med"/>
+                      <a:tailEnd type="none" w="med" len="med"/>
+                    </a:lnB>
+                    <a:solidFill>
+                      <a:schemeClr val="bg1"/>
+                    </a:solidFill>
+                  </a:tcPr>
+                </a:tc>
+                <a:tc>
+                  <a:txBody>
+                    <a:bodyPr/>
+                    <a:lstStyle/>
+                    <a:p>
+                      <a:pPr algn="ctr" latinLnBrk="1"/>
+                      <a:endParaRPr lang="ko-KR" altLang="en-US" dirty="0">
+                        <a:solidFill>
+                          <a:schemeClr val="tx1"/>
+                        </a:solidFill>
+                      </a:endParaRPr>
+                    </a:p>
+                  </a:txBody>
+                  <a:tcPr>
+                    <a:lnL w="12700" cap="flat" cmpd="sng" algn="ctr">
+                      <a:solidFill>
+                        <a:schemeClr val="tx1"/>
+                      </a:solidFill>
+                      <a:prstDash val="solid"/>
+                      <a:round/>
+                      <a:headEnd type="none" w="med" len="med"/>
+                      <a:tailEnd type="none" w="med" len="med"/>
+                    </a:lnL>
+                    <a:lnR w="12700" cap="flat" cmpd="sng" algn="ctr">
+                      <a:solidFill>
+                        <a:schemeClr val="tx1"/>
+                      </a:solidFill>
+                      <a:prstDash val="solid"/>
+                      <a:round/>
+                      <a:headEnd type="none" w="med" len="med"/>
+                      <a:tailEnd type="none" w="med" len="med"/>
+                    </a:lnR>
+                    <a:lnT w="12700" cap="flat" cmpd="sng" algn="ctr">
+                      <a:solidFill>
+                        <a:schemeClr val="tx1"/>
+                      </a:solidFill>
+                      <a:prstDash val="solid"/>
+                      <a:round/>
+                      <a:headEnd type="none" w="med" len="med"/>
+                      <a:tailEnd type="none" w="med" len="med"/>
+                    </a:lnT>
+                    <a:lnB w="12700" cap="flat" cmpd="sng" algn="ctr">
+                      <a:solidFill>
+                        <a:schemeClr val="tx1"/>
+                      </a:solidFill>
+                      <a:prstDash val="solid"/>
+                      <a:round/>
+                      <a:headEnd type="none" w="med" len="med"/>
+                      <a:tailEnd type="none" w="med" len="med"/>
+                    </a:lnB>
+                    <a:solidFill>
+                      <a:schemeClr val="bg1"/>
+                    </a:solidFill>
+                  </a:tcPr>
+                </a:tc>
+                <a:tc>
+                  <a:txBody>
+                    <a:bodyPr/>
+                    <a:lstStyle/>
+                    <a:p>
+                      <a:pPr algn="ctr" latinLnBrk="1"/>
+                      <a:endParaRPr lang="ko-KR" altLang="en-US" dirty="0">
+                        <a:solidFill>
+                          <a:schemeClr val="tx1"/>
+                        </a:solidFill>
+                      </a:endParaRPr>
+                    </a:p>
+                  </a:txBody>
+                  <a:tcPr>
+                    <a:lnL w="12700" cap="flat" cmpd="sng" algn="ctr">
+                      <a:solidFill>
+                        <a:schemeClr val="tx1"/>
+                      </a:solidFill>
+                      <a:prstDash val="solid"/>
+                      <a:round/>
+                      <a:headEnd type="none" w="med" len="med"/>
+                      <a:tailEnd type="none" w="med" len="med"/>
+                    </a:lnL>
+                    <a:lnR w="12700" cap="flat" cmpd="sng" algn="ctr">
+                      <a:solidFill>
+                        <a:schemeClr val="tx1"/>
+                      </a:solidFill>
+                      <a:prstDash val="solid"/>
+                      <a:round/>
+                      <a:headEnd type="none" w="med" len="med"/>
+                      <a:tailEnd type="none" w="med" len="med"/>
+                    </a:lnR>
+                    <a:lnT w="12700" cap="flat" cmpd="sng" algn="ctr">
+                      <a:solidFill>
+                        <a:schemeClr val="tx1"/>
+                      </a:solidFill>
+                      <a:prstDash val="solid"/>
+                      <a:round/>
+                      <a:headEnd type="none" w="med" len="med"/>
+                      <a:tailEnd type="none" w="med" len="med"/>
+                    </a:lnT>
+                    <a:lnB w="12700" cap="flat" cmpd="sng" algn="ctr">
+                      <a:solidFill>
+                        <a:schemeClr val="tx1"/>
+                      </a:solidFill>
+                      <a:prstDash val="solid"/>
+                      <a:round/>
+                      <a:headEnd type="none" w="med" len="med"/>
+                      <a:tailEnd type="none" w="med" len="med"/>
+                    </a:lnB>
+                    <a:solidFill>
+                      <a:schemeClr val="bg1"/>
+                    </a:solidFill>
+                  </a:tcPr>
+                </a:tc>
+                <a:tc>
+                  <a:txBody>
+                    <a:bodyPr/>
+                    <a:lstStyle/>
+                    <a:p>
+                      <a:pPr algn="ctr" latinLnBrk="1"/>
+                      <a:r>
+                        <a:rPr lang="en-US" altLang="ko-KR" dirty="0">
+                          <a:solidFill>
+                            <a:schemeClr val="tx1"/>
+                          </a:solidFill>
+                        </a:rPr>
+                        <a:t>100,000</a:t>
+                      </a:r>
+                      <a:endParaRPr lang="ko-KR" altLang="en-US" dirty="0">
+                        <a:solidFill>
+                          <a:schemeClr val="tx1"/>
+                        </a:solidFill>
+                      </a:endParaRPr>
+                    </a:p>
+                  </a:txBody>
+                  <a:tcPr>
+                    <a:lnL w="12700" cap="flat" cmpd="sng" algn="ctr">
+                      <a:solidFill>
+                        <a:schemeClr val="tx1"/>
+                      </a:solidFill>
+                      <a:prstDash val="solid"/>
+                      <a:round/>
+                      <a:headEnd type="none" w="med" len="med"/>
+                      <a:tailEnd type="none" w="med" len="med"/>
+                    </a:lnL>
+                    <a:lnR w="12700" cap="flat" cmpd="sng" algn="ctr">
+                      <a:solidFill>
+                        <a:schemeClr val="tx1"/>
+                      </a:solidFill>
+                      <a:prstDash val="solid"/>
+                      <a:round/>
+                      <a:headEnd type="none" w="med" len="med"/>
+                      <a:tailEnd type="none" w="med" len="med"/>
+                    </a:lnR>
+                    <a:lnT w="12700" cap="flat" cmpd="sng" algn="ctr">
+                      <a:solidFill>
+                        <a:schemeClr val="tx1"/>
+                      </a:solidFill>
+                      <a:prstDash val="solid"/>
+                      <a:round/>
+                      <a:headEnd type="none" w="med" len="med"/>
+                      <a:tailEnd type="none" w="med" len="med"/>
+                    </a:lnT>
+                    <a:lnB w="12700" cap="flat" cmpd="sng" algn="ctr">
+                      <a:solidFill>
+                        <a:schemeClr val="tx1"/>
+                      </a:solidFill>
+                      <a:prstDash val="solid"/>
+                      <a:round/>
+                      <a:headEnd type="none" w="med" len="med"/>
+                      <a:tailEnd type="none" w="med" len="med"/>
+                    </a:lnB>
+                    <a:solidFill>
+                      <a:schemeClr val="bg1"/>
+                    </a:solidFill>
+                  </a:tcPr>
+                </a:tc>
+                <a:tc>
+                  <a:txBody>
+                    <a:bodyPr/>
+                    <a:lstStyle/>
+                    <a:p>
+                      <a:pPr algn="ctr" latinLnBrk="1"/>
+                      <a:r>
+                        <a:rPr lang="en-US" altLang="ko-KR" dirty="0">
+                          <a:solidFill>
+                            <a:schemeClr val="tx1"/>
+                          </a:solidFill>
+                        </a:rPr>
+                        <a:t>-</a:t>
+                      </a:r>
+                      <a:endParaRPr lang="ko-KR" altLang="en-US" dirty="0">
+                        <a:solidFill>
+                          <a:schemeClr val="tx1"/>
+                        </a:solidFill>
+                      </a:endParaRPr>
+                    </a:p>
+                  </a:txBody>
+                  <a:tcPr>
+                    <a:lnL w="12700" cap="flat" cmpd="sng" algn="ctr">
+                      <a:solidFill>
+                        <a:schemeClr val="tx1"/>
+                      </a:solidFill>
+                      <a:prstDash val="solid"/>
+                      <a:round/>
+                      <a:headEnd type="none" w="med" len="med"/>
+                      <a:tailEnd type="none" w="med" len="med"/>
+                    </a:lnL>
+                    <a:lnR w="12700" cap="flat" cmpd="sng" algn="ctr">
+                      <a:solidFill>
+                        <a:schemeClr val="tx1"/>
+                      </a:solidFill>
+                      <a:prstDash val="solid"/>
+                      <a:round/>
+                      <a:headEnd type="none" w="med" len="med"/>
+                      <a:tailEnd type="none" w="med" len="med"/>
+                    </a:lnR>
+                    <a:lnT w="12700" cap="flat" cmpd="sng" algn="ctr">
+                      <a:solidFill>
+                        <a:schemeClr val="tx1"/>
+                      </a:solidFill>
+                      <a:prstDash val="solid"/>
+                      <a:round/>
+                      <a:headEnd type="none" w="med" len="med"/>
+                      <a:tailEnd type="none" w="med" len="med"/>
+                    </a:lnT>
+                    <a:lnB w="12700" cap="flat" cmpd="sng" algn="ctr">
+                      <a:solidFill>
+                        <a:schemeClr val="tx1"/>
+                      </a:solidFill>
+                      <a:prstDash val="solid"/>
+                      <a:round/>
+                      <a:headEnd type="none" w="med" len="med"/>
+                      <a:tailEnd type="none" w="med" len="med"/>
+                    </a:lnB>
+                    <a:solidFill>
+                      <a:schemeClr val="bg1"/>
+                    </a:solidFill>
+                  </a:tcPr>
+                </a:tc>
+                <a:extLst>
+                  <a:ext uri="{0D108BD9-81ED-4DB2-BD59-A6C34878D82A}">
+                    <a16:rowId xmlns:a16="http://schemas.microsoft.com/office/drawing/2014/main" val="2861512914"/>
+                  </a:ext>
+                </a:extLst>
+              </a:tr>
+              <a:tr h="403448">
+                <a:tc>
+                  <a:txBody>
+                    <a:bodyPr/>
+                    <a:lstStyle/>
+                    <a:p>
+                      <a:pPr algn="ctr" latinLnBrk="1"/>
+                      <a:r>
+                        <a:rPr lang="ko-KR" altLang="en-US" dirty="0">
+                          <a:solidFill>
+                            <a:schemeClr val="tx1"/>
+                          </a:solidFill>
+                        </a:rPr>
+                        <a:t>합계</a:t>
+                      </a:r>
+                    </a:p>
+                  </a:txBody>
+                  <a:tcPr>
+                    <a:lnL w="12700" cap="flat" cmpd="sng" algn="ctr">
+                      <a:solidFill>
+                        <a:schemeClr val="tx1"/>
+                      </a:solidFill>
+                      <a:prstDash val="solid"/>
+                      <a:round/>
+                      <a:headEnd type="none" w="med" len="med"/>
+                      <a:tailEnd type="none" w="med" len="med"/>
+                    </a:lnL>
+                    <a:lnR w="12700" cap="flat" cmpd="sng" algn="ctr">
+                      <a:solidFill>
+                        <a:schemeClr val="tx1"/>
+                      </a:solidFill>
+                      <a:prstDash val="solid"/>
+                      <a:round/>
+                      <a:headEnd type="none" w="med" len="med"/>
+                      <a:tailEnd type="none" w="med" len="med"/>
+                    </a:lnR>
+                    <a:lnT w="12700" cap="flat" cmpd="sng" algn="ctr">
+                      <a:solidFill>
+                        <a:schemeClr val="tx1"/>
+                      </a:solidFill>
+                      <a:prstDash val="solid"/>
+                      <a:round/>
+                      <a:headEnd type="none" w="med" len="med"/>
+                      <a:tailEnd type="none" w="med" len="med"/>
+                    </a:lnT>
+                    <a:lnB w="12700" cap="flat" cmpd="sng" algn="ctr">
+                      <a:solidFill>
+                        <a:schemeClr val="tx1"/>
+                      </a:solidFill>
+                      <a:prstDash val="solid"/>
+                      <a:round/>
+                      <a:headEnd type="none" w="med" len="med"/>
+                      <a:tailEnd type="none" w="med" len="med"/>
+                    </a:lnB>
+                    <a:solidFill>
+                      <a:schemeClr val="bg1"/>
+                    </a:solidFill>
+                  </a:tcPr>
+                </a:tc>
+                <a:tc>
+                  <a:txBody>
+                    <a:bodyPr/>
+                    <a:lstStyle/>
+                    <a:p>
+                      <a:pPr algn="ctr" latinLnBrk="1"/>
+                      <a:endParaRPr lang="ko-KR" altLang="en-US" dirty="0">
+                        <a:solidFill>
+                          <a:schemeClr val="tx1"/>
+                        </a:solidFill>
+                      </a:endParaRPr>
+                    </a:p>
+                  </a:txBody>
+                  <a:tcPr>
+                    <a:lnL w="12700" cap="flat" cmpd="sng" algn="ctr">
+                      <a:solidFill>
+                        <a:schemeClr val="tx1"/>
+                      </a:solidFill>
+                      <a:prstDash val="solid"/>
+                      <a:round/>
+                      <a:headEnd type="none" w="med" len="med"/>
+                      <a:tailEnd type="none" w="med" len="med"/>
+                    </a:lnL>
+                    <a:lnR w="12700" cap="flat" cmpd="sng" algn="ctr">
+                      <a:solidFill>
+                        <a:schemeClr val="tx1"/>
+                      </a:solidFill>
+                      <a:prstDash val="solid"/>
+                      <a:round/>
+                      <a:headEnd type="none" w="med" len="med"/>
+                      <a:tailEnd type="none" w="med" len="med"/>
+                    </a:lnR>
+                    <a:lnT w="12700" cap="flat" cmpd="sng" algn="ctr">
+                      <a:solidFill>
+                        <a:schemeClr val="tx1"/>
+                      </a:solidFill>
+                      <a:prstDash val="solid"/>
+                      <a:round/>
+                      <a:headEnd type="none" w="med" len="med"/>
+                      <a:tailEnd type="none" w="med" len="med"/>
+                    </a:lnT>
+                    <a:lnB w="12700" cap="flat" cmpd="sng" algn="ctr">
+                      <a:solidFill>
+                        <a:schemeClr val="tx1"/>
+                      </a:solidFill>
+                      <a:prstDash val="solid"/>
+                      <a:round/>
+                      <a:headEnd type="none" w="med" len="med"/>
+                      <a:tailEnd type="none" w="med" len="med"/>
+                    </a:lnB>
+                    <a:solidFill>
+                      <a:schemeClr val="bg1"/>
+                    </a:solidFill>
+                  </a:tcPr>
+                </a:tc>
+                <a:tc>
+                  <a:txBody>
+                    <a:bodyPr/>
+                    <a:lstStyle/>
+                    <a:p>
+                      <a:pPr algn="ctr" latinLnBrk="1"/>
+                      <a:endParaRPr lang="ko-KR" altLang="en-US" dirty="0">
+                        <a:solidFill>
+                          <a:schemeClr val="tx1"/>
+                        </a:solidFill>
+                      </a:endParaRPr>
+                    </a:p>
+                  </a:txBody>
+                  <a:tcPr>
+                    <a:lnL w="12700" cap="flat" cmpd="sng" algn="ctr">
+                      <a:solidFill>
+                        <a:schemeClr val="tx1"/>
+                      </a:solidFill>
+                      <a:prstDash val="solid"/>
+                      <a:round/>
+                      <a:headEnd type="none" w="med" len="med"/>
+                      <a:tailEnd type="none" w="med" len="med"/>
+                    </a:lnL>
+                    <a:lnR w="12700" cap="flat" cmpd="sng" algn="ctr">
+                      <a:solidFill>
+                        <a:schemeClr val="tx1"/>
+                      </a:solidFill>
+                      <a:prstDash val="solid"/>
+                      <a:round/>
+                      <a:headEnd type="none" w="med" len="med"/>
+                      <a:tailEnd type="none" w="med" len="med"/>
+                    </a:lnR>
+                    <a:lnT w="12700" cap="flat" cmpd="sng" algn="ctr">
+                      <a:solidFill>
+                        <a:schemeClr val="tx1"/>
+                      </a:solidFill>
+                      <a:prstDash val="solid"/>
+                      <a:round/>
+                      <a:headEnd type="none" w="med" len="med"/>
+                      <a:tailEnd type="none" w="med" len="med"/>
+                    </a:lnT>
+                    <a:lnB w="12700" cap="flat" cmpd="sng" algn="ctr">
+                      <a:solidFill>
+                        <a:schemeClr val="tx1"/>
+                      </a:solidFill>
+                      <a:prstDash val="solid"/>
+                      <a:round/>
+                      <a:headEnd type="none" w="med" len="med"/>
+                      <a:tailEnd type="none" w="med" len="med"/>
+                    </a:lnB>
+                    <a:solidFill>
+                      <a:schemeClr val="bg1"/>
+                    </a:solidFill>
+                  </a:tcPr>
+                </a:tc>
+                <a:tc>
+                  <a:txBody>
+                    <a:bodyPr/>
+                    <a:lstStyle/>
+                    <a:p>
+                      <a:pPr algn="ctr" latinLnBrk="1"/>
+                      <a:r>
+                        <a:rPr lang="en-US" altLang="ko-KR" dirty="0">
+                          <a:solidFill>
+                            <a:schemeClr val="tx1"/>
+                          </a:solidFill>
+                        </a:rPr>
+                        <a:t>739,120</a:t>
+                      </a:r>
+                      <a:endParaRPr lang="ko-KR" altLang="en-US" dirty="0">
+                        <a:solidFill>
+                          <a:schemeClr val="tx1"/>
+                        </a:solidFill>
+                      </a:endParaRPr>
+                    </a:p>
+                  </a:txBody>
+                  <a:tcPr>
+                    <a:lnL w="12700" cap="flat" cmpd="sng" algn="ctr">
+                      <a:solidFill>
+                        <a:schemeClr val="tx1"/>
+                      </a:solidFill>
+                      <a:prstDash val="solid"/>
+                      <a:round/>
+                      <a:headEnd type="none" w="med" len="med"/>
+                      <a:tailEnd type="none" w="med" len="med"/>
+                    </a:lnL>
+                    <a:lnR w="12700" cap="flat" cmpd="sng" algn="ctr">
+                      <a:solidFill>
+                        <a:schemeClr val="tx1"/>
+                      </a:solidFill>
+                      <a:prstDash val="solid"/>
+                      <a:round/>
+                      <a:headEnd type="none" w="med" len="med"/>
+                      <a:tailEnd type="none" w="med" len="med"/>
+                    </a:lnR>
+                    <a:lnT w="12700" cap="flat" cmpd="sng" algn="ctr">
+                      <a:solidFill>
+                        <a:schemeClr val="tx1"/>
+                      </a:solidFill>
+                      <a:prstDash val="solid"/>
+                      <a:round/>
+                      <a:headEnd type="none" w="med" len="med"/>
+                      <a:tailEnd type="none" w="med" len="med"/>
+                    </a:lnT>
+                    <a:lnB w="12700" cap="flat" cmpd="sng" algn="ctr">
+                      <a:solidFill>
+                        <a:schemeClr val="tx1"/>
+                      </a:solidFill>
+                      <a:prstDash val="solid"/>
+                      <a:round/>
+                      <a:headEnd type="none" w="med" len="med"/>
+                      <a:tailEnd type="none" w="med" len="med"/>
+                    </a:lnB>
+                    <a:solidFill>
+                      <a:schemeClr val="bg1"/>
+                    </a:solidFill>
+                  </a:tcPr>
+                </a:tc>
+                <a:tc>
+                  <a:txBody>
+                    <a:bodyPr/>
+                    <a:lstStyle/>
+                    <a:p>
+                      <a:pPr algn="ctr" latinLnBrk="1"/>
+                      <a:endParaRPr lang="ko-KR" altLang="en-US" dirty="0">
+                        <a:solidFill>
+                          <a:schemeClr val="tx1"/>
+                        </a:solidFill>
+                      </a:endParaRPr>
+                    </a:p>
+                  </a:txBody>
+                  <a:tcPr>
+                    <a:lnL w="12700" cap="flat" cmpd="sng" algn="ctr">
+                      <a:solidFill>
+                        <a:schemeClr val="tx1"/>
+                      </a:solidFill>
+                      <a:prstDash val="solid"/>
+                      <a:round/>
+                      <a:headEnd type="none" w="med" len="med"/>
+                      <a:tailEnd type="none" w="med" len="med"/>
+                    </a:lnL>
+                    <a:lnR w="12700" cap="flat" cmpd="sng" algn="ctr">
+                      <a:solidFill>
+                        <a:schemeClr val="tx1"/>
+                      </a:solidFill>
+                      <a:prstDash val="solid"/>
+                      <a:round/>
+                      <a:headEnd type="none" w="med" len="med"/>
+                      <a:tailEnd type="none" w="med" len="med"/>
+                    </a:lnR>
+                    <a:lnT w="12700" cap="flat" cmpd="sng" algn="ctr">
+                      <a:solidFill>
+                        <a:schemeClr val="tx1"/>
+                      </a:solidFill>
+                      <a:prstDash val="solid"/>
+                      <a:round/>
+                      <a:headEnd type="none" w="med" len="med"/>
+                      <a:tailEnd type="none" w="med" len="med"/>
+                    </a:lnT>
+                    <a:lnB w="12700" cap="flat" cmpd="sng" algn="ctr">
+                      <a:solidFill>
+                        <a:schemeClr val="tx1"/>
+                      </a:solidFill>
+                      <a:prstDash val="solid"/>
+                      <a:round/>
+                      <a:headEnd type="none" w="med" len="med"/>
+                      <a:tailEnd type="none" w="med" len="med"/>
+                    </a:lnB>
+                    <a:solidFill>
+                      <a:schemeClr val="bg1"/>
+                    </a:solidFill>
+                  </a:tcPr>
+                </a:tc>
+                <a:extLst>
+                  <a:ext uri="{0D108BD9-81ED-4DB2-BD59-A6C34878D82A}">
+                    <a16:rowId xmlns:a16="http://schemas.microsoft.com/office/drawing/2014/main" val="1487578389"/>
+                  </a:ext>
+                </a:extLst>
+              </a:tr>
+            </a:tbl>
+          </a:graphicData>
+        </a:graphic>
+      </p:graphicFrame>
+      <p:sp>
+        <p:nvSpPr>
+          <p:cNvPr id="5" name="TextBox 4">
+            <a:extLst>
+              <a:ext uri="{FF2B5EF4-FFF2-40B4-BE49-F238E27FC236}">
+                <a16:creationId xmlns:a16="http://schemas.microsoft.com/office/drawing/2014/main" id="{44F84B2A-CD55-50C6-1F13-39F336453558}"/>
+              </a:ext>
+            </a:extLst>
+          </p:cNvPr>
+          <p:cNvSpPr txBox="1"/>
+          <p:nvPr/>
+        </p:nvSpPr>
+        <p:spPr>
+          <a:xfrm>
+            <a:off x="10294706" y="243185"/>
+            <a:ext cx="1510301" cy="369332"/>
+          </a:xfrm>
+          <a:prstGeom prst="rect">
+            <a:avLst/>
+          </a:prstGeom>
+          <a:noFill/>
+        </p:spPr>
+        <p:txBody>
+          <a:bodyPr wrap="square" rtlCol="0">
+            <a:spAutoFit/>
+          </a:bodyPr>
+          <a:lstStyle/>
+          <a:p>
+            <a:r>
+              <a:rPr lang="en-US" altLang="ko-KR" dirty="0"/>
+              <a:t>(</a:t>
+            </a:r>
+            <a:r>
+              <a:rPr lang="ko-KR" altLang="en-US" dirty="0"/>
+              <a:t>단위 </a:t>
+            </a:r>
+            <a:r>
+              <a:rPr lang="en-US" altLang="ko-KR" dirty="0"/>
+              <a:t>: </a:t>
+            </a:r>
+            <a:r>
+              <a:rPr lang="ko-KR" altLang="en-US" dirty="0"/>
+              <a:t>원</a:t>
+            </a:r>
+            <a:r>
+              <a:rPr lang="en-US" altLang="ko-KR" dirty="0"/>
+              <a:t>)</a:t>
+            </a:r>
+            <a:endParaRPr lang="ko-KR" altLang="en-US" dirty="0"/>
+          </a:p>
+        </p:txBody>
+      </p:sp>
+    </p:spTree>
+    <p:extLst>
+      <p:ext uri="{BB962C8B-B14F-4D97-AF65-F5344CB8AC3E}">
+        <p14:creationId xmlns:p14="http://schemas.microsoft.com/office/powerpoint/2010/main" val="3035813497"/>
       </p:ext>
     </p:extLst>
   </p:cSld>
